--- a/bogovirus_2min_presentation.pptx
+++ b/bogovirus_2min_presentation.pptx
@@ -11,6 +11,9 @@
     <p:sldId id="275" r:id="rId5"/>
     <p:sldId id="272" r:id="rId6"/>
     <p:sldId id="274" r:id="rId7"/>
+    <p:sldId id="277" r:id="rId8"/>
+    <p:sldId id="278" r:id="rId9"/>
+    <p:sldId id="276" r:id="rId10"/>
   </p:sldIdLst>
   <p:sldSz cx="12192000" cy="6858000"/>
   <p:notesSz cx="6858000" cy="9144000"/>
@@ -120,7 +123,7 @@
 <file path=ppt/revisionInfo.xml><?xml version="1.0" encoding="utf-8"?>
 <p1510:revInfo xmlns:a="http://schemas.openxmlformats.org/drawingml/2006/main" xmlns:r="http://schemas.openxmlformats.org/officeDocument/2006/relationships" xmlns:p1510="http://schemas.microsoft.com/office/powerpoint/2015/10/main">
   <p1510:revLst>
-    <p1510:client id="{20031E9C-AB62-460C-937C-35EA177C3A25}" v="1" dt="2022-11-11T00:58:21.949"/>
+    <p1510:client id="{20031E9C-AB62-460C-937C-35EA177C3A25}" v="5" dt="2022-11-11T20:18:19.585"/>
   </p1510:revLst>
 </p1510:revInfo>
 </file>
@@ -129,8 +132,8 @@
 <pc:chgInfo xmlns:a="http://schemas.openxmlformats.org/drawingml/2006/main" xmlns:r="http://schemas.openxmlformats.org/officeDocument/2006/relationships" xmlns:ac="http://schemas.microsoft.com/office/drawing/2013/main/command" xmlns:pc="http://schemas.microsoft.com/office/powerpoint/2013/main/command">
   <pc:docChgLst>
     <pc:chgData name="Robert Horton" userId="885a253a-1f89-43e3-bab8-4c3002513a21" providerId="ADAL" clId="{20031E9C-AB62-460C-937C-35EA177C3A25}"/>
-    <pc:docChg chg="custSel addSld modSld sldOrd">
-      <pc:chgData name="Robert Horton" userId="885a253a-1f89-43e3-bab8-4c3002513a21" providerId="ADAL" clId="{20031E9C-AB62-460C-937C-35EA177C3A25}" dt="2022-11-11T01:01:34.355" v="280" actId="1076"/>
+    <pc:docChg chg="undo custSel addSld modSld sldOrd">
+      <pc:chgData name="Robert Horton" userId="885a253a-1f89-43e3-bab8-4c3002513a21" providerId="ADAL" clId="{20031E9C-AB62-460C-937C-35EA177C3A25}" dt="2022-11-11T20:19:18.485" v="417" actId="1038"/>
       <pc:docMkLst>
         <pc:docMk/>
       </pc:docMkLst>
@@ -577,6 +580,1035 @@
             <pc:docMk/>
             <pc:sldMk cId="2722639470" sldId="275"/>
             <ac:cxnSpMk id="63" creationId="{7189B07D-05D1-51A8-456D-E507F466644E}"/>
+          </ac:cxnSpMkLst>
+        </pc:cxnChg>
+      </pc:sldChg>
+      <pc:sldChg chg="addSp modSp new mod">
+        <pc:chgData name="Robert Horton" userId="885a253a-1f89-43e3-bab8-4c3002513a21" providerId="ADAL" clId="{20031E9C-AB62-460C-937C-35EA177C3A25}" dt="2022-11-11T19:58:50.371" v="290" actId="1076"/>
+        <pc:sldMkLst>
+          <pc:docMk/>
+          <pc:sldMk cId="3534228715" sldId="276"/>
+        </pc:sldMkLst>
+        <pc:spChg chg="mod">
+          <ac:chgData name="Robert Horton" userId="885a253a-1f89-43e3-bab8-4c3002513a21" providerId="ADAL" clId="{20031E9C-AB62-460C-937C-35EA177C3A25}" dt="2022-11-11T19:57:50.639" v="282"/>
+          <ac:spMkLst>
+            <pc:docMk/>
+            <pc:sldMk cId="3534228715" sldId="276"/>
+            <ac:spMk id="3" creationId="{76E5F31E-626C-6778-0862-5A18D77574D8}"/>
+          </ac:spMkLst>
+        </pc:spChg>
+        <pc:spChg chg="mod">
+          <ac:chgData name="Robert Horton" userId="885a253a-1f89-43e3-bab8-4c3002513a21" providerId="ADAL" clId="{20031E9C-AB62-460C-937C-35EA177C3A25}" dt="2022-11-11T19:57:50.639" v="282"/>
+          <ac:spMkLst>
+            <pc:docMk/>
+            <pc:sldMk cId="3534228715" sldId="276"/>
+            <ac:spMk id="4" creationId="{2856ED71-04FC-FABE-8B0F-F5A2D580C715}"/>
+          </ac:spMkLst>
+        </pc:spChg>
+        <pc:spChg chg="mod">
+          <ac:chgData name="Robert Horton" userId="885a253a-1f89-43e3-bab8-4c3002513a21" providerId="ADAL" clId="{20031E9C-AB62-460C-937C-35EA177C3A25}" dt="2022-11-11T19:57:50.639" v="282"/>
+          <ac:spMkLst>
+            <pc:docMk/>
+            <pc:sldMk cId="3534228715" sldId="276"/>
+            <ac:spMk id="5" creationId="{4EE2F1AC-1D13-32BB-11D8-90A06001BFF5}"/>
+          </ac:spMkLst>
+        </pc:spChg>
+        <pc:spChg chg="mod">
+          <ac:chgData name="Robert Horton" userId="885a253a-1f89-43e3-bab8-4c3002513a21" providerId="ADAL" clId="{20031E9C-AB62-460C-937C-35EA177C3A25}" dt="2022-11-11T19:57:50.639" v="282"/>
+          <ac:spMkLst>
+            <pc:docMk/>
+            <pc:sldMk cId="3534228715" sldId="276"/>
+            <ac:spMk id="6" creationId="{55A0EAF9-E246-1AFE-336D-7A639F0AFBCE}"/>
+          </ac:spMkLst>
+        </pc:spChg>
+        <pc:spChg chg="mod">
+          <ac:chgData name="Robert Horton" userId="885a253a-1f89-43e3-bab8-4c3002513a21" providerId="ADAL" clId="{20031E9C-AB62-460C-937C-35EA177C3A25}" dt="2022-11-11T19:57:50.639" v="282"/>
+          <ac:spMkLst>
+            <pc:docMk/>
+            <pc:sldMk cId="3534228715" sldId="276"/>
+            <ac:spMk id="7" creationId="{20B2E809-2FD1-8271-B9C0-A5AE7AE849ED}"/>
+          </ac:spMkLst>
+        </pc:spChg>
+        <pc:spChg chg="mod">
+          <ac:chgData name="Robert Horton" userId="885a253a-1f89-43e3-bab8-4c3002513a21" providerId="ADAL" clId="{20031E9C-AB62-460C-937C-35EA177C3A25}" dt="2022-11-11T19:57:50.639" v="282"/>
+          <ac:spMkLst>
+            <pc:docMk/>
+            <pc:sldMk cId="3534228715" sldId="276"/>
+            <ac:spMk id="18" creationId="{73F9C67A-D884-7592-7923-13488110556A}"/>
+          </ac:spMkLst>
+        </pc:spChg>
+        <pc:spChg chg="mod">
+          <ac:chgData name="Robert Horton" userId="885a253a-1f89-43e3-bab8-4c3002513a21" providerId="ADAL" clId="{20031E9C-AB62-460C-937C-35EA177C3A25}" dt="2022-11-11T19:57:50.639" v="282"/>
+          <ac:spMkLst>
+            <pc:docMk/>
+            <pc:sldMk cId="3534228715" sldId="276"/>
+            <ac:spMk id="19" creationId="{2AFE63A5-00DF-BF10-DE55-11EE4AFC0FE4}"/>
+          </ac:spMkLst>
+        </pc:spChg>
+        <pc:spChg chg="mod">
+          <ac:chgData name="Robert Horton" userId="885a253a-1f89-43e3-bab8-4c3002513a21" providerId="ADAL" clId="{20031E9C-AB62-460C-937C-35EA177C3A25}" dt="2022-11-11T19:57:50.639" v="282"/>
+          <ac:spMkLst>
+            <pc:docMk/>
+            <pc:sldMk cId="3534228715" sldId="276"/>
+            <ac:spMk id="20" creationId="{950691CE-05F3-6237-1805-6317741AF0CF}"/>
+          </ac:spMkLst>
+        </pc:spChg>
+        <pc:spChg chg="mod">
+          <ac:chgData name="Robert Horton" userId="885a253a-1f89-43e3-bab8-4c3002513a21" providerId="ADAL" clId="{20031E9C-AB62-460C-937C-35EA177C3A25}" dt="2022-11-11T19:57:50.639" v="282"/>
+          <ac:spMkLst>
+            <pc:docMk/>
+            <pc:sldMk cId="3534228715" sldId="276"/>
+            <ac:spMk id="23" creationId="{D70F654F-DFFD-32A0-2CEA-0E8DC5666BBE}"/>
+          </ac:spMkLst>
+        </pc:spChg>
+        <pc:spChg chg="mod">
+          <ac:chgData name="Robert Horton" userId="885a253a-1f89-43e3-bab8-4c3002513a21" providerId="ADAL" clId="{20031E9C-AB62-460C-937C-35EA177C3A25}" dt="2022-11-11T19:57:50.639" v="282"/>
+          <ac:spMkLst>
+            <pc:docMk/>
+            <pc:sldMk cId="3534228715" sldId="276"/>
+            <ac:spMk id="25" creationId="{34C195B5-3933-1004-ED8A-0985267AF07B}"/>
+          </ac:spMkLst>
+        </pc:spChg>
+        <pc:spChg chg="mod">
+          <ac:chgData name="Robert Horton" userId="885a253a-1f89-43e3-bab8-4c3002513a21" providerId="ADAL" clId="{20031E9C-AB62-460C-937C-35EA177C3A25}" dt="2022-11-11T19:57:50.639" v="282"/>
+          <ac:spMkLst>
+            <pc:docMk/>
+            <pc:sldMk cId="3534228715" sldId="276"/>
+            <ac:spMk id="26" creationId="{8C8BA50D-A319-AAD5-B5DB-5DB6964FA58B}"/>
+          </ac:spMkLst>
+        </pc:spChg>
+        <pc:spChg chg="mod">
+          <ac:chgData name="Robert Horton" userId="885a253a-1f89-43e3-bab8-4c3002513a21" providerId="ADAL" clId="{20031E9C-AB62-460C-937C-35EA177C3A25}" dt="2022-11-11T19:57:50.639" v="282"/>
+          <ac:spMkLst>
+            <pc:docMk/>
+            <pc:sldMk cId="3534228715" sldId="276"/>
+            <ac:spMk id="27" creationId="{9935E05D-AF76-065D-9B4C-201CE86B6947}"/>
+          </ac:spMkLst>
+        </pc:spChg>
+        <pc:spChg chg="mod">
+          <ac:chgData name="Robert Horton" userId="885a253a-1f89-43e3-bab8-4c3002513a21" providerId="ADAL" clId="{20031E9C-AB62-460C-937C-35EA177C3A25}" dt="2022-11-11T19:57:50.639" v="282"/>
+          <ac:spMkLst>
+            <pc:docMk/>
+            <pc:sldMk cId="3534228715" sldId="276"/>
+            <ac:spMk id="28" creationId="{95D70BB5-BECA-6548-9206-AEC1B1E82D89}"/>
+          </ac:spMkLst>
+        </pc:spChg>
+        <pc:spChg chg="mod">
+          <ac:chgData name="Robert Horton" userId="885a253a-1f89-43e3-bab8-4c3002513a21" providerId="ADAL" clId="{20031E9C-AB62-460C-937C-35EA177C3A25}" dt="2022-11-11T19:57:50.639" v="282"/>
+          <ac:spMkLst>
+            <pc:docMk/>
+            <pc:sldMk cId="3534228715" sldId="276"/>
+            <ac:spMk id="29" creationId="{7A6D1BAF-8EE3-0E69-9F1B-2DE337625454}"/>
+          </ac:spMkLst>
+        </pc:spChg>
+        <pc:spChg chg="mod">
+          <ac:chgData name="Robert Horton" userId="885a253a-1f89-43e3-bab8-4c3002513a21" providerId="ADAL" clId="{20031E9C-AB62-460C-937C-35EA177C3A25}" dt="2022-11-11T19:57:50.639" v="282"/>
+          <ac:spMkLst>
+            <pc:docMk/>
+            <pc:sldMk cId="3534228715" sldId="276"/>
+            <ac:spMk id="38" creationId="{1F9D00EF-CD8B-FFC9-33A4-2988BE3002CB}"/>
+          </ac:spMkLst>
+        </pc:spChg>
+        <pc:spChg chg="mod">
+          <ac:chgData name="Robert Horton" userId="885a253a-1f89-43e3-bab8-4c3002513a21" providerId="ADAL" clId="{20031E9C-AB62-460C-937C-35EA177C3A25}" dt="2022-11-11T19:57:50.639" v="282"/>
+          <ac:spMkLst>
+            <pc:docMk/>
+            <pc:sldMk cId="3534228715" sldId="276"/>
+            <ac:spMk id="41" creationId="{AEB2DEA8-BE9C-FFB9-0E2D-2D8E7C439CCF}"/>
+          </ac:spMkLst>
+        </pc:spChg>
+        <pc:spChg chg="mod">
+          <ac:chgData name="Robert Horton" userId="885a253a-1f89-43e3-bab8-4c3002513a21" providerId="ADAL" clId="{20031E9C-AB62-460C-937C-35EA177C3A25}" dt="2022-11-11T19:57:50.639" v="282"/>
+          <ac:spMkLst>
+            <pc:docMk/>
+            <pc:sldMk cId="3534228715" sldId="276"/>
+            <ac:spMk id="43" creationId="{817C4979-8611-1C9B-0A0E-4227D4C6FD34}"/>
+          </ac:spMkLst>
+        </pc:spChg>
+        <pc:spChg chg="mod">
+          <ac:chgData name="Robert Horton" userId="885a253a-1f89-43e3-bab8-4c3002513a21" providerId="ADAL" clId="{20031E9C-AB62-460C-937C-35EA177C3A25}" dt="2022-11-11T19:57:50.639" v="282"/>
+          <ac:spMkLst>
+            <pc:docMk/>
+            <pc:sldMk cId="3534228715" sldId="276"/>
+            <ac:spMk id="44" creationId="{E4D994F0-1807-4CE2-685E-A9B8978F0242}"/>
+          </ac:spMkLst>
+        </pc:spChg>
+        <pc:spChg chg="mod">
+          <ac:chgData name="Robert Horton" userId="885a253a-1f89-43e3-bab8-4c3002513a21" providerId="ADAL" clId="{20031E9C-AB62-460C-937C-35EA177C3A25}" dt="2022-11-11T19:57:50.639" v="282"/>
+          <ac:spMkLst>
+            <pc:docMk/>
+            <pc:sldMk cId="3534228715" sldId="276"/>
+            <ac:spMk id="45" creationId="{1050BE87-F830-6A1A-A33A-E1183AC1AB0B}"/>
+          </ac:spMkLst>
+        </pc:spChg>
+        <pc:spChg chg="mod">
+          <ac:chgData name="Robert Horton" userId="885a253a-1f89-43e3-bab8-4c3002513a21" providerId="ADAL" clId="{20031E9C-AB62-460C-937C-35EA177C3A25}" dt="2022-11-11T19:57:50.639" v="282"/>
+          <ac:spMkLst>
+            <pc:docMk/>
+            <pc:sldMk cId="3534228715" sldId="276"/>
+            <ac:spMk id="46" creationId="{99DC0DE4-05F5-86C3-926A-B438EA7327F4}"/>
+          </ac:spMkLst>
+        </pc:spChg>
+        <pc:spChg chg="mod">
+          <ac:chgData name="Robert Horton" userId="885a253a-1f89-43e3-bab8-4c3002513a21" providerId="ADAL" clId="{20031E9C-AB62-460C-937C-35EA177C3A25}" dt="2022-11-11T19:57:50.639" v="282"/>
+          <ac:spMkLst>
+            <pc:docMk/>
+            <pc:sldMk cId="3534228715" sldId="276"/>
+            <ac:spMk id="47" creationId="{A4B5CDF7-2254-EBF6-A95D-A2F0B9F4F233}"/>
+          </ac:spMkLst>
+        </pc:spChg>
+        <pc:spChg chg="mod">
+          <ac:chgData name="Robert Horton" userId="885a253a-1f89-43e3-bab8-4c3002513a21" providerId="ADAL" clId="{20031E9C-AB62-460C-937C-35EA177C3A25}" dt="2022-11-11T19:57:50.639" v="282"/>
+          <ac:spMkLst>
+            <pc:docMk/>
+            <pc:sldMk cId="3534228715" sldId="276"/>
+            <ac:spMk id="54" creationId="{40E255F9-4508-CD53-B62F-B4C19ACF6314}"/>
+          </ac:spMkLst>
+        </pc:spChg>
+        <pc:spChg chg="mod">
+          <ac:chgData name="Robert Horton" userId="885a253a-1f89-43e3-bab8-4c3002513a21" providerId="ADAL" clId="{20031E9C-AB62-460C-937C-35EA177C3A25}" dt="2022-11-11T19:57:50.639" v="282"/>
+          <ac:spMkLst>
+            <pc:docMk/>
+            <pc:sldMk cId="3534228715" sldId="276"/>
+            <ac:spMk id="57" creationId="{B65AC150-B147-DE67-729B-84835DE7632B}"/>
+          </ac:spMkLst>
+        </pc:spChg>
+        <pc:spChg chg="mod">
+          <ac:chgData name="Robert Horton" userId="885a253a-1f89-43e3-bab8-4c3002513a21" providerId="ADAL" clId="{20031E9C-AB62-460C-937C-35EA177C3A25}" dt="2022-11-11T19:57:50.639" v="282"/>
+          <ac:spMkLst>
+            <pc:docMk/>
+            <pc:sldMk cId="3534228715" sldId="276"/>
+            <ac:spMk id="61" creationId="{52FF985A-C0FE-2578-C84A-F0A1D5D62316}"/>
+          </ac:spMkLst>
+        </pc:spChg>
+        <pc:grpChg chg="add mod">
+          <ac:chgData name="Robert Horton" userId="885a253a-1f89-43e3-bab8-4c3002513a21" providerId="ADAL" clId="{20031E9C-AB62-460C-937C-35EA177C3A25}" dt="2022-11-11T19:58:50.371" v="290" actId="1076"/>
+          <ac:grpSpMkLst>
+            <pc:docMk/>
+            <pc:sldMk cId="3534228715" sldId="276"/>
+            <ac:grpSpMk id="2" creationId="{C0703A1D-DB52-49FD-6C03-2126D8F99680}"/>
+          </ac:grpSpMkLst>
+        </pc:grpChg>
+        <pc:cxnChg chg="mod">
+          <ac:chgData name="Robert Horton" userId="885a253a-1f89-43e3-bab8-4c3002513a21" providerId="ADAL" clId="{20031E9C-AB62-460C-937C-35EA177C3A25}" dt="2022-11-11T19:57:50.639" v="282"/>
+          <ac:cxnSpMkLst>
+            <pc:docMk/>
+            <pc:sldMk cId="3534228715" sldId="276"/>
+            <ac:cxnSpMk id="8" creationId="{1EFD3401-62B7-BCDE-AA65-CA2D3EE45E83}"/>
+          </ac:cxnSpMkLst>
+        </pc:cxnChg>
+        <pc:cxnChg chg="mod">
+          <ac:chgData name="Robert Horton" userId="885a253a-1f89-43e3-bab8-4c3002513a21" providerId="ADAL" clId="{20031E9C-AB62-460C-937C-35EA177C3A25}" dt="2022-11-11T19:57:50.639" v="282"/>
+          <ac:cxnSpMkLst>
+            <pc:docMk/>
+            <pc:sldMk cId="3534228715" sldId="276"/>
+            <ac:cxnSpMk id="9" creationId="{21E5EF34-42BA-D3CB-336E-A6C88D18CBDD}"/>
+          </ac:cxnSpMkLst>
+        </pc:cxnChg>
+        <pc:cxnChg chg="mod">
+          <ac:chgData name="Robert Horton" userId="885a253a-1f89-43e3-bab8-4c3002513a21" providerId="ADAL" clId="{20031E9C-AB62-460C-937C-35EA177C3A25}" dt="2022-11-11T19:57:50.639" v="282"/>
+          <ac:cxnSpMkLst>
+            <pc:docMk/>
+            <pc:sldMk cId="3534228715" sldId="276"/>
+            <ac:cxnSpMk id="10" creationId="{C795F738-189F-22AB-02E2-65570C10AFA3}"/>
+          </ac:cxnSpMkLst>
+        </pc:cxnChg>
+        <pc:cxnChg chg="mod">
+          <ac:chgData name="Robert Horton" userId="885a253a-1f89-43e3-bab8-4c3002513a21" providerId="ADAL" clId="{20031E9C-AB62-460C-937C-35EA177C3A25}" dt="2022-11-11T19:57:50.639" v="282"/>
+          <ac:cxnSpMkLst>
+            <pc:docMk/>
+            <pc:sldMk cId="3534228715" sldId="276"/>
+            <ac:cxnSpMk id="11" creationId="{082605F7-6FFA-0809-CEC3-184A3786C1A2}"/>
+          </ac:cxnSpMkLst>
+        </pc:cxnChg>
+        <pc:cxnChg chg="mod">
+          <ac:chgData name="Robert Horton" userId="885a253a-1f89-43e3-bab8-4c3002513a21" providerId="ADAL" clId="{20031E9C-AB62-460C-937C-35EA177C3A25}" dt="2022-11-11T19:57:50.639" v="282"/>
+          <ac:cxnSpMkLst>
+            <pc:docMk/>
+            <pc:sldMk cId="3534228715" sldId="276"/>
+            <ac:cxnSpMk id="12" creationId="{171AB1C9-1D4E-7319-4161-27C4029421EB}"/>
+          </ac:cxnSpMkLst>
+        </pc:cxnChg>
+        <pc:cxnChg chg="mod">
+          <ac:chgData name="Robert Horton" userId="885a253a-1f89-43e3-bab8-4c3002513a21" providerId="ADAL" clId="{20031E9C-AB62-460C-937C-35EA177C3A25}" dt="2022-11-11T19:57:50.639" v="282"/>
+          <ac:cxnSpMkLst>
+            <pc:docMk/>
+            <pc:sldMk cId="3534228715" sldId="276"/>
+            <ac:cxnSpMk id="13" creationId="{B3E1D229-D537-EDB0-B592-B79779081583}"/>
+          </ac:cxnSpMkLst>
+        </pc:cxnChg>
+        <pc:cxnChg chg="mod">
+          <ac:chgData name="Robert Horton" userId="885a253a-1f89-43e3-bab8-4c3002513a21" providerId="ADAL" clId="{20031E9C-AB62-460C-937C-35EA177C3A25}" dt="2022-11-11T19:57:50.639" v="282"/>
+          <ac:cxnSpMkLst>
+            <pc:docMk/>
+            <pc:sldMk cId="3534228715" sldId="276"/>
+            <ac:cxnSpMk id="14" creationId="{29C4C875-EBDF-B875-9DFC-215DC2E8A3B0}"/>
+          </ac:cxnSpMkLst>
+        </pc:cxnChg>
+        <pc:cxnChg chg="mod">
+          <ac:chgData name="Robert Horton" userId="885a253a-1f89-43e3-bab8-4c3002513a21" providerId="ADAL" clId="{20031E9C-AB62-460C-937C-35EA177C3A25}" dt="2022-11-11T19:57:50.639" v="282"/>
+          <ac:cxnSpMkLst>
+            <pc:docMk/>
+            <pc:sldMk cId="3534228715" sldId="276"/>
+            <ac:cxnSpMk id="15" creationId="{CBFD4E2C-CCCD-F96A-B775-726882502C03}"/>
+          </ac:cxnSpMkLst>
+        </pc:cxnChg>
+        <pc:cxnChg chg="mod">
+          <ac:chgData name="Robert Horton" userId="885a253a-1f89-43e3-bab8-4c3002513a21" providerId="ADAL" clId="{20031E9C-AB62-460C-937C-35EA177C3A25}" dt="2022-11-11T19:57:50.639" v="282"/>
+          <ac:cxnSpMkLst>
+            <pc:docMk/>
+            <pc:sldMk cId="3534228715" sldId="276"/>
+            <ac:cxnSpMk id="16" creationId="{78C3AB17-122C-529B-42B1-6902401BD078}"/>
+          </ac:cxnSpMkLst>
+        </pc:cxnChg>
+        <pc:cxnChg chg="mod">
+          <ac:chgData name="Robert Horton" userId="885a253a-1f89-43e3-bab8-4c3002513a21" providerId="ADAL" clId="{20031E9C-AB62-460C-937C-35EA177C3A25}" dt="2022-11-11T19:57:50.639" v="282"/>
+          <ac:cxnSpMkLst>
+            <pc:docMk/>
+            <pc:sldMk cId="3534228715" sldId="276"/>
+            <ac:cxnSpMk id="17" creationId="{0AAC5505-0F01-56E3-E971-BBEE00C543A1}"/>
+          </ac:cxnSpMkLst>
+        </pc:cxnChg>
+        <pc:cxnChg chg="mod">
+          <ac:chgData name="Robert Horton" userId="885a253a-1f89-43e3-bab8-4c3002513a21" providerId="ADAL" clId="{20031E9C-AB62-460C-937C-35EA177C3A25}" dt="2022-11-11T19:57:50.639" v="282"/>
+          <ac:cxnSpMkLst>
+            <pc:docMk/>
+            <pc:sldMk cId="3534228715" sldId="276"/>
+            <ac:cxnSpMk id="21" creationId="{8F6E0BF7-1629-F9DA-843F-7ECFEA6A1B85}"/>
+          </ac:cxnSpMkLst>
+        </pc:cxnChg>
+        <pc:cxnChg chg="mod">
+          <ac:chgData name="Robert Horton" userId="885a253a-1f89-43e3-bab8-4c3002513a21" providerId="ADAL" clId="{20031E9C-AB62-460C-937C-35EA177C3A25}" dt="2022-11-11T19:57:50.639" v="282"/>
+          <ac:cxnSpMkLst>
+            <pc:docMk/>
+            <pc:sldMk cId="3534228715" sldId="276"/>
+            <ac:cxnSpMk id="22" creationId="{D936715D-D6B1-CAB2-02B7-26F96DF50BF8}"/>
+          </ac:cxnSpMkLst>
+        </pc:cxnChg>
+        <pc:cxnChg chg="mod">
+          <ac:chgData name="Robert Horton" userId="885a253a-1f89-43e3-bab8-4c3002513a21" providerId="ADAL" clId="{20031E9C-AB62-460C-937C-35EA177C3A25}" dt="2022-11-11T19:57:50.639" v="282"/>
+          <ac:cxnSpMkLst>
+            <pc:docMk/>
+            <pc:sldMk cId="3534228715" sldId="276"/>
+            <ac:cxnSpMk id="24" creationId="{F21E8BFA-FCA4-F550-8F81-7C0B3BACFC95}"/>
+          </ac:cxnSpMkLst>
+        </pc:cxnChg>
+        <pc:cxnChg chg="mod">
+          <ac:chgData name="Robert Horton" userId="885a253a-1f89-43e3-bab8-4c3002513a21" providerId="ADAL" clId="{20031E9C-AB62-460C-937C-35EA177C3A25}" dt="2022-11-11T19:57:50.639" v="282"/>
+          <ac:cxnSpMkLst>
+            <pc:docMk/>
+            <pc:sldMk cId="3534228715" sldId="276"/>
+            <ac:cxnSpMk id="30" creationId="{234A9A4A-3BA5-D449-1D27-EB641F0F22A4}"/>
+          </ac:cxnSpMkLst>
+        </pc:cxnChg>
+        <pc:cxnChg chg="mod">
+          <ac:chgData name="Robert Horton" userId="885a253a-1f89-43e3-bab8-4c3002513a21" providerId="ADAL" clId="{20031E9C-AB62-460C-937C-35EA177C3A25}" dt="2022-11-11T19:57:50.639" v="282"/>
+          <ac:cxnSpMkLst>
+            <pc:docMk/>
+            <pc:sldMk cId="3534228715" sldId="276"/>
+            <ac:cxnSpMk id="31" creationId="{C7A641B5-FF1D-BD28-7F63-CCAD35AB6371}"/>
+          </ac:cxnSpMkLst>
+        </pc:cxnChg>
+        <pc:cxnChg chg="mod">
+          <ac:chgData name="Robert Horton" userId="885a253a-1f89-43e3-bab8-4c3002513a21" providerId="ADAL" clId="{20031E9C-AB62-460C-937C-35EA177C3A25}" dt="2022-11-11T19:57:50.639" v="282"/>
+          <ac:cxnSpMkLst>
+            <pc:docMk/>
+            <pc:sldMk cId="3534228715" sldId="276"/>
+            <ac:cxnSpMk id="32" creationId="{A6D3DE29-E349-9C4F-4A27-9A79FFD71C3B}"/>
+          </ac:cxnSpMkLst>
+        </pc:cxnChg>
+        <pc:cxnChg chg="mod">
+          <ac:chgData name="Robert Horton" userId="885a253a-1f89-43e3-bab8-4c3002513a21" providerId="ADAL" clId="{20031E9C-AB62-460C-937C-35EA177C3A25}" dt="2022-11-11T19:57:50.639" v="282"/>
+          <ac:cxnSpMkLst>
+            <pc:docMk/>
+            <pc:sldMk cId="3534228715" sldId="276"/>
+            <ac:cxnSpMk id="33" creationId="{DE4CA4B3-F05D-A82F-57C6-180EB42D6CD2}"/>
+          </ac:cxnSpMkLst>
+        </pc:cxnChg>
+        <pc:cxnChg chg="mod">
+          <ac:chgData name="Robert Horton" userId="885a253a-1f89-43e3-bab8-4c3002513a21" providerId="ADAL" clId="{20031E9C-AB62-460C-937C-35EA177C3A25}" dt="2022-11-11T19:57:50.639" v="282"/>
+          <ac:cxnSpMkLst>
+            <pc:docMk/>
+            <pc:sldMk cId="3534228715" sldId="276"/>
+            <ac:cxnSpMk id="34" creationId="{23D53BFF-7DF9-CC17-FC36-FA65121AAFD1}"/>
+          </ac:cxnSpMkLst>
+        </pc:cxnChg>
+        <pc:cxnChg chg="mod">
+          <ac:chgData name="Robert Horton" userId="885a253a-1f89-43e3-bab8-4c3002513a21" providerId="ADAL" clId="{20031E9C-AB62-460C-937C-35EA177C3A25}" dt="2022-11-11T19:57:50.639" v="282"/>
+          <ac:cxnSpMkLst>
+            <pc:docMk/>
+            <pc:sldMk cId="3534228715" sldId="276"/>
+            <ac:cxnSpMk id="35" creationId="{173C43C4-0E9E-F722-7551-56ED43C07539}"/>
+          </ac:cxnSpMkLst>
+        </pc:cxnChg>
+        <pc:cxnChg chg="mod">
+          <ac:chgData name="Robert Horton" userId="885a253a-1f89-43e3-bab8-4c3002513a21" providerId="ADAL" clId="{20031E9C-AB62-460C-937C-35EA177C3A25}" dt="2022-11-11T19:57:50.639" v="282"/>
+          <ac:cxnSpMkLst>
+            <pc:docMk/>
+            <pc:sldMk cId="3534228715" sldId="276"/>
+            <ac:cxnSpMk id="36" creationId="{D62E7BBA-E51B-9989-AD0C-2AEF6D1F319E}"/>
+          </ac:cxnSpMkLst>
+        </pc:cxnChg>
+        <pc:cxnChg chg="mod">
+          <ac:chgData name="Robert Horton" userId="885a253a-1f89-43e3-bab8-4c3002513a21" providerId="ADAL" clId="{20031E9C-AB62-460C-937C-35EA177C3A25}" dt="2022-11-11T19:57:50.639" v="282"/>
+          <ac:cxnSpMkLst>
+            <pc:docMk/>
+            <pc:sldMk cId="3534228715" sldId="276"/>
+            <ac:cxnSpMk id="37" creationId="{02692AF6-6930-7E02-1775-8EF51E1E17F8}"/>
+          </ac:cxnSpMkLst>
+        </pc:cxnChg>
+        <pc:cxnChg chg="mod">
+          <ac:chgData name="Robert Horton" userId="885a253a-1f89-43e3-bab8-4c3002513a21" providerId="ADAL" clId="{20031E9C-AB62-460C-937C-35EA177C3A25}" dt="2022-11-11T19:57:50.639" v="282"/>
+          <ac:cxnSpMkLst>
+            <pc:docMk/>
+            <pc:sldMk cId="3534228715" sldId="276"/>
+            <ac:cxnSpMk id="39" creationId="{92DD9489-A248-775B-89DC-9EF6366EB47F}"/>
+          </ac:cxnSpMkLst>
+        </pc:cxnChg>
+        <pc:cxnChg chg="mod">
+          <ac:chgData name="Robert Horton" userId="885a253a-1f89-43e3-bab8-4c3002513a21" providerId="ADAL" clId="{20031E9C-AB62-460C-937C-35EA177C3A25}" dt="2022-11-11T19:57:50.639" v="282"/>
+          <ac:cxnSpMkLst>
+            <pc:docMk/>
+            <pc:sldMk cId="3534228715" sldId="276"/>
+            <ac:cxnSpMk id="40" creationId="{22D2BD37-AE49-3B63-BF7D-7BECE10BE053}"/>
+          </ac:cxnSpMkLst>
+        </pc:cxnChg>
+        <pc:cxnChg chg="mod">
+          <ac:chgData name="Robert Horton" userId="885a253a-1f89-43e3-bab8-4c3002513a21" providerId="ADAL" clId="{20031E9C-AB62-460C-937C-35EA177C3A25}" dt="2022-11-11T19:57:50.639" v="282"/>
+          <ac:cxnSpMkLst>
+            <pc:docMk/>
+            <pc:sldMk cId="3534228715" sldId="276"/>
+            <ac:cxnSpMk id="42" creationId="{E4291B10-ACBE-DCAD-517F-620AC227F54D}"/>
+          </ac:cxnSpMkLst>
+        </pc:cxnChg>
+        <pc:cxnChg chg="mod">
+          <ac:chgData name="Robert Horton" userId="885a253a-1f89-43e3-bab8-4c3002513a21" providerId="ADAL" clId="{20031E9C-AB62-460C-937C-35EA177C3A25}" dt="2022-11-11T19:57:50.639" v="282"/>
+          <ac:cxnSpMkLst>
+            <pc:docMk/>
+            <pc:sldMk cId="3534228715" sldId="276"/>
+            <ac:cxnSpMk id="48" creationId="{8462E5EE-383D-2374-AF60-F11462F5D73C}"/>
+          </ac:cxnSpMkLst>
+        </pc:cxnChg>
+        <pc:cxnChg chg="mod">
+          <ac:chgData name="Robert Horton" userId="885a253a-1f89-43e3-bab8-4c3002513a21" providerId="ADAL" clId="{20031E9C-AB62-460C-937C-35EA177C3A25}" dt="2022-11-11T19:57:50.639" v="282"/>
+          <ac:cxnSpMkLst>
+            <pc:docMk/>
+            <pc:sldMk cId="3534228715" sldId="276"/>
+            <ac:cxnSpMk id="49" creationId="{8D38D7EC-8CF2-4CD2-69A9-749B73A159CA}"/>
+          </ac:cxnSpMkLst>
+        </pc:cxnChg>
+        <pc:cxnChg chg="mod">
+          <ac:chgData name="Robert Horton" userId="885a253a-1f89-43e3-bab8-4c3002513a21" providerId="ADAL" clId="{20031E9C-AB62-460C-937C-35EA177C3A25}" dt="2022-11-11T19:57:50.639" v="282"/>
+          <ac:cxnSpMkLst>
+            <pc:docMk/>
+            <pc:sldMk cId="3534228715" sldId="276"/>
+            <ac:cxnSpMk id="50" creationId="{68B9D3CA-CECC-46EF-52B6-C2337DEAB49E}"/>
+          </ac:cxnSpMkLst>
+        </pc:cxnChg>
+        <pc:cxnChg chg="mod">
+          <ac:chgData name="Robert Horton" userId="885a253a-1f89-43e3-bab8-4c3002513a21" providerId="ADAL" clId="{20031E9C-AB62-460C-937C-35EA177C3A25}" dt="2022-11-11T19:57:50.639" v="282"/>
+          <ac:cxnSpMkLst>
+            <pc:docMk/>
+            <pc:sldMk cId="3534228715" sldId="276"/>
+            <ac:cxnSpMk id="51" creationId="{5A43D2B8-3EEA-EAB0-188F-84CCD6A94903}"/>
+          </ac:cxnSpMkLst>
+        </pc:cxnChg>
+        <pc:cxnChg chg="mod">
+          <ac:chgData name="Robert Horton" userId="885a253a-1f89-43e3-bab8-4c3002513a21" providerId="ADAL" clId="{20031E9C-AB62-460C-937C-35EA177C3A25}" dt="2022-11-11T19:57:50.639" v="282"/>
+          <ac:cxnSpMkLst>
+            <pc:docMk/>
+            <pc:sldMk cId="3534228715" sldId="276"/>
+            <ac:cxnSpMk id="52" creationId="{E4162FFD-3E13-82F2-900F-146D7C46951A}"/>
+          </ac:cxnSpMkLst>
+        </pc:cxnChg>
+        <pc:cxnChg chg="mod">
+          <ac:chgData name="Robert Horton" userId="885a253a-1f89-43e3-bab8-4c3002513a21" providerId="ADAL" clId="{20031E9C-AB62-460C-937C-35EA177C3A25}" dt="2022-11-11T19:57:50.639" v="282"/>
+          <ac:cxnSpMkLst>
+            <pc:docMk/>
+            <pc:sldMk cId="3534228715" sldId="276"/>
+            <ac:cxnSpMk id="53" creationId="{392B7CED-10A3-7D22-B567-0C525A99880B}"/>
+          </ac:cxnSpMkLst>
+        </pc:cxnChg>
+        <pc:cxnChg chg="mod">
+          <ac:chgData name="Robert Horton" userId="885a253a-1f89-43e3-bab8-4c3002513a21" providerId="ADAL" clId="{20031E9C-AB62-460C-937C-35EA177C3A25}" dt="2022-11-11T19:57:50.639" v="282"/>
+          <ac:cxnSpMkLst>
+            <pc:docMk/>
+            <pc:sldMk cId="3534228715" sldId="276"/>
+            <ac:cxnSpMk id="55" creationId="{F2D93BF6-4626-7C7A-860F-91D4867470B9}"/>
+          </ac:cxnSpMkLst>
+        </pc:cxnChg>
+        <pc:cxnChg chg="mod">
+          <ac:chgData name="Robert Horton" userId="885a253a-1f89-43e3-bab8-4c3002513a21" providerId="ADAL" clId="{20031E9C-AB62-460C-937C-35EA177C3A25}" dt="2022-11-11T19:57:50.639" v="282"/>
+          <ac:cxnSpMkLst>
+            <pc:docMk/>
+            <pc:sldMk cId="3534228715" sldId="276"/>
+            <ac:cxnSpMk id="56" creationId="{FAAC65D6-8C76-F04C-9A9A-E8329D5F27D1}"/>
+          </ac:cxnSpMkLst>
+        </pc:cxnChg>
+        <pc:cxnChg chg="mod">
+          <ac:chgData name="Robert Horton" userId="885a253a-1f89-43e3-bab8-4c3002513a21" providerId="ADAL" clId="{20031E9C-AB62-460C-937C-35EA177C3A25}" dt="2022-11-11T19:57:50.639" v="282"/>
+          <ac:cxnSpMkLst>
+            <pc:docMk/>
+            <pc:sldMk cId="3534228715" sldId="276"/>
+            <ac:cxnSpMk id="58" creationId="{CBC2CAB0-A085-49C1-08A7-5705AE2A3CF4}"/>
+          </ac:cxnSpMkLst>
+        </pc:cxnChg>
+        <pc:cxnChg chg="mod">
+          <ac:chgData name="Robert Horton" userId="885a253a-1f89-43e3-bab8-4c3002513a21" providerId="ADAL" clId="{20031E9C-AB62-460C-937C-35EA177C3A25}" dt="2022-11-11T19:57:50.639" v="282"/>
+          <ac:cxnSpMkLst>
+            <pc:docMk/>
+            <pc:sldMk cId="3534228715" sldId="276"/>
+            <ac:cxnSpMk id="59" creationId="{0FA95B56-E132-2E92-3A80-560B852536E8}"/>
+          </ac:cxnSpMkLst>
+        </pc:cxnChg>
+        <pc:cxnChg chg="mod">
+          <ac:chgData name="Robert Horton" userId="885a253a-1f89-43e3-bab8-4c3002513a21" providerId="ADAL" clId="{20031E9C-AB62-460C-937C-35EA177C3A25}" dt="2022-11-11T19:57:50.639" v="282"/>
+          <ac:cxnSpMkLst>
+            <pc:docMk/>
+            <pc:sldMk cId="3534228715" sldId="276"/>
+            <ac:cxnSpMk id="60" creationId="{E84EC578-7537-2EE2-40AB-B5B6AD3A4DA7}"/>
+          </ac:cxnSpMkLst>
+        </pc:cxnChg>
+        <pc:cxnChg chg="mod">
+          <ac:chgData name="Robert Horton" userId="885a253a-1f89-43e3-bab8-4c3002513a21" providerId="ADAL" clId="{20031E9C-AB62-460C-937C-35EA177C3A25}" dt="2022-11-11T19:57:50.639" v="282"/>
+          <ac:cxnSpMkLst>
+            <pc:docMk/>
+            <pc:sldMk cId="3534228715" sldId="276"/>
+            <ac:cxnSpMk id="62" creationId="{987FC942-2C4F-9857-8A97-D75986CE3BAC}"/>
+          </ac:cxnSpMkLst>
+        </pc:cxnChg>
+      </pc:sldChg>
+      <pc:sldChg chg="delSp modSp new mod">
+        <pc:chgData name="Robert Horton" userId="885a253a-1f89-43e3-bab8-4c3002513a21" providerId="ADAL" clId="{20031E9C-AB62-460C-937C-35EA177C3A25}" dt="2022-11-11T20:00:06.792" v="302" actId="478"/>
+        <pc:sldMkLst>
+          <pc:docMk/>
+          <pc:sldMk cId="1477246908" sldId="277"/>
+        </pc:sldMkLst>
+        <pc:spChg chg="mod">
+          <ac:chgData name="Robert Horton" userId="885a253a-1f89-43e3-bab8-4c3002513a21" providerId="ADAL" clId="{20031E9C-AB62-460C-937C-35EA177C3A25}" dt="2022-11-11T20:00:04.152" v="301" actId="1076"/>
+          <ac:spMkLst>
+            <pc:docMk/>
+            <pc:sldMk cId="1477246908" sldId="277"/>
+            <ac:spMk id="2" creationId="{1A77140A-3014-DDC0-DFB8-FB72047579D7}"/>
+          </ac:spMkLst>
+        </pc:spChg>
+        <pc:spChg chg="del">
+          <ac:chgData name="Robert Horton" userId="885a253a-1f89-43e3-bab8-4c3002513a21" providerId="ADAL" clId="{20031E9C-AB62-460C-937C-35EA177C3A25}" dt="2022-11-11T20:00:06.792" v="302" actId="478"/>
+          <ac:spMkLst>
+            <pc:docMk/>
+            <pc:sldMk cId="1477246908" sldId="277"/>
+            <ac:spMk id="3" creationId="{A5443526-C62A-90D4-9E6F-5D4F92FC7770}"/>
+          </ac:spMkLst>
+        </pc:spChg>
+      </pc:sldChg>
+      <pc:sldChg chg="addSp delSp modSp add mod ord">
+        <pc:chgData name="Robert Horton" userId="885a253a-1f89-43e3-bab8-4c3002513a21" providerId="ADAL" clId="{20031E9C-AB62-460C-937C-35EA177C3A25}" dt="2022-11-11T20:19:18.485" v="417" actId="1038"/>
+        <pc:sldMkLst>
+          <pc:docMk/>
+          <pc:sldMk cId="1108589397" sldId="278"/>
+        </pc:sldMkLst>
+        <pc:spChg chg="mod topLvl">
+          <ac:chgData name="Robert Horton" userId="885a253a-1f89-43e3-bab8-4c3002513a21" providerId="ADAL" clId="{20031E9C-AB62-460C-937C-35EA177C3A25}" dt="2022-11-11T20:19:18.485" v="417" actId="1038"/>
+          <ac:spMkLst>
+            <pc:docMk/>
+            <pc:sldMk cId="1108589397" sldId="278"/>
+            <ac:spMk id="3" creationId="{76E5F31E-626C-6778-0862-5A18D77574D8}"/>
+          </ac:spMkLst>
+        </pc:spChg>
+        <pc:spChg chg="mod topLvl">
+          <ac:chgData name="Robert Horton" userId="885a253a-1f89-43e3-bab8-4c3002513a21" providerId="ADAL" clId="{20031E9C-AB62-460C-937C-35EA177C3A25}" dt="2022-11-11T20:19:18.485" v="417" actId="1038"/>
+          <ac:spMkLst>
+            <pc:docMk/>
+            <pc:sldMk cId="1108589397" sldId="278"/>
+            <ac:spMk id="4" creationId="{2856ED71-04FC-FABE-8B0F-F5A2D580C715}"/>
+          </ac:spMkLst>
+        </pc:spChg>
+        <pc:spChg chg="mod topLvl">
+          <ac:chgData name="Robert Horton" userId="885a253a-1f89-43e3-bab8-4c3002513a21" providerId="ADAL" clId="{20031E9C-AB62-460C-937C-35EA177C3A25}" dt="2022-11-11T20:19:18.485" v="417" actId="1038"/>
+          <ac:spMkLst>
+            <pc:docMk/>
+            <pc:sldMk cId="1108589397" sldId="278"/>
+            <ac:spMk id="5" creationId="{4EE2F1AC-1D13-32BB-11D8-90A06001BFF5}"/>
+          </ac:spMkLst>
+        </pc:spChg>
+        <pc:spChg chg="mod topLvl">
+          <ac:chgData name="Robert Horton" userId="885a253a-1f89-43e3-bab8-4c3002513a21" providerId="ADAL" clId="{20031E9C-AB62-460C-937C-35EA177C3A25}" dt="2022-11-11T20:19:18.485" v="417" actId="1038"/>
+          <ac:spMkLst>
+            <pc:docMk/>
+            <pc:sldMk cId="1108589397" sldId="278"/>
+            <ac:spMk id="6" creationId="{55A0EAF9-E246-1AFE-336D-7A639F0AFBCE}"/>
+          </ac:spMkLst>
+        </pc:spChg>
+        <pc:spChg chg="mod topLvl">
+          <ac:chgData name="Robert Horton" userId="885a253a-1f89-43e3-bab8-4c3002513a21" providerId="ADAL" clId="{20031E9C-AB62-460C-937C-35EA177C3A25}" dt="2022-11-11T20:19:18.485" v="417" actId="1038"/>
+          <ac:spMkLst>
+            <pc:docMk/>
+            <pc:sldMk cId="1108589397" sldId="278"/>
+            <ac:spMk id="7" creationId="{20B2E809-2FD1-8271-B9C0-A5AE7AE849ED}"/>
+          </ac:spMkLst>
+        </pc:spChg>
+        <pc:spChg chg="del mod topLvl">
+          <ac:chgData name="Robert Horton" userId="885a253a-1f89-43e3-bab8-4c3002513a21" providerId="ADAL" clId="{20031E9C-AB62-460C-937C-35EA177C3A25}" dt="2022-11-11T20:11:36.263" v="314" actId="478"/>
+          <ac:spMkLst>
+            <pc:docMk/>
+            <pc:sldMk cId="1108589397" sldId="278"/>
+            <ac:spMk id="18" creationId="{73F9C67A-D884-7592-7923-13488110556A}"/>
+          </ac:spMkLst>
+        </pc:spChg>
+        <pc:spChg chg="del topLvl">
+          <ac:chgData name="Robert Horton" userId="885a253a-1f89-43e3-bab8-4c3002513a21" providerId="ADAL" clId="{20031E9C-AB62-460C-937C-35EA177C3A25}" dt="2022-11-11T20:11:41.651" v="316" actId="478"/>
+          <ac:spMkLst>
+            <pc:docMk/>
+            <pc:sldMk cId="1108589397" sldId="278"/>
+            <ac:spMk id="19" creationId="{2AFE63A5-00DF-BF10-DE55-11EE4AFC0FE4}"/>
+          </ac:spMkLst>
+        </pc:spChg>
+        <pc:spChg chg="mod topLvl">
+          <ac:chgData name="Robert Horton" userId="885a253a-1f89-43e3-bab8-4c3002513a21" providerId="ADAL" clId="{20031E9C-AB62-460C-937C-35EA177C3A25}" dt="2022-11-11T20:19:18.485" v="417" actId="1038"/>
+          <ac:spMkLst>
+            <pc:docMk/>
+            <pc:sldMk cId="1108589397" sldId="278"/>
+            <ac:spMk id="20" creationId="{950691CE-05F3-6237-1805-6317741AF0CF}"/>
+          </ac:spMkLst>
+        </pc:spChg>
+        <pc:spChg chg="mod topLvl">
+          <ac:chgData name="Robert Horton" userId="885a253a-1f89-43e3-bab8-4c3002513a21" providerId="ADAL" clId="{20031E9C-AB62-460C-937C-35EA177C3A25}" dt="2022-11-11T20:19:18.485" v="417" actId="1038"/>
+          <ac:spMkLst>
+            <pc:docMk/>
+            <pc:sldMk cId="1108589397" sldId="278"/>
+            <ac:spMk id="23" creationId="{D70F654F-DFFD-32A0-2CEA-0E8DC5666BBE}"/>
+          </ac:spMkLst>
+        </pc:spChg>
+        <pc:spChg chg="mod topLvl">
+          <ac:chgData name="Robert Horton" userId="885a253a-1f89-43e3-bab8-4c3002513a21" providerId="ADAL" clId="{20031E9C-AB62-460C-937C-35EA177C3A25}" dt="2022-11-11T20:19:18.485" v="417" actId="1038"/>
+          <ac:spMkLst>
+            <pc:docMk/>
+            <pc:sldMk cId="1108589397" sldId="278"/>
+            <ac:spMk id="25" creationId="{34C195B5-3933-1004-ED8A-0985267AF07B}"/>
+          </ac:spMkLst>
+        </pc:spChg>
+        <pc:spChg chg="del topLvl">
+          <ac:chgData name="Robert Horton" userId="885a253a-1f89-43e3-bab8-4c3002513a21" providerId="ADAL" clId="{20031E9C-AB62-460C-937C-35EA177C3A25}" dt="2022-11-11T20:11:08.809" v="305" actId="478"/>
+          <ac:spMkLst>
+            <pc:docMk/>
+            <pc:sldMk cId="1108589397" sldId="278"/>
+            <ac:spMk id="26" creationId="{8C8BA50D-A319-AAD5-B5DB-5DB6964FA58B}"/>
+          </ac:spMkLst>
+        </pc:spChg>
+        <pc:spChg chg="mod topLvl">
+          <ac:chgData name="Robert Horton" userId="885a253a-1f89-43e3-bab8-4c3002513a21" providerId="ADAL" clId="{20031E9C-AB62-460C-937C-35EA177C3A25}" dt="2022-11-11T20:19:18.485" v="417" actId="1038"/>
+          <ac:spMkLst>
+            <pc:docMk/>
+            <pc:sldMk cId="1108589397" sldId="278"/>
+            <ac:spMk id="27" creationId="{9935E05D-AF76-065D-9B4C-201CE86B6947}"/>
+          </ac:spMkLst>
+        </pc:spChg>
+        <pc:spChg chg="del topLvl">
+          <ac:chgData name="Robert Horton" userId="885a253a-1f89-43e3-bab8-4c3002513a21" providerId="ADAL" clId="{20031E9C-AB62-460C-937C-35EA177C3A25}" dt="2022-11-11T20:11:08.809" v="305" actId="478"/>
+          <ac:spMkLst>
+            <pc:docMk/>
+            <pc:sldMk cId="1108589397" sldId="278"/>
+            <ac:spMk id="28" creationId="{95D70BB5-BECA-6548-9206-AEC1B1E82D89}"/>
+          </ac:spMkLst>
+        </pc:spChg>
+        <pc:spChg chg="del topLvl">
+          <ac:chgData name="Robert Horton" userId="885a253a-1f89-43e3-bab8-4c3002513a21" providerId="ADAL" clId="{20031E9C-AB62-460C-937C-35EA177C3A25}" dt="2022-11-11T20:11:08.809" v="305" actId="478"/>
+          <ac:spMkLst>
+            <pc:docMk/>
+            <pc:sldMk cId="1108589397" sldId="278"/>
+            <ac:spMk id="29" creationId="{7A6D1BAF-8EE3-0E69-9F1B-2DE337625454}"/>
+          </ac:spMkLst>
+        </pc:spChg>
+        <pc:spChg chg="del topLvl">
+          <ac:chgData name="Robert Horton" userId="885a253a-1f89-43e3-bab8-4c3002513a21" providerId="ADAL" clId="{20031E9C-AB62-460C-937C-35EA177C3A25}" dt="2022-11-11T20:11:18.789" v="306" actId="478"/>
+          <ac:spMkLst>
+            <pc:docMk/>
+            <pc:sldMk cId="1108589397" sldId="278"/>
+            <ac:spMk id="38" creationId="{1F9D00EF-CD8B-FFC9-33A4-2988BE3002CB}"/>
+          </ac:spMkLst>
+        </pc:spChg>
+        <pc:spChg chg="del topLvl">
+          <ac:chgData name="Robert Horton" userId="885a253a-1f89-43e3-bab8-4c3002513a21" providerId="ADAL" clId="{20031E9C-AB62-460C-937C-35EA177C3A25}" dt="2022-11-11T20:11:08.809" v="305" actId="478"/>
+          <ac:spMkLst>
+            <pc:docMk/>
+            <pc:sldMk cId="1108589397" sldId="278"/>
+            <ac:spMk id="41" creationId="{AEB2DEA8-BE9C-FFB9-0E2D-2D8E7C439CCF}"/>
+          </ac:spMkLst>
+        </pc:spChg>
+        <pc:spChg chg="del topLvl">
+          <ac:chgData name="Robert Horton" userId="885a253a-1f89-43e3-bab8-4c3002513a21" providerId="ADAL" clId="{20031E9C-AB62-460C-937C-35EA177C3A25}" dt="2022-11-11T20:11:48.257" v="317" actId="478"/>
+          <ac:spMkLst>
+            <pc:docMk/>
+            <pc:sldMk cId="1108589397" sldId="278"/>
+            <ac:spMk id="43" creationId="{817C4979-8611-1C9B-0A0E-4227D4C6FD34}"/>
+          </ac:spMkLst>
+        </pc:spChg>
+        <pc:spChg chg="del topLvl">
+          <ac:chgData name="Robert Horton" userId="885a253a-1f89-43e3-bab8-4c3002513a21" providerId="ADAL" clId="{20031E9C-AB62-460C-937C-35EA177C3A25}" dt="2022-11-11T20:11:48.257" v="317" actId="478"/>
+          <ac:spMkLst>
+            <pc:docMk/>
+            <pc:sldMk cId="1108589397" sldId="278"/>
+            <ac:spMk id="44" creationId="{E4D994F0-1807-4CE2-685E-A9B8978F0242}"/>
+          </ac:spMkLst>
+        </pc:spChg>
+        <pc:spChg chg="del topLvl">
+          <ac:chgData name="Robert Horton" userId="885a253a-1f89-43e3-bab8-4c3002513a21" providerId="ADAL" clId="{20031E9C-AB62-460C-937C-35EA177C3A25}" dt="2022-11-11T20:11:48.257" v="317" actId="478"/>
+          <ac:spMkLst>
+            <pc:docMk/>
+            <pc:sldMk cId="1108589397" sldId="278"/>
+            <ac:spMk id="45" creationId="{1050BE87-F830-6A1A-A33A-E1183AC1AB0B}"/>
+          </ac:spMkLst>
+        </pc:spChg>
+        <pc:spChg chg="del topLvl">
+          <ac:chgData name="Robert Horton" userId="885a253a-1f89-43e3-bab8-4c3002513a21" providerId="ADAL" clId="{20031E9C-AB62-460C-937C-35EA177C3A25}" dt="2022-11-11T20:11:48.257" v="317" actId="478"/>
+          <ac:spMkLst>
+            <pc:docMk/>
+            <pc:sldMk cId="1108589397" sldId="278"/>
+            <ac:spMk id="46" creationId="{99DC0DE4-05F5-86C3-926A-B438EA7327F4}"/>
+          </ac:spMkLst>
+        </pc:spChg>
+        <pc:spChg chg="mod topLvl">
+          <ac:chgData name="Robert Horton" userId="885a253a-1f89-43e3-bab8-4c3002513a21" providerId="ADAL" clId="{20031E9C-AB62-460C-937C-35EA177C3A25}" dt="2022-11-11T20:19:18.485" v="417" actId="1038"/>
+          <ac:spMkLst>
+            <pc:docMk/>
+            <pc:sldMk cId="1108589397" sldId="278"/>
+            <ac:spMk id="47" creationId="{A4B5CDF7-2254-EBF6-A95D-A2F0B9F4F233}"/>
+          </ac:spMkLst>
+        </pc:spChg>
+        <pc:spChg chg="del topLvl">
+          <ac:chgData name="Robert Horton" userId="885a253a-1f89-43e3-bab8-4c3002513a21" providerId="ADAL" clId="{20031E9C-AB62-460C-937C-35EA177C3A25}" dt="2022-11-11T20:11:48.257" v="317" actId="478"/>
+          <ac:spMkLst>
+            <pc:docMk/>
+            <pc:sldMk cId="1108589397" sldId="278"/>
+            <ac:spMk id="54" creationId="{40E255F9-4508-CD53-B62F-B4C19ACF6314}"/>
+          </ac:spMkLst>
+        </pc:spChg>
+        <pc:spChg chg="del topLvl">
+          <ac:chgData name="Robert Horton" userId="885a253a-1f89-43e3-bab8-4c3002513a21" providerId="ADAL" clId="{20031E9C-AB62-460C-937C-35EA177C3A25}" dt="2022-11-11T20:11:48.257" v="317" actId="478"/>
+          <ac:spMkLst>
+            <pc:docMk/>
+            <pc:sldMk cId="1108589397" sldId="278"/>
+            <ac:spMk id="57" creationId="{B65AC150-B147-DE67-729B-84835DE7632B}"/>
+          </ac:spMkLst>
+        </pc:spChg>
+        <pc:spChg chg="del topLvl">
+          <ac:chgData name="Robert Horton" userId="885a253a-1f89-43e3-bab8-4c3002513a21" providerId="ADAL" clId="{20031E9C-AB62-460C-937C-35EA177C3A25}" dt="2022-11-11T20:11:08.809" v="305" actId="478"/>
+          <ac:spMkLst>
+            <pc:docMk/>
+            <pc:sldMk cId="1108589397" sldId="278"/>
+            <ac:spMk id="61" creationId="{52FF985A-C0FE-2578-C84A-F0A1D5D62316}"/>
+          </ac:spMkLst>
+        </pc:spChg>
+        <pc:spChg chg="add mod">
+          <ac:chgData name="Robert Horton" userId="885a253a-1f89-43e3-bab8-4c3002513a21" providerId="ADAL" clId="{20031E9C-AB62-460C-937C-35EA177C3A25}" dt="2022-11-11T20:19:18.485" v="417" actId="1038"/>
+          <ac:spMkLst>
+            <pc:docMk/>
+            <pc:sldMk cId="1108589397" sldId="278"/>
+            <ac:spMk id="63" creationId="{39C1C97B-5BC4-D240-5EE1-ECA1212C5D28}"/>
+          </ac:spMkLst>
+        </pc:spChg>
+        <pc:grpChg chg="del">
+          <ac:chgData name="Robert Horton" userId="885a253a-1f89-43e3-bab8-4c3002513a21" providerId="ADAL" clId="{20031E9C-AB62-460C-937C-35EA177C3A25}" dt="2022-11-11T20:10:27.964" v="304" actId="165"/>
+          <ac:grpSpMkLst>
+            <pc:docMk/>
+            <pc:sldMk cId="1108589397" sldId="278"/>
+            <ac:grpSpMk id="2" creationId="{C0703A1D-DB52-49FD-6C03-2126D8F99680}"/>
+          </ac:grpSpMkLst>
+        </pc:grpChg>
+        <pc:cxnChg chg="mod topLvl">
+          <ac:chgData name="Robert Horton" userId="885a253a-1f89-43e3-bab8-4c3002513a21" providerId="ADAL" clId="{20031E9C-AB62-460C-937C-35EA177C3A25}" dt="2022-11-11T20:19:18.485" v="417" actId="1038"/>
+          <ac:cxnSpMkLst>
+            <pc:docMk/>
+            <pc:sldMk cId="1108589397" sldId="278"/>
+            <ac:cxnSpMk id="8" creationId="{1EFD3401-62B7-BCDE-AA65-CA2D3EE45E83}"/>
+          </ac:cxnSpMkLst>
+        </pc:cxnChg>
+        <pc:cxnChg chg="mod topLvl">
+          <ac:chgData name="Robert Horton" userId="885a253a-1f89-43e3-bab8-4c3002513a21" providerId="ADAL" clId="{20031E9C-AB62-460C-937C-35EA177C3A25}" dt="2022-11-11T20:19:18.485" v="417" actId="1038"/>
+          <ac:cxnSpMkLst>
+            <pc:docMk/>
+            <pc:sldMk cId="1108589397" sldId="278"/>
+            <ac:cxnSpMk id="9" creationId="{21E5EF34-42BA-D3CB-336E-A6C88D18CBDD}"/>
+          </ac:cxnSpMkLst>
+        </pc:cxnChg>
+        <pc:cxnChg chg="mod topLvl">
+          <ac:chgData name="Robert Horton" userId="885a253a-1f89-43e3-bab8-4c3002513a21" providerId="ADAL" clId="{20031E9C-AB62-460C-937C-35EA177C3A25}" dt="2022-11-11T20:19:18.485" v="417" actId="1038"/>
+          <ac:cxnSpMkLst>
+            <pc:docMk/>
+            <pc:sldMk cId="1108589397" sldId="278"/>
+            <ac:cxnSpMk id="10" creationId="{C795F738-189F-22AB-02E2-65570C10AFA3}"/>
+          </ac:cxnSpMkLst>
+        </pc:cxnChg>
+        <pc:cxnChg chg="mod topLvl">
+          <ac:chgData name="Robert Horton" userId="885a253a-1f89-43e3-bab8-4c3002513a21" providerId="ADAL" clId="{20031E9C-AB62-460C-937C-35EA177C3A25}" dt="2022-11-11T20:19:18.485" v="417" actId="1038"/>
+          <ac:cxnSpMkLst>
+            <pc:docMk/>
+            <pc:sldMk cId="1108589397" sldId="278"/>
+            <ac:cxnSpMk id="11" creationId="{082605F7-6FFA-0809-CEC3-184A3786C1A2}"/>
+          </ac:cxnSpMkLst>
+        </pc:cxnChg>
+        <pc:cxnChg chg="mod topLvl">
+          <ac:chgData name="Robert Horton" userId="885a253a-1f89-43e3-bab8-4c3002513a21" providerId="ADAL" clId="{20031E9C-AB62-460C-937C-35EA177C3A25}" dt="2022-11-11T20:19:18.485" v="417" actId="1038"/>
+          <ac:cxnSpMkLst>
+            <pc:docMk/>
+            <pc:sldMk cId="1108589397" sldId="278"/>
+            <ac:cxnSpMk id="12" creationId="{171AB1C9-1D4E-7319-4161-27C4029421EB}"/>
+          </ac:cxnSpMkLst>
+        </pc:cxnChg>
+        <pc:cxnChg chg="mod topLvl">
+          <ac:chgData name="Robert Horton" userId="885a253a-1f89-43e3-bab8-4c3002513a21" providerId="ADAL" clId="{20031E9C-AB62-460C-937C-35EA177C3A25}" dt="2022-11-11T20:19:18.485" v="417" actId="1038"/>
+          <ac:cxnSpMkLst>
+            <pc:docMk/>
+            <pc:sldMk cId="1108589397" sldId="278"/>
+            <ac:cxnSpMk id="13" creationId="{B3E1D229-D537-EDB0-B592-B79779081583}"/>
+          </ac:cxnSpMkLst>
+        </pc:cxnChg>
+        <pc:cxnChg chg="mod topLvl">
+          <ac:chgData name="Robert Horton" userId="885a253a-1f89-43e3-bab8-4c3002513a21" providerId="ADAL" clId="{20031E9C-AB62-460C-937C-35EA177C3A25}" dt="2022-11-11T20:19:18.485" v="417" actId="1038"/>
+          <ac:cxnSpMkLst>
+            <pc:docMk/>
+            <pc:sldMk cId="1108589397" sldId="278"/>
+            <ac:cxnSpMk id="14" creationId="{29C4C875-EBDF-B875-9DFC-215DC2E8A3B0}"/>
+          </ac:cxnSpMkLst>
+        </pc:cxnChg>
+        <pc:cxnChg chg="mod topLvl">
+          <ac:chgData name="Robert Horton" userId="885a253a-1f89-43e3-bab8-4c3002513a21" providerId="ADAL" clId="{20031E9C-AB62-460C-937C-35EA177C3A25}" dt="2022-11-11T20:19:18.485" v="417" actId="1038"/>
+          <ac:cxnSpMkLst>
+            <pc:docMk/>
+            <pc:sldMk cId="1108589397" sldId="278"/>
+            <ac:cxnSpMk id="15" creationId="{CBFD4E2C-CCCD-F96A-B775-726882502C03}"/>
+          </ac:cxnSpMkLst>
+        </pc:cxnChg>
+        <pc:cxnChg chg="mod topLvl">
+          <ac:chgData name="Robert Horton" userId="885a253a-1f89-43e3-bab8-4c3002513a21" providerId="ADAL" clId="{20031E9C-AB62-460C-937C-35EA177C3A25}" dt="2022-11-11T20:19:18.485" v="417" actId="1038"/>
+          <ac:cxnSpMkLst>
+            <pc:docMk/>
+            <pc:sldMk cId="1108589397" sldId="278"/>
+            <ac:cxnSpMk id="16" creationId="{78C3AB17-122C-529B-42B1-6902401BD078}"/>
+          </ac:cxnSpMkLst>
+        </pc:cxnChg>
+        <pc:cxnChg chg="mod topLvl">
+          <ac:chgData name="Robert Horton" userId="885a253a-1f89-43e3-bab8-4c3002513a21" providerId="ADAL" clId="{20031E9C-AB62-460C-937C-35EA177C3A25}" dt="2022-11-11T20:19:18.485" v="417" actId="1038"/>
+          <ac:cxnSpMkLst>
+            <pc:docMk/>
+            <pc:sldMk cId="1108589397" sldId="278"/>
+            <ac:cxnSpMk id="17" creationId="{0AAC5505-0F01-56E3-E971-BBEE00C543A1}"/>
+          </ac:cxnSpMkLst>
+        </pc:cxnChg>
+        <pc:cxnChg chg="mod topLvl">
+          <ac:chgData name="Robert Horton" userId="885a253a-1f89-43e3-bab8-4c3002513a21" providerId="ADAL" clId="{20031E9C-AB62-460C-937C-35EA177C3A25}" dt="2022-11-11T20:19:18.485" v="417" actId="1038"/>
+          <ac:cxnSpMkLst>
+            <pc:docMk/>
+            <pc:sldMk cId="1108589397" sldId="278"/>
+            <ac:cxnSpMk id="21" creationId="{8F6E0BF7-1629-F9DA-843F-7ECFEA6A1B85}"/>
+          </ac:cxnSpMkLst>
+        </pc:cxnChg>
+        <pc:cxnChg chg="mod topLvl">
+          <ac:chgData name="Robert Horton" userId="885a253a-1f89-43e3-bab8-4c3002513a21" providerId="ADAL" clId="{20031E9C-AB62-460C-937C-35EA177C3A25}" dt="2022-11-11T20:19:18.485" v="417" actId="1038"/>
+          <ac:cxnSpMkLst>
+            <pc:docMk/>
+            <pc:sldMk cId="1108589397" sldId="278"/>
+            <ac:cxnSpMk id="22" creationId="{D936715D-D6B1-CAB2-02B7-26F96DF50BF8}"/>
+          </ac:cxnSpMkLst>
+        </pc:cxnChg>
+        <pc:cxnChg chg="mod topLvl">
+          <ac:chgData name="Robert Horton" userId="885a253a-1f89-43e3-bab8-4c3002513a21" providerId="ADAL" clId="{20031E9C-AB62-460C-937C-35EA177C3A25}" dt="2022-11-11T20:19:18.485" v="417" actId="1038"/>
+          <ac:cxnSpMkLst>
+            <pc:docMk/>
+            <pc:sldMk cId="1108589397" sldId="278"/>
+            <ac:cxnSpMk id="24" creationId="{F21E8BFA-FCA4-F550-8F81-7C0B3BACFC95}"/>
+          </ac:cxnSpMkLst>
+        </pc:cxnChg>
+        <pc:cxnChg chg="del topLvl">
+          <ac:chgData name="Robert Horton" userId="885a253a-1f89-43e3-bab8-4c3002513a21" providerId="ADAL" clId="{20031E9C-AB62-460C-937C-35EA177C3A25}" dt="2022-11-11T20:11:24.607" v="308" actId="478"/>
+          <ac:cxnSpMkLst>
+            <pc:docMk/>
+            <pc:sldMk cId="1108589397" sldId="278"/>
+            <ac:cxnSpMk id="30" creationId="{234A9A4A-3BA5-D449-1D27-EB641F0F22A4}"/>
+          </ac:cxnSpMkLst>
+        </pc:cxnChg>
+        <pc:cxnChg chg="del topLvl">
+          <ac:chgData name="Robert Horton" userId="885a253a-1f89-43e3-bab8-4c3002513a21" providerId="ADAL" clId="{20031E9C-AB62-460C-937C-35EA177C3A25}" dt="2022-11-11T20:11:22.695" v="307" actId="478"/>
+          <ac:cxnSpMkLst>
+            <pc:docMk/>
+            <pc:sldMk cId="1108589397" sldId="278"/>
+            <ac:cxnSpMk id="31" creationId="{C7A641B5-FF1D-BD28-7F63-CCAD35AB6371}"/>
+          </ac:cxnSpMkLst>
+        </pc:cxnChg>
+        <pc:cxnChg chg="del topLvl">
+          <ac:chgData name="Robert Horton" userId="885a253a-1f89-43e3-bab8-4c3002513a21" providerId="ADAL" clId="{20031E9C-AB62-460C-937C-35EA177C3A25}" dt="2022-11-11T20:11:08.809" v="305" actId="478"/>
+          <ac:cxnSpMkLst>
+            <pc:docMk/>
+            <pc:sldMk cId="1108589397" sldId="278"/>
+            <ac:cxnSpMk id="32" creationId="{A6D3DE29-E349-9C4F-4A27-9A79FFD71C3B}"/>
+          </ac:cxnSpMkLst>
+        </pc:cxnChg>
+        <pc:cxnChg chg="del topLvl">
+          <ac:chgData name="Robert Horton" userId="885a253a-1f89-43e3-bab8-4c3002513a21" providerId="ADAL" clId="{20031E9C-AB62-460C-937C-35EA177C3A25}" dt="2022-11-11T20:11:18.789" v="306" actId="478"/>
+          <ac:cxnSpMkLst>
+            <pc:docMk/>
+            <pc:sldMk cId="1108589397" sldId="278"/>
+            <ac:cxnSpMk id="33" creationId="{DE4CA4B3-F05D-A82F-57C6-180EB42D6CD2}"/>
+          </ac:cxnSpMkLst>
+        </pc:cxnChg>
+        <pc:cxnChg chg="del topLvl">
+          <ac:chgData name="Robert Horton" userId="885a253a-1f89-43e3-bab8-4c3002513a21" providerId="ADAL" clId="{20031E9C-AB62-460C-937C-35EA177C3A25}" dt="2022-11-11T20:11:08.809" v="305" actId="478"/>
+          <ac:cxnSpMkLst>
+            <pc:docMk/>
+            <pc:sldMk cId="1108589397" sldId="278"/>
+            <ac:cxnSpMk id="34" creationId="{23D53BFF-7DF9-CC17-FC36-FA65121AAFD1}"/>
+          </ac:cxnSpMkLst>
+        </pc:cxnChg>
+        <pc:cxnChg chg="del topLvl">
+          <ac:chgData name="Robert Horton" userId="885a253a-1f89-43e3-bab8-4c3002513a21" providerId="ADAL" clId="{20031E9C-AB62-460C-937C-35EA177C3A25}" dt="2022-11-11T20:11:30.536" v="311" actId="478"/>
+          <ac:cxnSpMkLst>
+            <pc:docMk/>
+            <pc:sldMk cId="1108589397" sldId="278"/>
+            <ac:cxnSpMk id="35" creationId="{173C43C4-0E9E-F722-7551-56ED43C07539}"/>
+          </ac:cxnSpMkLst>
+        </pc:cxnChg>
+        <pc:cxnChg chg="del topLvl">
+          <ac:chgData name="Robert Horton" userId="885a253a-1f89-43e3-bab8-4c3002513a21" providerId="ADAL" clId="{20031E9C-AB62-460C-937C-35EA177C3A25}" dt="2022-11-11T20:11:26.522" v="309" actId="478"/>
+          <ac:cxnSpMkLst>
+            <pc:docMk/>
+            <pc:sldMk cId="1108589397" sldId="278"/>
+            <ac:cxnSpMk id="36" creationId="{D62E7BBA-E51B-9989-AD0C-2AEF6D1F319E}"/>
+          </ac:cxnSpMkLst>
+        </pc:cxnChg>
+        <pc:cxnChg chg="del topLvl">
+          <ac:chgData name="Robert Horton" userId="885a253a-1f89-43e3-bab8-4c3002513a21" providerId="ADAL" clId="{20031E9C-AB62-460C-937C-35EA177C3A25}" dt="2022-11-11T20:11:08.809" v="305" actId="478"/>
+          <ac:cxnSpMkLst>
+            <pc:docMk/>
+            <pc:sldMk cId="1108589397" sldId="278"/>
+            <ac:cxnSpMk id="37" creationId="{02692AF6-6930-7E02-1775-8EF51E1E17F8}"/>
+          </ac:cxnSpMkLst>
+        </pc:cxnChg>
+        <pc:cxnChg chg="del topLvl">
+          <ac:chgData name="Robert Horton" userId="885a253a-1f89-43e3-bab8-4c3002513a21" providerId="ADAL" clId="{20031E9C-AB62-460C-937C-35EA177C3A25}" dt="2022-11-11T20:11:08.809" v="305" actId="478"/>
+          <ac:cxnSpMkLst>
+            <pc:docMk/>
+            <pc:sldMk cId="1108589397" sldId="278"/>
+            <ac:cxnSpMk id="39" creationId="{92DD9489-A248-775B-89DC-9EF6366EB47F}"/>
+          </ac:cxnSpMkLst>
+        </pc:cxnChg>
+        <pc:cxnChg chg="del topLvl">
+          <ac:chgData name="Robert Horton" userId="885a253a-1f89-43e3-bab8-4c3002513a21" providerId="ADAL" clId="{20031E9C-AB62-460C-937C-35EA177C3A25}" dt="2022-11-11T20:11:18.789" v="306" actId="478"/>
+          <ac:cxnSpMkLst>
+            <pc:docMk/>
+            <pc:sldMk cId="1108589397" sldId="278"/>
+            <ac:cxnSpMk id="40" creationId="{22D2BD37-AE49-3B63-BF7D-7BECE10BE053}"/>
+          </ac:cxnSpMkLst>
+        </pc:cxnChg>
+        <pc:cxnChg chg="del mod topLvl">
+          <ac:chgData name="Robert Horton" userId="885a253a-1f89-43e3-bab8-4c3002513a21" providerId="ADAL" clId="{20031E9C-AB62-460C-937C-35EA177C3A25}" dt="2022-11-11T20:11:28.939" v="310" actId="478"/>
+          <ac:cxnSpMkLst>
+            <pc:docMk/>
+            <pc:sldMk cId="1108589397" sldId="278"/>
+            <ac:cxnSpMk id="42" creationId="{E4291B10-ACBE-DCAD-517F-620AC227F54D}"/>
+          </ac:cxnSpMkLst>
+        </pc:cxnChg>
+        <pc:cxnChg chg="del mod topLvl">
+          <ac:chgData name="Robert Horton" userId="885a253a-1f89-43e3-bab8-4c3002513a21" providerId="ADAL" clId="{20031E9C-AB62-460C-937C-35EA177C3A25}" dt="2022-11-11T20:11:48.257" v="317" actId="478"/>
+          <ac:cxnSpMkLst>
+            <pc:docMk/>
+            <pc:sldMk cId="1108589397" sldId="278"/>
+            <ac:cxnSpMk id="48" creationId="{8462E5EE-383D-2374-AF60-F11462F5D73C}"/>
+          </ac:cxnSpMkLst>
+        </pc:cxnChg>
+        <pc:cxnChg chg="del mod topLvl">
+          <ac:chgData name="Robert Horton" userId="885a253a-1f89-43e3-bab8-4c3002513a21" providerId="ADAL" clId="{20031E9C-AB62-460C-937C-35EA177C3A25}" dt="2022-11-11T20:11:48.257" v="317" actId="478"/>
+          <ac:cxnSpMkLst>
+            <pc:docMk/>
+            <pc:sldMk cId="1108589397" sldId="278"/>
+            <ac:cxnSpMk id="49" creationId="{8D38D7EC-8CF2-4CD2-69A9-749B73A159CA}"/>
+          </ac:cxnSpMkLst>
+        </pc:cxnChg>
+        <pc:cxnChg chg="del mod topLvl">
+          <ac:chgData name="Robert Horton" userId="885a253a-1f89-43e3-bab8-4c3002513a21" providerId="ADAL" clId="{20031E9C-AB62-460C-937C-35EA177C3A25}" dt="2022-11-11T20:11:48.257" v="317" actId="478"/>
+          <ac:cxnSpMkLst>
+            <pc:docMk/>
+            <pc:sldMk cId="1108589397" sldId="278"/>
+            <ac:cxnSpMk id="50" creationId="{68B9D3CA-CECC-46EF-52B6-C2337DEAB49E}"/>
+          </ac:cxnSpMkLst>
+        </pc:cxnChg>
+        <pc:cxnChg chg="del mod topLvl">
+          <ac:chgData name="Robert Horton" userId="885a253a-1f89-43e3-bab8-4c3002513a21" providerId="ADAL" clId="{20031E9C-AB62-460C-937C-35EA177C3A25}" dt="2022-11-11T20:11:48.257" v="317" actId="478"/>
+          <ac:cxnSpMkLst>
+            <pc:docMk/>
+            <pc:sldMk cId="1108589397" sldId="278"/>
+            <ac:cxnSpMk id="51" creationId="{5A43D2B8-3EEA-EAB0-188F-84CCD6A94903}"/>
+          </ac:cxnSpMkLst>
+        </pc:cxnChg>
+        <pc:cxnChg chg="del mod topLvl">
+          <ac:chgData name="Robert Horton" userId="885a253a-1f89-43e3-bab8-4c3002513a21" providerId="ADAL" clId="{20031E9C-AB62-460C-937C-35EA177C3A25}" dt="2022-11-11T20:11:48.257" v="317" actId="478"/>
+          <ac:cxnSpMkLst>
+            <pc:docMk/>
+            <pc:sldMk cId="1108589397" sldId="278"/>
+            <ac:cxnSpMk id="52" creationId="{E4162FFD-3E13-82F2-900F-146D7C46951A}"/>
+          </ac:cxnSpMkLst>
+        </pc:cxnChg>
+        <pc:cxnChg chg="del mod topLvl">
+          <ac:chgData name="Robert Horton" userId="885a253a-1f89-43e3-bab8-4c3002513a21" providerId="ADAL" clId="{20031E9C-AB62-460C-937C-35EA177C3A25}" dt="2022-11-11T20:11:59.102" v="320" actId="478"/>
+          <ac:cxnSpMkLst>
+            <pc:docMk/>
+            <pc:sldMk cId="1108589397" sldId="278"/>
+            <ac:cxnSpMk id="53" creationId="{392B7CED-10A3-7D22-B567-0C525A99880B}"/>
+          </ac:cxnSpMkLst>
+        </pc:cxnChg>
+        <pc:cxnChg chg="del topLvl">
+          <ac:chgData name="Robert Horton" userId="885a253a-1f89-43e3-bab8-4c3002513a21" providerId="ADAL" clId="{20031E9C-AB62-460C-937C-35EA177C3A25}" dt="2022-11-11T20:11:48.257" v="317" actId="478"/>
+          <ac:cxnSpMkLst>
+            <pc:docMk/>
+            <pc:sldMk cId="1108589397" sldId="278"/>
+            <ac:cxnSpMk id="55" creationId="{F2D93BF6-4626-7C7A-860F-91D4867470B9}"/>
+          </ac:cxnSpMkLst>
+        </pc:cxnChg>
+        <pc:cxnChg chg="del topLvl">
+          <ac:chgData name="Robert Horton" userId="885a253a-1f89-43e3-bab8-4c3002513a21" providerId="ADAL" clId="{20031E9C-AB62-460C-937C-35EA177C3A25}" dt="2022-11-11T20:11:48.257" v="317" actId="478"/>
+          <ac:cxnSpMkLst>
+            <pc:docMk/>
+            <pc:sldMk cId="1108589397" sldId="278"/>
+            <ac:cxnSpMk id="56" creationId="{FAAC65D6-8C76-F04C-9A9A-E8329D5F27D1}"/>
+          </ac:cxnSpMkLst>
+        </pc:cxnChg>
+        <pc:cxnChg chg="del mod topLvl">
+          <ac:chgData name="Robert Horton" userId="885a253a-1f89-43e3-bab8-4c3002513a21" providerId="ADAL" clId="{20031E9C-AB62-460C-937C-35EA177C3A25}" dt="2022-11-11T20:11:51.301" v="318" actId="478"/>
+          <ac:cxnSpMkLst>
+            <pc:docMk/>
+            <pc:sldMk cId="1108589397" sldId="278"/>
+            <ac:cxnSpMk id="58" creationId="{CBC2CAB0-A085-49C1-08A7-5705AE2A3CF4}"/>
+          </ac:cxnSpMkLst>
+        </pc:cxnChg>
+        <pc:cxnChg chg="del topLvl">
+          <ac:chgData name="Robert Horton" userId="885a253a-1f89-43e3-bab8-4c3002513a21" providerId="ADAL" clId="{20031E9C-AB62-460C-937C-35EA177C3A25}" dt="2022-11-11T20:11:53.549" v="319" actId="478"/>
+          <ac:cxnSpMkLst>
+            <pc:docMk/>
+            <pc:sldMk cId="1108589397" sldId="278"/>
+            <ac:cxnSpMk id="59" creationId="{0FA95B56-E132-2E92-3A80-560B852536E8}"/>
+          </ac:cxnSpMkLst>
+        </pc:cxnChg>
+        <pc:cxnChg chg="del topLvl">
+          <ac:chgData name="Robert Horton" userId="885a253a-1f89-43e3-bab8-4c3002513a21" providerId="ADAL" clId="{20031E9C-AB62-460C-937C-35EA177C3A25}" dt="2022-11-11T20:11:32.725" v="312" actId="478"/>
+          <ac:cxnSpMkLst>
+            <pc:docMk/>
+            <pc:sldMk cId="1108589397" sldId="278"/>
+            <ac:cxnSpMk id="60" creationId="{E84EC578-7537-2EE2-40AB-B5B6AD3A4DA7}"/>
+          </ac:cxnSpMkLst>
+        </pc:cxnChg>
+        <pc:cxnChg chg="del topLvl">
+          <ac:chgData name="Robert Horton" userId="885a253a-1f89-43e3-bab8-4c3002513a21" providerId="ADAL" clId="{20031E9C-AB62-460C-937C-35EA177C3A25}" dt="2022-11-11T20:11:38.639" v="315" actId="478"/>
+          <ac:cxnSpMkLst>
+            <pc:docMk/>
+            <pc:sldMk cId="1108589397" sldId="278"/>
+            <ac:cxnSpMk id="62" creationId="{987FC942-2C4F-9857-8A97-D75986CE3BAC}"/>
+          </ac:cxnSpMkLst>
+        </pc:cxnChg>
+        <pc:cxnChg chg="add mod">
+          <ac:chgData name="Robert Horton" userId="885a253a-1f89-43e3-bab8-4c3002513a21" providerId="ADAL" clId="{20031E9C-AB62-460C-937C-35EA177C3A25}" dt="2022-11-11T20:19:18.485" v="417" actId="1038"/>
+          <ac:cxnSpMkLst>
+            <pc:docMk/>
+            <pc:sldMk cId="1108589397" sldId="278"/>
+            <ac:cxnSpMk id="68" creationId="{9265BD1F-E8E9-9B3D-857D-83B3194645AF}"/>
           </ac:cxnSpMkLst>
         </pc:cxnChg>
       </pc:sldChg>
@@ -732,7 +1764,7 @@
           <a:p>
             <a:fld id="{CCB1131A-CFC1-4E12-9D04-E914517316D5}" type="datetimeFigureOut">
               <a:rPr lang="en-US" smtClean="0"/>
-              <a:t>11/10/2022</a:t>
+              <a:t>11/11/2022</a:t>
             </a:fld>
             <a:endParaRPr lang="en-US"/>
           </a:p>
@@ -930,7 +1962,7 @@
           <a:p>
             <a:fld id="{CCB1131A-CFC1-4E12-9D04-E914517316D5}" type="datetimeFigureOut">
               <a:rPr lang="en-US" smtClean="0"/>
-              <a:t>11/10/2022</a:t>
+              <a:t>11/11/2022</a:t>
             </a:fld>
             <a:endParaRPr lang="en-US"/>
           </a:p>
@@ -1138,7 +2170,7 @@
           <a:p>
             <a:fld id="{CCB1131A-CFC1-4E12-9D04-E914517316D5}" type="datetimeFigureOut">
               <a:rPr lang="en-US" smtClean="0"/>
-              <a:t>11/10/2022</a:t>
+              <a:t>11/11/2022</a:t>
             </a:fld>
             <a:endParaRPr lang="en-US"/>
           </a:p>
@@ -1543,7 +2575,7 @@
           <a:p>
             <a:fld id="{CCB1131A-CFC1-4E12-9D04-E914517316D5}" type="datetimeFigureOut">
               <a:rPr lang="en-US" smtClean="0"/>
-              <a:t>11/10/2022</a:t>
+              <a:t>11/11/2022</a:t>
             </a:fld>
             <a:endParaRPr lang="en-US"/>
           </a:p>
@@ -1818,7 +2850,7 @@
           <a:p>
             <a:fld id="{CCB1131A-CFC1-4E12-9D04-E914517316D5}" type="datetimeFigureOut">
               <a:rPr lang="en-US" smtClean="0"/>
-              <a:t>11/10/2022</a:t>
+              <a:t>11/11/2022</a:t>
             </a:fld>
             <a:endParaRPr lang="en-US"/>
           </a:p>
@@ -2083,7 +3115,7 @@
           <a:p>
             <a:fld id="{CCB1131A-CFC1-4E12-9D04-E914517316D5}" type="datetimeFigureOut">
               <a:rPr lang="en-US" smtClean="0"/>
-              <a:t>11/10/2022</a:t>
+              <a:t>11/11/2022</a:t>
             </a:fld>
             <a:endParaRPr lang="en-US"/>
           </a:p>
@@ -2495,7 +3527,7 @@
           <a:p>
             <a:fld id="{CCB1131A-CFC1-4E12-9D04-E914517316D5}" type="datetimeFigureOut">
               <a:rPr lang="en-US" smtClean="0"/>
-              <a:t>11/10/2022</a:t>
+              <a:t>11/11/2022</a:t>
             </a:fld>
             <a:endParaRPr lang="en-US"/>
           </a:p>
@@ -2636,7 +3668,7 @@
           <a:p>
             <a:fld id="{CCB1131A-CFC1-4E12-9D04-E914517316D5}" type="datetimeFigureOut">
               <a:rPr lang="en-US" smtClean="0"/>
-              <a:t>11/10/2022</a:t>
+              <a:t>11/11/2022</a:t>
             </a:fld>
             <a:endParaRPr lang="en-US"/>
           </a:p>
@@ -2749,7 +3781,7 @@
           <a:p>
             <a:fld id="{CCB1131A-CFC1-4E12-9D04-E914517316D5}" type="datetimeFigureOut">
               <a:rPr lang="en-US" smtClean="0"/>
-              <a:t>11/10/2022</a:t>
+              <a:t>11/11/2022</a:t>
             </a:fld>
             <a:endParaRPr lang="en-US"/>
           </a:p>
@@ -3060,7 +4092,7 @@
           <a:p>
             <a:fld id="{CCB1131A-CFC1-4E12-9D04-E914517316D5}" type="datetimeFigureOut">
               <a:rPr lang="en-US" smtClean="0"/>
-              <a:t>11/10/2022</a:t>
+              <a:t>11/11/2022</a:t>
             </a:fld>
             <a:endParaRPr lang="en-US"/>
           </a:p>
@@ -3348,7 +4380,7 @@
           <a:p>
             <a:fld id="{CCB1131A-CFC1-4E12-9D04-E914517316D5}" type="datetimeFigureOut">
               <a:rPr lang="en-US" smtClean="0"/>
-              <a:t>11/10/2022</a:t>
+              <a:t>11/11/2022</a:t>
             </a:fld>
             <a:endParaRPr lang="en-US"/>
           </a:p>
@@ -3589,7 +4621,7 @@
           <a:p>
             <a:fld id="{CCB1131A-CFC1-4E12-9D04-E914517316D5}" type="datetimeFigureOut">
               <a:rPr lang="en-US" smtClean="0"/>
-              <a:t>11/10/2022</a:t>
+              <a:t>11/11/2022</a:t>
             </a:fld>
             <a:endParaRPr lang="en-US"/>
           </a:p>
@@ -6574,6 +7606,4517 @@
 </p:sld>
 </file>
 
+<file path=ppt/slides/slide7.xml><?xml version="1.0" encoding="utf-8"?>
+<p:sld xmlns:a="http://schemas.openxmlformats.org/drawingml/2006/main" xmlns:r="http://schemas.openxmlformats.org/officeDocument/2006/relationships" xmlns:p="http://schemas.openxmlformats.org/presentationml/2006/main">
+  <p:cSld>
+    <p:spTree>
+      <p:nvGrpSpPr>
+        <p:cNvPr id="1" name=""/>
+        <p:cNvGrpSpPr/>
+        <p:nvPr/>
+      </p:nvGrpSpPr>
+      <p:grpSpPr>
+        <a:xfrm>
+          <a:off x="0" y="0"/>
+          <a:ext cx="0" cy="0"/>
+          <a:chOff x="0" y="0"/>
+          <a:chExt cx="0" cy="0"/>
+        </a:xfrm>
+      </p:grpSpPr>
+      <p:sp>
+        <p:nvSpPr>
+          <p:cNvPr id="2" name="Title 1">
+            <a:extLst>
+              <a:ext uri="{FF2B5EF4-FFF2-40B4-BE49-F238E27FC236}">
+                <a16:creationId xmlns:a16="http://schemas.microsoft.com/office/drawing/2014/main" id="{1A77140A-3014-DDC0-DFB8-FB72047579D7}"/>
+              </a:ext>
+            </a:extLst>
+          </p:cNvPr>
+          <p:cNvSpPr>
+            <a:spLocks noGrp="1"/>
+          </p:cNvSpPr>
+          <p:nvPr>
+            <p:ph type="title"/>
+          </p:nvPr>
+        </p:nvSpPr>
+        <p:spPr>
+          <a:xfrm>
+            <a:off x="838200" y="1954213"/>
+            <a:ext cx="10515600" cy="1133475"/>
+          </a:xfrm>
+        </p:spPr>
+        <p:txBody>
+          <a:bodyPr/>
+          <a:lstStyle/>
+          <a:p>
+            <a:pPr algn="ctr"/>
+            <a:r>
+              <a:rPr lang="en-US" dirty="0"/>
+              <a:t>Figures</a:t>
+            </a:r>
+          </a:p>
+        </p:txBody>
+      </p:sp>
+    </p:spTree>
+    <p:extLst>
+      <p:ext uri="{BB962C8B-B14F-4D97-AF65-F5344CB8AC3E}">
+        <p14:creationId xmlns:p14="http://schemas.microsoft.com/office/powerpoint/2010/main" val="1477246908"/>
+      </p:ext>
+    </p:extLst>
+  </p:cSld>
+  <p:clrMapOvr>
+    <a:masterClrMapping/>
+  </p:clrMapOvr>
+</p:sld>
+</file>
+
+<file path=ppt/slides/slide8.xml><?xml version="1.0" encoding="utf-8"?>
+<p:sld xmlns:a="http://schemas.openxmlformats.org/drawingml/2006/main" xmlns:r="http://schemas.openxmlformats.org/officeDocument/2006/relationships" xmlns:p="http://schemas.openxmlformats.org/presentationml/2006/main">
+  <p:cSld>
+    <p:spTree>
+      <p:nvGrpSpPr>
+        <p:cNvPr id="1" name=""/>
+        <p:cNvGrpSpPr/>
+        <p:nvPr/>
+      </p:nvGrpSpPr>
+      <p:grpSpPr>
+        <a:xfrm>
+          <a:off x="0" y="0"/>
+          <a:ext cx="0" cy="0"/>
+          <a:chOff x="0" y="0"/>
+          <a:chExt cx="0" cy="0"/>
+        </a:xfrm>
+      </p:grpSpPr>
+      <p:sp>
+        <p:nvSpPr>
+          <p:cNvPr id="3" name="Oval 2">
+            <a:extLst>
+              <a:ext uri="{FF2B5EF4-FFF2-40B4-BE49-F238E27FC236}">
+                <a16:creationId xmlns:a16="http://schemas.microsoft.com/office/drawing/2014/main" id="{76E5F31E-626C-6778-0862-5A18D77574D8}"/>
+              </a:ext>
+            </a:extLst>
+          </p:cNvPr>
+          <p:cNvSpPr/>
+          <p:nvPr/>
+        </p:nvSpPr>
+        <p:spPr>
+          <a:xfrm>
+            <a:off x="4536486" y="1520755"/>
+            <a:ext cx="2226956" cy="605258"/>
+          </a:xfrm>
+          <a:prstGeom prst="ellipse">
+            <a:avLst/>
+          </a:prstGeom>
+          <a:solidFill>
+            <a:srgbClr val="FFFF00"/>
+          </a:solidFill>
+        </p:spPr>
+        <p:style>
+          <a:lnRef idx="2">
+            <a:schemeClr val="accent1">
+              <a:shade val="50000"/>
+            </a:schemeClr>
+          </a:lnRef>
+          <a:fillRef idx="1">
+            <a:schemeClr val="accent1"/>
+          </a:fillRef>
+          <a:effectRef idx="0">
+            <a:schemeClr val="accent1"/>
+          </a:effectRef>
+          <a:fontRef idx="minor">
+            <a:schemeClr val="lt1"/>
+          </a:fontRef>
+        </p:style>
+        <p:txBody>
+          <a:bodyPr rtlCol="0" anchor="ctr"/>
+          <a:lstStyle/>
+          <a:p>
+            <a:pPr algn="ctr"/>
+            <a:r>
+              <a:rPr lang="en-US">
+                <a:solidFill>
+                  <a:schemeClr val="tx1"/>
+                </a:solidFill>
+              </a:rPr>
+              <a:t>infection</a:t>
+            </a:r>
+          </a:p>
+        </p:txBody>
+      </p:sp>
+      <p:sp>
+        <p:nvSpPr>
+          <p:cNvPr id="4" name="Oval 3">
+            <a:extLst>
+              <a:ext uri="{FF2B5EF4-FFF2-40B4-BE49-F238E27FC236}">
+                <a16:creationId xmlns:a16="http://schemas.microsoft.com/office/drawing/2014/main" id="{2856ED71-04FC-FABE-8B0F-F5A2D580C715}"/>
+              </a:ext>
+            </a:extLst>
+          </p:cNvPr>
+          <p:cNvSpPr/>
+          <p:nvPr/>
+        </p:nvSpPr>
+        <p:spPr>
+          <a:xfrm>
+            <a:off x="6144103" y="4267529"/>
+            <a:ext cx="927445" cy="605258"/>
+          </a:xfrm>
+          <a:prstGeom prst="ellipse">
+            <a:avLst/>
+          </a:prstGeom>
+          <a:solidFill>
+            <a:srgbClr val="FFFF00"/>
+          </a:solidFill>
+        </p:spPr>
+        <p:style>
+          <a:lnRef idx="2">
+            <a:schemeClr val="accent1">
+              <a:shade val="50000"/>
+            </a:schemeClr>
+          </a:lnRef>
+          <a:fillRef idx="1">
+            <a:schemeClr val="accent1"/>
+          </a:fillRef>
+          <a:effectRef idx="0">
+            <a:schemeClr val="accent1"/>
+          </a:effectRef>
+          <a:fontRef idx="minor">
+            <a:schemeClr val="lt1"/>
+          </a:fontRef>
+        </p:style>
+        <p:txBody>
+          <a:bodyPr rtlCol="0" anchor="ctr"/>
+          <a:lstStyle/>
+          <a:p>
+            <a:pPr algn="ctr"/>
+            <a:r>
+              <a:rPr lang="en-US">
+                <a:solidFill>
+                  <a:schemeClr val="tx1"/>
+                </a:solidFill>
+              </a:rPr>
+              <a:t>drug</a:t>
+            </a:r>
+          </a:p>
+        </p:txBody>
+      </p:sp>
+      <p:sp>
+        <p:nvSpPr>
+          <p:cNvPr id="5" name="Oval 4">
+            <a:extLst>
+              <a:ext uri="{FF2B5EF4-FFF2-40B4-BE49-F238E27FC236}">
+                <a16:creationId xmlns:a16="http://schemas.microsoft.com/office/drawing/2014/main" id="{4EE2F1AC-1D13-32BB-11D8-90A06001BFF5}"/>
+              </a:ext>
+            </a:extLst>
+          </p:cNvPr>
+          <p:cNvSpPr/>
+          <p:nvPr/>
+        </p:nvSpPr>
+        <p:spPr>
+          <a:xfrm>
+            <a:off x="4571148" y="2539809"/>
+            <a:ext cx="1683775" cy="605258"/>
+          </a:xfrm>
+          <a:prstGeom prst="ellipse">
+            <a:avLst/>
+          </a:prstGeom>
+          <a:solidFill>
+            <a:srgbClr val="FFFF00"/>
+          </a:solidFill>
+        </p:spPr>
+        <p:style>
+          <a:lnRef idx="2">
+            <a:schemeClr val="accent1">
+              <a:shade val="50000"/>
+            </a:schemeClr>
+          </a:lnRef>
+          <a:fillRef idx="1">
+            <a:schemeClr val="accent1"/>
+          </a:fillRef>
+          <a:effectRef idx="0">
+            <a:schemeClr val="accent1"/>
+          </a:effectRef>
+          <a:fontRef idx="minor">
+            <a:schemeClr val="lt1"/>
+          </a:fontRef>
+        </p:style>
+        <p:txBody>
+          <a:bodyPr rtlCol="0" anchor="ctr"/>
+          <a:lstStyle/>
+          <a:p>
+            <a:pPr algn="ctr"/>
+            <a:r>
+              <a:rPr lang="en-US" dirty="0" err="1">
+                <a:solidFill>
+                  <a:schemeClr val="tx1"/>
+                </a:solidFill>
+              </a:rPr>
+              <a:t>cum_drug</a:t>
+            </a:r>
+            <a:endParaRPr lang="en-US" dirty="0">
+              <a:solidFill>
+                <a:schemeClr val="tx1"/>
+              </a:solidFill>
+            </a:endParaRPr>
+          </a:p>
+        </p:txBody>
+      </p:sp>
+      <p:sp>
+        <p:nvSpPr>
+          <p:cNvPr id="6" name="Hexagon 5">
+            <a:extLst>
+              <a:ext uri="{FF2B5EF4-FFF2-40B4-BE49-F238E27FC236}">
+                <a16:creationId xmlns:a16="http://schemas.microsoft.com/office/drawing/2014/main" id="{55A0EAF9-E246-1AFE-336D-7A639F0AFBCE}"/>
+              </a:ext>
+            </a:extLst>
+          </p:cNvPr>
+          <p:cNvSpPr/>
+          <p:nvPr/>
+        </p:nvSpPr>
+        <p:spPr>
+          <a:xfrm>
+            <a:off x="4509810" y="4750881"/>
+            <a:ext cx="691254" cy="421013"/>
+          </a:xfrm>
+          <a:prstGeom prst="hexagon">
+            <a:avLst/>
+          </a:prstGeom>
+          <a:solidFill>
+            <a:srgbClr val="FF0000"/>
+          </a:solidFill>
+        </p:spPr>
+        <p:style>
+          <a:lnRef idx="2">
+            <a:schemeClr val="accent1">
+              <a:shade val="50000"/>
+            </a:schemeClr>
+          </a:lnRef>
+          <a:fillRef idx="1">
+            <a:schemeClr val="accent1"/>
+          </a:fillRef>
+          <a:effectRef idx="0">
+            <a:schemeClr val="accent1"/>
+          </a:effectRef>
+          <a:fontRef idx="minor">
+            <a:schemeClr val="lt1"/>
+          </a:fontRef>
+        </p:style>
+        <p:txBody>
+          <a:bodyPr rtlCol="0" anchor="ctr"/>
+          <a:lstStyle/>
+          <a:p>
+            <a:pPr algn="ctr"/>
+            <a:r>
+              <a:rPr lang="en-US" dirty="0">
+                <a:solidFill>
+                  <a:schemeClr val="tx1"/>
+                </a:solidFill>
+              </a:rPr>
+              <a:t>die</a:t>
+            </a:r>
+          </a:p>
+        </p:txBody>
+      </p:sp>
+      <p:sp>
+        <p:nvSpPr>
+          <p:cNvPr id="7" name="Oval 6">
+            <a:extLst>
+              <a:ext uri="{FF2B5EF4-FFF2-40B4-BE49-F238E27FC236}">
+                <a16:creationId xmlns:a16="http://schemas.microsoft.com/office/drawing/2014/main" id="{20B2E809-2FD1-8271-B9C0-A5AE7AE849ED}"/>
+              </a:ext>
+            </a:extLst>
+          </p:cNvPr>
+          <p:cNvSpPr/>
+          <p:nvPr/>
+        </p:nvSpPr>
+        <p:spPr>
+          <a:xfrm>
+            <a:off x="5201754" y="5493893"/>
+            <a:ext cx="1498888" cy="605258"/>
+          </a:xfrm>
+          <a:prstGeom prst="ellipse">
+            <a:avLst/>
+          </a:prstGeom>
+          <a:solidFill>
+            <a:srgbClr val="FFC000"/>
+          </a:solidFill>
+        </p:spPr>
+        <p:style>
+          <a:lnRef idx="2">
+            <a:schemeClr val="accent1">
+              <a:shade val="50000"/>
+            </a:schemeClr>
+          </a:lnRef>
+          <a:fillRef idx="1">
+            <a:schemeClr val="accent1"/>
+          </a:fillRef>
+          <a:effectRef idx="0">
+            <a:schemeClr val="accent1"/>
+          </a:effectRef>
+          <a:fontRef idx="minor">
+            <a:schemeClr val="lt1"/>
+          </a:fontRef>
+        </p:style>
+        <p:txBody>
+          <a:bodyPr rtlCol="0" anchor="ctr"/>
+          <a:lstStyle/>
+          <a:p>
+            <a:pPr algn="ctr"/>
+            <a:r>
+              <a:rPr lang="en-US">
+                <a:solidFill>
+                  <a:schemeClr val="tx1"/>
+                </a:solidFill>
+              </a:rPr>
+              <a:t>severity</a:t>
+            </a:r>
+          </a:p>
+        </p:txBody>
+      </p:sp>
+      <p:cxnSp>
+        <p:nvCxnSpPr>
+          <p:cNvPr id="8" name="Connector: Curved 7">
+            <a:extLst>
+              <a:ext uri="{FF2B5EF4-FFF2-40B4-BE49-F238E27FC236}">
+                <a16:creationId xmlns:a16="http://schemas.microsoft.com/office/drawing/2014/main" id="{1EFD3401-62B7-BCDE-AA65-CA2D3EE45E83}"/>
+              </a:ext>
+            </a:extLst>
+          </p:cNvPr>
+          <p:cNvCxnSpPr>
+            <a:cxnSpLocks/>
+          </p:cNvCxnSpPr>
+          <p:nvPr/>
+        </p:nvCxnSpPr>
+        <p:spPr>
+          <a:xfrm flipV="1">
+            <a:off x="2812352" y="1823384"/>
+            <a:ext cx="1723439" cy="7689"/>
+          </a:xfrm>
+          <a:prstGeom prst="curvedConnector3">
+            <a:avLst>
+              <a:gd name="adj1" fmla="val 50000"/>
+            </a:avLst>
+          </a:prstGeom>
+          <a:ln w="38100">
+            <a:solidFill>
+              <a:schemeClr val="tx1"/>
+            </a:solidFill>
+            <a:tailEnd type="triangle" w="lg" len="lg"/>
+          </a:ln>
+        </p:spPr>
+        <p:style>
+          <a:lnRef idx="1">
+            <a:schemeClr val="accent1"/>
+          </a:lnRef>
+          <a:fillRef idx="0">
+            <a:schemeClr val="accent1"/>
+          </a:fillRef>
+          <a:effectRef idx="0">
+            <a:schemeClr val="accent1"/>
+          </a:effectRef>
+          <a:fontRef idx="minor">
+            <a:schemeClr val="tx1"/>
+          </a:fontRef>
+        </p:style>
+      </p:cxnSp>
+      <p:cxnSp>
+        <p:nvCxnSpPr>
+          <p:cNvPr id="9" name="Connector: Curved 8">
+            <a:extLst>
+              <a:ext uri="{FF2B5EF4-FFF2-40B4-BE49-F238E27FC236}">
+                <a16:creationId xmlns:a16="http://schemas.microsoft.com/office/drawing/2014/main" id="{21E5EF34-42BA-D3CB-336E-A6C88D18CBDD}"/>
+              </a:ext>
+            </a:extLst>
+          </p:cNvPr>
+          <p:cNvCxnSpPr>
+            <a:cxnSpLocks/>
+          </p:cNvCxnSpPr>
+          <p:nvPr/>
+        </p:nvCxnSpPr>
+        <p:spPr>
+          <a:xfrm>
+            <a:off x="6762746" y="1823384"/>
+            <a:ext cx="2246462" cy="3980829"/>
+          </a:xfrm>
+          <a:prstGeom prst="curvedConnector3">
+            <a:avLst>
+              <a:gd name="adj1" fmla="val 50000"/>
+            </a:avLst>
+          </a:prstGeom>
+          <a:ln w="38100">
+            <a:solidFill>
+              <a:schemeClr val="tx1"/>
+            </a:solidFill>
+            <a:tailEnd type="triangle" w="lg" len="lg"/>
+          </a:ln>
+        </p:spPr>
+        <p:style>
+          <a:lnRef idx="1">
+            <a:schemeClr val="accent1"/>
+          </a:lnRef>
+          <a:fillRef idx="0">
+            <a:schemeClr val="accent1"/>
+          </a:fillRef>
+          <a:effectRef idx="0">
+            <a:schemeClr val="accent1"/>
+          </a:effectRef>
+          <a:fontRef idx="minor">
+            <a:schemeClr val="tx1"/>
+          </a:fontRef>
+        </p:style>
+      </p:cxnSp>
+      <p:cxnSp>
+        <p:nvCxnSpPr>
+          <p:cNvPr id="10" name="Connector: Curved 9">
+            <a:extLst>
+              <a:ext uri="{FF2B5EF4-FFF2-40B4-BE49-F238E27FC236}">
+                <a16:creationId xmlns:a16="http://schemas.microsoft.com/office/drawing/2014/main" id="{C795F738-189F-22AB-02E2-65570C10AFA3}"/>
+              </a:ext>
+            </a:extLst>
+          </p:cNvPr>
+          <p:cNvCxnSpPr>
+            <a:cxnSpLocks/>
+            <a:endCxn id="63" idx="3"/>
+          </p:cNvCxnSpPr>
+          <p:nvPr/>
+        </p:nvCxnSpPr>
+        <p:spPr>
+          <a:xfrm>
+            <a:off x="6762747" y="1823384"/>
+            <a:ext cx="2094578" cy="7689"/>
+          </a:xfrm>
+          <a:prstGeom prst="curvedConnector3">
+            <a:avLst>
+              <a:gd name="adj1" fmla="val 50000"/>
+            </a:avLst>
+          </a:prstGeom>
+          <a:ln w="38100">
+            <a:solidFill>
+              <a:schemeClr val="tx1"/>
+            </a:solidFill>
+            <a:tailEnd type="triangle" w="lg" len="lg"/>
+          </a:ln>
+        </p:spPr>
+        <p:style>
+          <a:lnRef idx="1">
+            <a:schemeClr val="accent1"/>
+          </a:lnRef>
+          <a:fillRef idx="0">
+            <a:schemeClr val="accent1"/>
+          </a:fillRef>
+          <a:effectRef idx="0">
+            <a:schemeClr val="accent1"/>
+          </a:effectRef>
+          <a:fontRef idx="minor">
+            <a:schemeClr val="tx1"/>
+          </a:fontRef>
+        </p:style>
+      </p:cxnSp>
+      <p:cxnSp>
+        <p:nvCxnSpPr>
+          <p:cNvPr id="11" name="Connector: Curved 10">
+            <a:extLst>
+              <a:ext uri="{FF2B5EF4-FFF2-40B4-BE49-F238E27FC236}">
+                <a16:creationId xmlns:a16="http://schemas.microsoft.com/office/drawing/2014/main" id="{082605F7-6FFA-0809-CEC3-184A3786C1A2}"/>
+              </a:ext>
+            </a:extLst>
+          </p:cNvPr>
+          <p:cNvCxnSpPr>
+            <a:cxnSpLocks/>
+          </p:cNvCxnSpPr>
+          <p:nvPr/>
+        </p:nvCxnSpPr>
+        <p:spPr>
+          <a:xfrm rot="5400000" flipH="1" flipV="1">
+            <a:off x="5585086" y="4935574"/>
+            <a:ext cx="923735" cy="192905"/>
+          </a:xfrm>
+          <a:prstGeom prst="curvedConnector2">
+            <a:avLst/>
+          </a:prstGeom>
+          <a:ln w="38100">
+            <a:solidFill>
+              <a:schemeClr val="tx1"/>
+            </a:solidFill>
+            <a:tailEnd type="triangle" w="lg" len="lg"/>
+          </a:ln>
+        </p:spPr>
+        <p:style>
+          <a:lnRef idx="1">
+            <a:schemeClr val="accent1"/>
+          </a:lnRef>
+          <a:fillRef idx="0">
+            <a:schemeClr val="accent1"/>
+          </a:fillRef>
+          <a:effectRef idx="0">
+            <a:schemeClr val="accent1"/>
+          </a:effectRef>
+          <a:fontRef idx="minor">
+            <a:schemeClr val="tx1"/>
+          </a:fontRef>
+        </p:style>
+      </p:cxnSp>
+      <p:cxnSp>
+        <p:nvCxnSpPr>
+          <p:cNvPr id="12" name="Connector: Curved 11">
+            <a:extLst>
+              <a:ext uri="{FF2B5EF4-FFF2-40B4-BE49-F238E27FC236}">
+                <a16:creationId xmlns:a16="http://schemas.microsoft.com/office/drawing/2014/main" id="{171AB1C9-1D4E-7319-4161-27C4029421EB}"/>
+              </a:ext>
+            </a:extLst>
+          </p:cNvPr>
+          <p:cNvCxnSpPr>
+            <a:cxnSpLocks/>
+          </p:cNvCxnSpPr>
+          <p:nvPr/>
+        </p:nvCxnSpPr>
+        <p:spPr>
+          <a:xfrm rot="16200000" flipV="1">
+            <a:off x="5448505" y="3108902"/>
+            <a:ext cx="1122461" cy="1194791"/>
+          </a:xfrm>
+          <a:prstGeom prst="curvedConnector3">
+            <a:avLst>
+              <a:gd name="adj1" fmla="val 50000"/>
+            </a:avLst>
+          </a:prstGeom>
+          <a:ln w="38100">
+            <a:solidFill>
+              <a:schemeClr val="tx1"/>
+            </a:solidFill>
+            <a:tailEnd type="triangle" w="lg" len="lg"/>
+          </a:ln>
+        </p:spPr>
+        <p:style>
+          <a:lnRef idx="1">
+            <a:schemeClr val="accent1"/>
+          </a:lnRef>
+          <a:fillRef idx="0">
+            <a:schemeClr val="accent1"/>
+          </a:fillRef>
+          <a:effectRef idx="0">
+            <a:schemeClr val="accent1"/>
+          </a:effectRef>
+          <a:fontRef idx="minor">
+            <a:schemeClr val="tx1"/>
+          </a:fontRef>
+        </p:style>
+      </p:cxnSp>
+      <p:cxnSp>
+        <p:nvCxnSpPr>
+          <p:cNvPr id="13" name="Connector: Curved 12">
+            <a:extLst>
+              <a:ext uri="{FF2B5EF4-FFF2-40B4-BE49-F238E27FC236}">
+                <a16:creationId xmlns:a16="http://schemas.microsoft.com/office/drawing/2014/main" id="{B3E1D229-D537-EDB0-B592-B79779081583}"/>
+              </a:ext>
+            </a:extLst>
+          </p:cNvPr>
+          <p:cNvCxnSpPr>
+            <a:cxnSpLocks/>
+          </p:cNvCxnSpPr>
+          <p:nvPr/>
+        </p:nvCxnSpPr>
+        <p:spPr>
+          <a:xfrm>
+            <a:off x="7070853" y="4570158"/>
+            <a:ext cx="276905" cy="523779"/>
+          </a:xfrm>
+          <a:prstGeom prst="curvedConnector2">
+            <a:avLst/>
+          </a:prstGeom>
+          <a:ln w="38100">
+            <a:solidFill>
+              <a:schemeClr val="tx1"/>
+            </a:solidFill>
+            <a:tailEnd type="triangle" w="lg" len="lg"/>
+          </a:ln>
+        </p:spPr>
+        <p:style>
+          <a:lnRef idx="1">
+            <a:schemeClr val="accent1"/>
+          </a:lnRef>
+          <a:fillRef idx="0">
+            <a:schemeClr val="accent1"/>
+          </a:fillRef>
+          <a:effectRef idx="0">
+            <a:schemeClr val="accent1"/>
+          </a:effectRef>
+          <a:fontRef idx="minor">
+            <a:schemeClr val="tx1"/>
+          </a:fontRef>
+        </p:style>
+      </p:cxnSp>
+      <p:cxnSp>
+        <p:nvCxnSpPr>
+          <p:cNvPr id="14" name="Connector: Curved 13">
+            <a:extLst>
+              <a:ext uri="{FF2B5EF4-FFF2-40B4-BE49-F238E27FC236}">
+                <a16:creationId xmlns:a16="http://schemas.microsoft.com/office/drawing/2014/main" id="{29C4C875-EBDF-B875-9DFC-215DC2E8A3B0}"/>
+              </a:ext>
+            </a:extLst>
+          </p:cNvPr>
+          <p:cNvCxnSpPr>
+            <a:cxnSpLocks/>
+          </p:cNvCxnSpPr>
+          <p:nvPr/>
+        </p:nvCxnSpPr>
+        <p:spPr>
+          <a:xfrm>
+            <a:off x="6699947" y="5796524"/>
+            <a:ext cx="2309261" cy="7689"/>
+          </a:xfrm>
+          <a:prstGeom prst="curvedConnector3">
+            <a:avLst>
+              <a:gd name="adj1" fmla="val 50000"/>
+            </a:avLst>
+          </a:prstGeom>
+          <a:ln w="38100">
+            <a:solidFill>
+              <a:schemeClr val="tx1"/>
+            </a:solidFill>
+            <a:prstDash val="solid"/>
+            <a:tailEnd type="triangle" w="lg" len="lg"/>
+          </a:ln>
+        </p:spPr>
+        <p:style>
+          <a:lnRef idx="1">
+            <a:schemeClr val="accent1"/>
+          </a:lnRef>
+          <a:fillRef idx="0">
+            <a:schemeClr val="accent1"/>
+          </a:fillRef>
+          <a:effectRef idx="0">
+            <a:schemeClr val="accent1"/>
+          </a:effectRef>
+          <a:fontRef idx="minor">
+            <a:schemeClr val="tx1"/>
+          </a:fontRef>
+        </p:style>
+      </p:cxnSp>
+      <p:cxnSp>
+        <p:nvCxnSpPr>
+          <p:cNvPr id="15" name="Connector: Curved 14">
+            <a:extLst>
+              <a:ext uri="{FF2B5EF4-FFF2-40B4-BE49-F238E27FC236}">
+                <a16:creationId xmlns:a16="http://schemas.microsoft.com/office/drawing/2014/main" id="{CBFD4E2C-CCCD-F96A-B775-726882502C03}"/>
+              </a:ext>
+            </a:extLst>
+          </p:cNvPr>
+          <p:cNvCxnSpPr>
+            <a:cxnSpLocks/>
+          </p:cNvCxnSpPr>
+          <p:nvPr/>
+        </p:nvCxnSpPr>
+        <p:spPr>
+          <a:xfrm>
+            <a:off x="6254228" y="2842439"/>
+            <a:ext cx="1093531" cy="2251498"/>
+          </a:xfrm>
+          <a:prstGeom prst="curvedConnector2">
+            <a:avLst/>
+          </a:prstGeom>
+          <a:ln w="38100">
+            <a:solidFill>
+              <a:schemeClr val="tx1"/>
+            </a:solidFill>
+            <a:tailEnd type="triangle" w="lg" len="lg"/>
+          </a:ln>
+        </p:spPr>
+        <p:style>
+          <a:lnRef idx="1">
+            <a:schemeClr val="accent1"/>
+          </a:lnRef>
+          <a:fillRef idx="0">
+            <a:schemeClr val="accent1"/>
+          </a:fillRef>
+          <a:effectRef idx="0">
+            <a:schemeClr val="accent1"/>
+          </a:effectRef>
+          <a:fontRef idx="minor">
+            <a:schemeClr val="tx1"/>
+          </a:fontRef>
+        </p:style>
+      </p:cxnSp>
+      <p:cxnSp>
+        <p:nvCxnSpPr>
+          <p:cNvPr id="16" name="Connector: Curved 15">
+            <a:extLst>
+              <a:ext uri="{FF2B5EF4-FFF2-40B4-BE49-F238E27FC236}">
+                <a16:creationId xmlns:a16="http://schemas.microsoft.com/office/drawing/2014/main" id="{78C3AB17-122C-529B-42B1-6902401BD078}"/>
+              </a:ext>
+            </a:extLst>
+          </p:cNvPr>
+          <p:cNvCxnSpPr>
+            <a:cxnSpLocks/>
+          </p:cNvCxnSpPr>
+          <p:nvPr/>
+        </p:nvCxnSpPr>
+        <p:spPr>
+          <a:xfrm rot="10800000">
+            <a:off x="4602259" y="5171895"/>
+            <a:ext cx="598805" cy="624632"/>
+          </a:xfrm>
+          <a:prstGeom prst="curvedConnector2">
+            <a:avLst/>
+          </a:prstGeom>
+          <a:ln w="38100">
+            <a:solidFill>
+              <a:schemeClr val="tx1"/>
+            </a:solidFill>
+            <a:tailEnd type="triangle" w="lg" len="lg"/>
+          </a:ln>
+        </p:spPr>
+        <p:style>
+          <a:lnRef idx="1">
+            <a:schemeClr val="accent1"/>
+          </a:lnRef>
+          <a:fillRef idx="0">
+            <a:schemeClr val="accent1"/>
+          </a:fillRef>
+          <a:effectRef idx="0">
+            <a:schemeClr val="accent1"/>
+          </a:effectRef>
+          <a:fontRef idx="minor">
+            <a:schemeClr val="tx1"/>
+          </a:fontRef>
+        </p:style>
+      </p:cxnSp>
+      <p:cxnSp>
+        <p:nvCxnSpPr>
+          <p:cNvPr id="17" name="Connector: Curved 16">
+            <a:extLst>
+              <a:ext uri="{FF2B5EF4-FFF2-40B4-BE49-F238E27FC236}">
+                <a16:creationId xmlns:a16="http://schemas.microsoft.com/office/drawing/2014/main" id="{0AAC5505-0F01-56E3-E971-BBEE00C543A1}"/>
+              </a:ext>
+            </a:extLst>
+          </p:cNvPr>
+          <p:cNvCxnSpPr>
+            <a:cxnSpLocks/>
+          </p:cNvCxnSpPr>
+          <p:nvPr/>
+        </p:nvCxnSpPr>
+        <p:spPr>
+          <a:xfrm flipV="1">
+            <a:off x="2791789" y="2842439"/>
+            <a:ext cx="1778664" cy="7689"/>
+          </a:xfrm>
+          <a:prstGeom prst="curvedConnector3">
+            <a:avLst>
+              <a:gd name="adj1" fmla="val 50000"/>
+            </a:avLst>
+          </a:prstGeom>
+          <a:ln w="38100">
+            <a:solidFill>
+              <a:schemeClr val="tx1"/>
+            </a:solidFill>
+            <a:tailEnd type="triangle" w="lg" len="lg"/>
+          </a:ln>
+        </p:spPr>
+        <p:style>
+          <a:lnRef idx="1">
+            <a:schemeClr val="accent1"/>
+          </a:lnRef>
+          <a:fillRef idx="0">
+            <a:schemeClr val="accent1"/>
+          </a:fillRef>
+          <a:effectRef idx="0">
+            <a:schemeClr val="accent1"/>
+          </a:effectRef>
+          <a:fontRef idx="minor">
+            <a:schemeClr val="tx1"/>
+          </a:fontRef>
+        </p:style>
+      </p:cxnSp>
+      <p:sp>
+        <p:nvSpPr>
+          <p:cNvPr id="20" name="Oval 19">
+            <a:extLst>
+              <a:ext uri="{FF2B5EF4-FFF2-40B4-BE49-F238E27FC236}">
+                <a16:creationId xmlns:a16="http://schemas.microsoft.com/office/drawing/2014/main" id="{950691CE-05F3-6237-1805-6317741AF0CF}"/>
+              </a:ext>
+            </a:extLst>
+          </p:cNvPr>
+          <p:cNvSpPr/>
+          <p:nvPr/>
+        </p:nvSpPr>
+        <p:spPr>
+          <a:xfrm>
+            <a:off x="4341278" y="3820389"/>
+            <a:ext cx="1359213" cy="422674"/>
+          </a:xfrm>
+          <a:prstGeom prst="ellipse">
+            <a:avLst/>
+          </a:prstGeom>
+          <a:solidFill>
+            <a:srgbClr val="FFFF00"/>
+          </a:solidFill>
+        </p:spPr>
+        <p:style>
+          <a:lnRef idx="2">
+            <a:schemeClr val="accent1">
+              <a:shade val="50000"/>
+            </a:schemeClr>
+          </a:lnRef>
+          <a:fillRef idx="1">
+            <a:schemeClr val="accent1"/>
+          </a:fillRef>
+          <a:effectRef idx="0">
+            <a:schemeClr val="accent1"/>
+          </a:effectRef>
+          <a:fontRef idx="minor">
+            <a:schemeClr val="lt1"/>
+          </a:fontRef>
+        </p:style>
+        <p:txBody>
+          <a:bodyPr rtlCol="0" anchor="ctr"/>
+          <a:lstStyle/>
+          <a:p>
+            <a:pPr algn="ctr"/>
+            <a:r>
+              <a:rPr lang="en-US">
+                <a:solidFill>
+                  <a:schemeClr val="tx1"/>
+                </a:solidFill>
+              </a:rPr>
+              <a:t>toxicity</a:t>
+            </a:r>
+          </a:p>
+        </p:txBody>
+      </p:sp>
+      <p:cxnSp>
+        <p:nvCxnSpPr>
+          <p:cNvPr id="21" name="Connector: Curved 20">
+            <a:extLst>
+              <a:ext uri="{FF2B5EF4-FFF2-40B4-BE49-F238E27FC236}">
+                <a16:creationId xmlns:a16="http://schemas.microsoft.com/office/drawing/2014/main" id="{8F6E0BF7-1629-F9DA-843F-7ECFEA6A1B85}"/>
+              </a:ext>
+            </a:extLst>
+          </p:cNvPr>
+          <p:cNvCxnSpPr>
+            <a:cxnSpLocks/>
+            <a:endCxn id="6" idx="5"/>
+          </p:cNvCxnSpPr>
+          <p:nvPr/>
+        </p:nvCxnSpPr>
+        <p:spPr>
+          <a:xfrm rot="16200000" flipH="1">
+            <a:off x="4804092" y="4459162"/>
+            <a:ext cx="507818" cy="75620"/>
+          </a:xfrm>
+          <a:prstGeom prst="curvedConnector3">
+            <a:avLst>
+              <a:gd name="adj1" fmla="val 50000"/>
+            </a:avLst>
+          </a:prstGeom>
+          <a:ln w="38100">
+            <a:solidFill>
+              <a:schemeClr val="tx1"/>
+            </a:solidFill>
+            <a:tailEnd type="triangle" w="lg" len="lg"/>
+          </a:ln>
+        </p:spPr>
+        <p:style>
+          <a:lnRef idx="1">
+            <a:schemeClr val="accent1"/>
+          </a:lnRef>
+          <a:fillRef idx="0">
+            <a:schemeClr val="accent1"/>
+          </a:fillRef>
+          <a:effectRef idx="0">
+            <a:schemeClr val="accent1"/>
+          </a:effectRef>
+          <a:fontRef idx="minor">
+            <a:schemeClr val="tx1"/>
+          </a:fontRef>
+        </p:style>
+      </p:cxnSp>
+      <p:cxnSp>
+        <p:nvCxnSpPr>
+          <p:cNvPr id="22" name="Connector: Curved 21">
+            <a:extLst>
+              <a:ext uri="{FF2B5EF4-FFF2-40B4-BE49-F238E27FC236}">
+                <a16:creationId xmlns:a16="http://schemas.microsoft.com/office/drawing/2014/main" id="{D936715D-D6B1-CAB2-02B7-26F96DF50BF8}"/>
+              </a:ext>
+            </a:extLst>
+          </p:cNvPr>
+          <p:cNvCxnSpPr>
+            <a:cxnSpLocks/>
+          </p:cNvCxnSpPr>
+          <p:nvPr/>
+        </p:nvCxnSpPr>
+        <p:spPr>
+          <a:xfrm rot="5400000">
+            <a:off x="4878604" y="3286652"/>
+            <a:ext cx="675322" cy="392150"/>
+          </a:xfrm>
+          <a:prstGeom prst="curvedConnector3">
+            <a:avLst>
+              <a:gd name="adj1" fmla="val 50000"/>
+            </a:avLst>
+          </a:prstGeom>
+          <a:ln w="38100">
+            <a:solidFill>
+              <a:schemeClr val="tx1"/>
+            </a:solidFill>
+            <a:tailEnd type="triangle" w="lg" len="lg"/>
+          </a:ln>
+        </p:spPr>
+        <p:style>
+          <a:lnRef idx="1">
+            <a:schemeClr val="accent1"/>
+          </a:lnRef>
+          <a:fillRef idx="0">
+            <a:schemeClr val="accent1"/>
+          </a:fillRef>
+          <a:effectRef idx="0">
+            <a:schemeClr val="accent1"/>
+          </a:effectRef>
+          <a:fontRef idx="minor">
+            <a:schemeClr val="tx1"/>
+          </a:fontRef>
+        </p:style>
+      </p:cxnSp>
+      <p:sp>
+        <p:nvSpPr>
+          <p:cNvPr id="23" name="Oval 22">
+            <a:extLst>
+              <a:ext uri="{FF2B5EF4-FFF2-40B4-BE49-F238E27FC236}">
+                <a16:creationId xmlns:a16="http://schemas.microsoft.com/office/drawing/2014/main" id="{D70F654F-DFFD-32A0-2CEA-0E8DC5666BBE}"/>
+              </a:ext>
+            </a:extLst>
+          </p:cNvPr>
+          <p:cNvSpPr/>
+          <p:nvPr/>
+        </p:nvSpPr>
+        <p:spPr>
+          <a:xfrm>
+            <a:off x="6700642" y="5093937"/>
+            <a:ext cx="1295624" cy="445532"/>
+          </a:xfrm>
+          <a:prstGeom prst="ellipse">
+            <a:avLst/>
+          </a:prstGeom>
+          <a:solidFill>
+            <a:srgbClr val="FFFF00"/>
+          </a:solidFill>
+        </p:spPr>
+        <p:style>
+          <a:lnRef idx="2">
+            <a:schemeClr val="accent1">
+              <a:shade val="50000"/>
+            </a:schemeClr>
+          </a:lnRef>
+          <a:fillRef idx="1">
+            <a:schemeClr val="accent1"/>
+          </a:fillRef>
+          <a:effectRef idx="0">
+            <a:schemeClr val="accent1"/>
+          </a:effectRef>
+          <a:fontRef idx="minor">
+            <a:schemeClr val="lt1"/>
+          </a:fontRef>
+        </p:style>
+        <p:txBody>
+          <a:bodyPr rtlCol="0" anchor="ctr"/>
+          <a:lstStyle/>
+          <a:p>
+            <a:pPr algn="ctr"/>
+            <a:r>
+              <a:rPr lang="en-US">
+                <a:solidFill>
+                  <a:schemeClr val="tx1"/>
+                </a:solidFill>
+              </a:rPr>
+              <a:t>efficacy</a:t>
+            </a:r>
+          </a:p>
+        </p:txBody>
+      </p:sp>
+      <p:cxnSp>
+        <p:nvCxnSpPr>
+          <p:cNvPr id="24" name="Connector: Curved 23">
+            <a:extLst>
+              <a:ext uri="{FF2B5EF4-FFF2-40B4-BE49-F238E27FC236}">
+                <a16:creationId xmlns:a16="http://schemas.microsoft.com/office/drawing/2014/main" id="{F21E8BFA-FCA4-F550-8F81-7C0B3BACFC95}"/>
+              </a:ext>
+            </a:extLst>
+          </p:cNvPr>
+          <p:cNvCxnSpPr>
+            <a:cxnSpLocks/>
+          </p:cNvCxnSpPr>
+          <p:nvPr/>
+        </p:nvCxnSpPr>
+        <p:spPr>
+          <a:xfrm rot="16200000" flipH="1">
+            <a:off x="8243220" y="5037529"/>
+            <a:ext cx="329991" cy="1203377"/>
+          </a:xfrm>
+          <a:prstGeom prst="curvedConnector2">
+            <a:avLst/>
+          </a:prstGeom>
+          <a:ln w="38100">
+            <a:solidFill>
+              <a:schemeClr val="tx1"/>
+            </a:solidFill>
+            <a:tailEnd type="triangle" w="lg" len="lg"/>
+          </a:ln>
+        </p:spPr>
+        <p:style>
+          <a:lnRef idx="1">
+            <a:schemeClr val="accent1"/>
+          </a:lnRef>
+          <a:fillRef idx="0">
+            <a:schemeClr val="accent1"/>
+          </a:fillRef>
+          <a:effectRef idx="0">
+            <a:schemeClr val="accent1"/>
+          </a:effectRef>
+          <a:fontRef idx="minor">
+            <a:schemeClr val="tx1"/>
+          </a:fontRef>
+        </p:style>
+      </p:cxnSp>
+      <p:sp>
+        <p:nvSpPr>
+          <p:cNvPr id="25" name="Oval 24">
+            <a:extLst>
+              <a:ext uri="{FF2B5EF4-FFF2-40B4-BE49-F238E27FC236}">
+                <a16:creationId xmlns:a16="http://schemas.microsoft.com/office/drawing/2014/main" id="{34C195B5-3933-1004-ED8A-0985267AF07B}"/>
+              </a:ext>
+            </a:extLst>
+          </p:cNvPr>
+          <p:cNvSpPr/>
+          <p:nvPr/>
+        </p:nvSpPr>
+        <p:spPr>
+          <a:xfrm>
+            <a:off x="1487791" y="1528444"/>
+            <a:ext cx="2226956" cy="605258"/>
+          </a:xfrm>
+          <a:prstGeom prst="ellipse">
+            <a:avLst/>
+          </a:prstGeom>
+          <a:solidFill>
+            <a:srgbClr val="FFFF00"/>
+          </a:solidFill>
+        </p:spPr>
+        <p:style>
+          <a:lnRef idx="2">
+            <a:schemeClr val="accent1">
+              <a:shade val="50000"/>
+            </a:schemeClr>
+          </a:lnRef>
+          <a:fillRef idx="1">
+            <a:schemeClr val="accent1"/>
+          </a:fillRef>
+          <a:effectRef idx="0">
+            <a:schemeClr val="accent1"/>
+          </a:effectRef>
+          <a:fontRef idx="minor">
+            <a:schemeClr val="lt1"/>
+          </a:fontRef>
+        </p:style>
+        <p:txBody>
+          <a:bodyPr rtlCol="0" anchor="ctr"/>
+          <a:lstStyle/>
+          <a:p>
+            <a:pPr algn="ctr"/>
+            <a:r>
+              <a:rPr lang="en-US" err="1">
+                <a:solidFill>
+                  <a:schemeClr val="tx1"/>
+                </a:solidFill>
+              </a:rPr>
+              <a:t>infection_prev</a:t>
+            </a:r>
+            <a:endParaRPr lang="en-US">
+              <a:solidFill>
+                <a:schemeClr val="tx1"/>
+              </a:solidFill>
+            </a:endParaRPr>
+          </a:p>
+        </p:txBody>
+      </p:sp>
+      <p:sp>
+        <p:nvSpPr>
+          <p:cNvPr id="27" name="Oval 26">
+            <a:extLst>
+              <a:ext uri="{FF2B5EF4-FFF2-40B4-BE49-F238E27FC236}">
+                <a16:creationId xmlns:a16="http://schemas.microsoft.com/office/drawing/2014/main" id="{9935E05D-AF76-065D-9B4C-201CE86B6947}"/>
+              </a:ext>
+            </a:extLst>
+          </p:cNvPr>
+          <p:cNvSpPr/>
+          <p:nvPr/>
+        </p:nvSpPr>
+        <p:spPr>
+          <a:xfrm>
+            <a:off x="1199021" y="2547499"/>
+            <a:ext cx="2495163" cy="605258"/>
+          </a:xfrm>
+          <a:prstGeom prst="ellipse">
+            <a:avLst/>
+          </a:prstGeom>
+          <a:solidFill>
+            <a:srgbClr val="FFFF00"/>
+          </a:solidFill>
+        </p:spPr>
+        <p:style>
+          <a:lnRef idx="2">
+            <a:schemeClr val="accent1">
+              <a:shade val="50000"/>
+            </a:schemeClr>
+          </a:lnRef>
+          <a:fillRef idx="1">
+            <a:schemeClr val="accent1"/>
+          </a:fillRef>
+          <a:effectRef idx="0">
+            <a:schemeClr val="accent1"/>
+          </a:effectRef>
+          <a:fontRef idx="minor">
+            <a:schemeClr val="lt1"/>
+          </a:fontRef>
+        </p:style>
+        <p:txBody>
+          <a:bodyPr rtlCol="0" anchor="ctr"/>
+          <a:lstStyle/>
+          <a:p>
+            <a:pPr algn="ctr"/>
+            <a:r>
+              <a:rPr lang="en-US" err="1">
+                <a:solidFill>
+                  <a:schemeClr val="tx1"/>
+                </a:solidFill>
+              </a:rPr>
+              <a:t>cum_drug_prev</a:t>
+            </a:r>
+            <a:endParaRPr lang="en-US">
+              <a:solidFill>
+                <a:schemeClr val="tx1"/>
+              </a:solidFill>
+            </a:endParaRPr>
+          </a:p>
+        </p:txBody>
+      </p:sp>
+      <p:sp>
+        <p:nvSpPr>
+          <p:cNvPr id="47" name="Oval 46">
+            <a:extLst>
+              <a:ext uri="{FF2B5EF4-FFF2-40B4-BE49-F238E27FC236}">
+                <a16:creationId xmlns:a16="http://schemas.microsoft.com/office/drawing/2014/main" id="{A4B5CDF7-2254-EBF6-A95D-A2F0B9F4F233}"/>
+              </a:ext>
+            </a:extLst>
+          </p:cNvPr>
+          <p:cNvSpPr/>
+          <p:nvPr/>
+        </p:nvSpPr>
+        <p:spPr>
+          <a:xfrm>
+            <a:off x="9009903" y="5501583"/>
+            <a:ext cx="2167256" cy="605258"/>
+          </a:xfrm>
+          <a:prstGeom prst="ellipse">
+            <a:avLst/>
+          </a:prstGeom>
+          <a:solidFill>
+            <a:srgbClr val="FFC000"/>
+          </a:solidFill>
+        </p:spPr>
+        <p:style>
+          <a:lnRef idx="2">
+            <a:schemeClr val="accent1">
+              <a:shade val="50000"/>
+            </a:schemeClr>
+          </a:lnRef>
+          <a:fillRef idx="1">
+            <a:schemeClr val="accent1"/>
+          </a:fillRef>
+          <a:effectRef idx="0">
+            <a:schemeClr val="accent1"/>
+          </a:effectRef>
+          <a:fontRef idx="minor">
+            <a:schemeClr val="lt1"/>
+          </a:fontRef>
+        </p:style>
+        <p:txBody>
+          <a:bodyPr rtlCol="0" anchor="ctr"/>
+          <a:lstStyle/>
+          <a:p>
+            <a:pPr algn="ctr"/>
+            <a:r>
+              <a:rPr lang="en-US" err="1">
+                <a:solidFill>
+                  <a:schemeClr val="tx1"/>
+                </a:solidFill>
+              </a:rPr>
+              <a:t>severity_next</a:t>
+            </a:r>
+            <a:endParaRPr lang="en-US">
+              <a:solidFill>
+                <a:schemeClr val="tx1"/>
+              </a:solidFill>
+            </a:endParaRPr>
+          </a:p>
+        </p:txBody>
+      </p:sp>
+      <p:sp>
+        <p:nvSpPr>
+          <p:cNvPr id="63" name="Hexagon 62">
+            <a:extLst>
+              <a:ext uri="{FF2B5EF4-FFF2-40B4-BE49-F238E27FC236}">
+                <a16:creationId xmlns:a16="http://schemas.microsoft.com/office/drawing/2014/main" id="{39C1C97B-5BC4-D240-5EE1-ECA1212C5D28}"/>
+              </a:ext>
+            </a:extLst>
+          </p:cNvPr>
+          <p:cNvSpPr/>
+          <p:nvPr/>
+        </p:nvSpPr>
+        <p:spPr>
+          <a:xfrm>
+            <a:off x="8857325" y="1620566"/>
+            <a:ext cx="858253" cy="421013"/>
+          </a:xfrm>
+          <a:prstGeom prst="hexagon">
+            <a:avLst/>
+          </a:prstGeom>
+          <a:solidFill>
+            <a:srgbClr val="92D050"/>
+          </a:solidFill>
+        </p:spPr>
+        <p:style>
+          <a:lnRef idx="2">
+            <a:schemeClr val="accent1">
+              <a:shade val="50000"/>
+            </a:schemeClr>
+          </a:lnRef>
+          <a:fillRef idx="1">
+            <a:schemeClr val="accent1"/>
+          </a:fillRef>
+          <a:effectRef idx="0">
+            <a:schemeClr val="accent1"/>
+          </a:effectRef>
+          <a:fontRef idx="minor">
+            <a:schemeClr val="lt1"/>
+          </a:fontRef>
+        </p:style>
+        <p:txBody>
+          <a:bodyPr rtlCol="0" anchor="ctr"/>
+          <a:lstStyle/>
+          <a:p>
+            <a:pPr algn="ctr"/>
+            <a:r>
+              <a:rPr lang="en-US" dirty="0">
+                <a:solidFill>
+                  <a:schemeClr val="tx1"/>
+                </a:solidFill>
+              </a:rPr>
+              <a:t>live</a:t>
+            </a:r>
+          </a:p>
+        </p:txBody>
+      </p:sp>
+      <p:cxnSp>
+        <p:nvCxnSpPr>
+          <p:cNvPr id="68" name="Connector: Curved 67">
+            <a:extLst>
+              <a:ext uri="{FF2B5EF4-FFF2-40B4-BE49-F238E27FC236}">
+                <a16:creationId xmlns:a16="http://schemas.microsoft.com/office/drawing/2014/main" id="{9265BD1F-E8E9-9B3D-857D-83B3194645AF}"/>
+              </a:ext>
+            </a:extLst>
+          </p:cNvPr>
+          <p:cNvCxnSpPr>
+            <a:cxnSpLocks/>
+            <a:stCxn id="6" idx="3"/>
+            <a:endCxn id="63" idx="4"/>
+          </p:cNvCxnSpPr>
+          <p:nvPr/>
+        </p:nvCxnSpPr>
+        <p:spPr>
+          <a:xfrm rot="10800000" flipH="1">
+            <a:off x="4509810" y="1620566"/>
+            <a:ext cx="4452768" cy="3340822"/>
+          </a:xfrm>
+          <a:prstGeom prst="curvedConnector4">
+            <a:avLst>
+              <a:gd name="adj1" fmla="val -85565"/>
+              <a:gd name="adj2" fmla="val 128891"/>
+            </a:avLst>
+          </a:prstGeom>
+          <a:ln w="38100">
+            <a:solidFill>
+              <a:schemeClr val="tx1"/>
+            </a:solidFill>
+            <a:tailEnd type="triangle" w="lg" len="lg"/>
+          </a:ln>
+        </p:spPr>
+        <p:style>
+          <a:lnRef idx="1">
+            <a:schemeClr val="accent1"/>
+          </a:lnRef>
+          <a:fillRef idx="0">
+            <a:schemeClr val="accent1"/>
+          </a:fillRef>
+          <a:effectRef idx="0">
+            <a:schemeClr val="accent1"/>
+          </a:effectRef>
+          <a:fontRef idx="minor">
+            <a:schemeClr val="tx1"/>
+          </a:fontRef>
+        </p:style>
+      </p:cxnSp>
+    </p:spTree>
+    <p:extLst>
+      <p:ext uri="{BB962C8B-B14F-4D97-AF65-F5344CB8AC3E}">
+        <p14:creationId xmlns:p14="http://schemas.microsoft.com/office/powerpoint/2010/main" val="1108589397"/>
+      </p:ext>
+    </p:extLst>
+  </p:cSld>
+  <p:clrMapOvr>
+    <a:masterClrMapping/>
+  </p:clrMapOvr>
+</p:sld>
+</file>
+
+<file path=ppt/slides/slide9.xml><?xml version="1.0" encoding="utf-8"?>
+<p:sld xmlns:a="http://schemas.openxmlformats.org/drawingml/2006/main" xmlns:r="http://schemas.openxmlformats.org/officeDocument/2006/relationships" xmlns:p="http://schemas.openxmlformats.org/presentationml/2006/main">
+  <p:cSld>
+    <p:spTree>
+      <p:nvGrpSpPr>
+        <p:cNvPr id="1" name=""/>
+        <p:cNvGrpSpPr/>
+        <p:nvPr/>
+      </p:nvGrpSpPr>
+      <p:grpSpPr>
+        <a:xfrm>
+          <a:off x="0" y="0"/>
+          <a:ext cx="0" cy="0"/>
+          <a:chOff x="0" y="0"/>
+          <a:chExt cx="0" cy="0"/>
+        </a:xfrm>
+      </p:grpSpPr>
+      <p:grpSp>
+        <p:nvGrpSpPr>
+          <p:cNvPr id="2" name="Group 1">
+            <a:extLst>
+              <a:ext uri="{FF2B5EF4-FFF2-40B4-BE49-F238E27FC236}">
+                <a16:creationId xmlns:a16="http://schemas.microsoft.com/office/drawing/2014/main" id="{C0703A1D-DB52-49FD-6C03-2126D8F99680}"/>
+              </a:ext>
+            </a:extLst>
+          </p:cNvPr>
+          <p:cNvGrpSpPr>
+            <a:grpSpLocks noChangeAspect="1"/>
+          </p:cNvGrpSpPr>
+          <p:nvPr/>
+        </p:nvGrpSpPr>
+        <p:grpSpPr>
+          <a:xfrm>
+            <a:off x="221121" y="911627"/>
+            <a:ext cx="11749758" cy="5034746"/>
+            <a:chOff x="3070177" y="6477518"/>
+            <a:chExt cx="15666344" cy="6712994"/>
+          </a:xfrm>
+        </p:grpSpPr>
+        <p:sp>
+          <p:nvSpPr>
+            <p:cNvPr id="3" name="Oval 2">
+              <a:extLst>
+                <a:ext uri="{FF2B5EF4-FFF2-40B4-BE49-F238E27FC236}">
+                  <a16:creationId xmlns:a16="http://schemas.microsoft.com/office/drawing/2014/main" id="{76E5F31E-626C-6778-0862-5A18D77574D8}"/>
+                </a:ext>
+              </a:extLst>
+            </p:cNvPr>
+            <p:cNvSpPr/>
+            <p:nvPr/>
+          </p:nvSpPr>
+          <p:spPr>
+            <a:xfrm>
+              <a:off x="8722397" y="6730888"/>
+              <a:ext cx="2969274" cy="807011"/>
+            </a:xfrm>
+            <a:prstGeom prst="ellipse">
+              <a:avLst/>
+            </a:prstGeom>
+            <a:solidFill>
+              <a:srgbClr val="FFFF00"/>
+            </a:solidFill>
+          </p:spPr>
+          <p:style>
+            <a:lnRef idx="2">
+              <a:schemeClr val="accent1">
+                <a:shade val="50000"/>
+              </a:schemeClr>
+            </a:lnRef>
+            <a:fillRef idx="1">
+              <a:schemeClr val="accent1"/>
+            </a:fillRef>
+            <a:effectRef idx="0">
+              <a:schemeClr val="accent1"/>
+            </a:effectRef>
+            <a:fontRef idx="minor">
+              <a:schemeClr val="lt1"/>
+            </a:fontRef>
+          </p:style>
+          <p:txBody>
+            <a:bodyPr rtlCol="0" anchor="ctr"/>
+            <a:lstStyle/>
+            <a:p>
+              <a:pPr algn="ctr"/>
+              <a:r>
+                <a:rPr lang="en-US">
+                  <a:solidFill>
+                    <a:schemeClr val="tx1"/>
+                  </a:solidFill>
+                </a:rPr>
+                <a:t>infection</a:t>
+              </a:r>
+            </a:p>
+          </p:txBody>
+        </p:sp>
+        <p:sp>
+          <p:nvSpPr>
+            <p:cNvPr id="4" name="Oval 3">
+              <a:extLst>
+                <a:ext uri="{FF2B5EF4-FFF2-40B4-BE49-F238E27FC236}">
+                  <a16:creationId xmlns:a16="http://schemas.microsoft.com/office/drawing/2014/main" id="{2856ED71-04FC-FABE-8B0F-F5A2D580C715}"/>
+                </a:ext>
+              </a:extLst>
+            </p:cNvPr>
+            <p:cNvSpPr/>
+            <p:nvPr/>
+          </p:nvSpPr>
+          <p:spPr>
+            <a:xfrm>
+              <a:off x="10865886" y="10393253"/>
+              <a:ext cx="1236593" cy="807011"/>
+            </a:xfrm>
+            <a:prstGeom prst="ellipse">
+              <a:avLst/>
+            </a:prstGeom>
+            <a:solidFill>
+              <a:srgbClr val="FFFF00"/>
+            </a:solidFill>
+          </p:spPr>
+          <p:style>
+            <a:lnRef idx="2">
+              <a:schemeClr val="accent1">
+                <a:shade val="50000"/>
+              </a:schemeClr>
+            </a:lnRef>
+            <a:fillRef idx="1">
+              <a:schemeClr val="accent1"/>
+            </a:fillRef>
+            <a:effectRef idx="0">
+              <a:schemeClr val="accent1"/>
+            </a:effectRef>
+            <a:fontRef idx="minor">
+              <a:schemeClr val="lt1"/>
+            </a:fontRef>
+          </p:style>
+          <p:txBody>
+            <a:bodyPr rtlCol="0" anchor="ctr"/>
+            <a:lstStyle/>
+            <a:p>
+              <a:pPr algn="ctr"/>
+              <a:r>
+                <a:rPr lang="en-US">
+                  <a:solidFill>
+                    <a:schemeClr val="tx1"/>
+                  </a:solidFill>
+                </a:rPr>
+                <a:t>drug</a:t>
+              </a:r>
+            </a:p>
+          </p:txBody>
+        </p:sp>
+        <p:sp>
+          <p:nvSpPr>
+            <p:cNvPr id="5" name="Oval 4">
+              <a:extLst>
+                <a:ext uri="{FF2B5EF4-FFF2-40B4-BE49-F238E27FC236}">
+                  <a16:creationId xmlns:a16="http://schemas.microsoft.com/office/drawing/2014/main" id="{4EE2F1AC-1D13-32BB-11D8-90A06001BFF5}"/>
+                </a:ext>
+              </a:extLst>
+            </p:cNvPr>
+            <p:cNvSpPr/>
+            <p:nvPr/>
+          </p:nvSpPr>
+          <p:spPr>
+            <a:xfrm>
+              <a:off x="8768613" y="8089627"/>
+              <a:ext cx="2245033" cy="807011"/>
+            </a:xfrm>
+            <a:prstGeom prst="ellipse">
+              <a:avLst/>
+            </a:prstGeom>
+            <a:solidFill>
+              <a:srgbClr val="FFFF00"/>
+            </a:solidFill>
+          </p:spPr>
+          <p:style>
+            <a:lnRef idx="2">
+              <a:schemeClr val="accent1">
+                <a:shade val="50000"/>
+              </a:schemeClr>
+            </a:lnRef>
+            <a:fillRef idx="1">
+              <a:schemeClr val="accent1"/>
+            </a:fillRef>
+            <a:effectRef idx="0">
+              <a:schemeClr val="accent1"/>
+            </a:effectRef>
+            <a:fontRef idx="minor">
+              <a:schemeClr val="lt1"/>
+            </a:fontRef>
+          </p:style>
+          <p:txBody>
+            <a:bodyPr rtlCol="0" anchor="ctr"/>
+            <a:lstStyle/>
+            <a:p>
+              <a:pPr algn="ctr"/>
+              <a:r>
+                <a:rPr lang="en-US" dirty="0" err="1">
+                  <a:solidFill>
+                    <a:schemeClr val="tx1"/>
+                  </a:solidFill>
+                </a:rPr>
+                <a:t>cum_drug</a:t>
+              </a:r>
+              <a:endParaRPr lang="en-US" dirty="0">
+                <a:solidFill>
+                  <a:schemeClr val="tx1"/>
+                </a:solidFill>
+              </a:endParaRPr>
+            </a:p>
+          </p:txBody>
+        </p:sp>
+        <p:sp>
+          <p:nvSpPr>
+            <p:cNvPr id="6" name="Hexagon 5">
+              <a:extLst>
+                <a:ext uri="{FF2B5EF4-FFF2-40B4-BE49-F238E27FC236}">
+                  <a16:creationId xmlns:a16="http://schemas.microsoft.com/office/drawing/2014/main" id="{55A0EAF9-E246-1AFE-336D-7A639F0AFBCE}"/>
+                </a:ext>
+              </a:extLst>
+            </p:cNvPr>
+            <p:cNvSpPr/>
+            <p:nvPr/>
+          </p:nvSpPr>
+          <p:spPr>
+            <a:xfrm>
+              <a:off x="8686829" y="11037723"/>
+              <a:ext cx="1786939" cy="561351"/>
+            </a:xfrm>
+            <a:prstGeom prst="hexagon">
+              <a:avLst/>
+            </a:prstGeom>
+            <a:solidFill>
+              <a:srgbClr val="92D050"/>
+            </a:solidFill>
+          </p:spPr>
+          <p:style>
+            <a:lnRef idx="2">
+              <a:schemeClr val="accent1">
+                <a:shade val="50000"/>
+              </a:schemeClr>
+            </a:lnRef>
+            <a:fillRef idx="1">
+              <a:schemeClr val="accent1"/>
+            </a:fillRef>
+            <a:effectRef idx="0">
+              <a:schemeClr val="accent1"/>
+            </a:effectRef>
+            <a:fontRef idx="minor">
+              <a:schemeClr val="lt1"/>
+            </a:fontRef>
+          </p:style>
+          <p:txBody>
+            <a:bodyPr rtlCol="0" anchor="ctr"/>
+            <a:lstStyle/>
+            <a:p>
+              <a:pPr algn="ctr"/>
+              <a:r>
+                <a:rPr lang="en-US">
+                  <a:solidFill>
+                    <a:schemeClr val="tx1"/>
+                  </a:solidFill>
+                </a:rPr>
+                <a:t>outcome</a:t>
+              </a:r>
+            </a:p>
+          </p:txBody>
+        </p:sp>
+        <p:sp>
+          <p:nvSpPr>
+            <p:cNvPr id="7" name="Oval 6">
+              <a:extLst>
+                <a:ext uri="{FF2B5EF4-FFF2-40B4-BE49-F238E27FC236}">
+                  <a16:creationId xmlns:a16="http://schemas.microsoft.com/office/drawing/2014/main" id="{20B2E809-2FD1-8271-B9C0-A5AE7AE849ED}"/>
+                </a:ext>
+              </a:extLst>
+            </p:cNvPr>
+            <p:cNvSpPr/>
+            <p:nvPr/>
+          </p:nvSpPr>
+          <p:spPr>
+            <a:xfrm>
+              <a:off x="9609421" y="12028406"/>
+              <a:ext cx="1998517" cy="807011"/>
+            </a:xfrm>
+            <a:prstGeom prst="ellipse">
+              <a:avLst/>
+            </a:prstGeom>
+            <a:solidFill>
+              <a:srgbClr val="FFC000"/>
+            </a:solidFill>
+          </p:spPr>
+          <p:style>
+            <a:lnRef idx="2">
+              <a:schemeClr val="accent1">
+                <a:shade val="50000"/>
+              </a:schemeClr>
+            </a:lnRef>
+            <a:fillRef idx="1">
+              <a:schemeClr val="accent1"/>
+            </a:fillRef>
+            <a:effectRef idx="0">
+              <a:schemeClr val="accent1"/>
+            </a:effectRef>
+            <a:fontRef idx="minor">
+              <a:schemeClr val="lt1"/>
+            </a:fontRef>
+          </p:style>
+          <p:txBody>
+            <a:bodyPr rtlCol="0" anchor="ctr"/>
+            <a:lstStyle/>
+            <a:p>
+              <a:pPr algn="ctr"/>
+              <a:r>
+                <a:rPr lang="en-US">
+                  <a:solidFill>
+                    <a:schemeClr val="tx1"/>
+                  </a:solidFill>
+                </a:rPr>
+                <a:t>severity</a:t>
+              </a:r>
+            </a:p>
+          </p:txBody>
+        </p:sp>
+        <p:cxnSp>
+          <p:nvCxnSpPr>
+            <p:cNvPr id="8" name="Connector: Curved 7">
+              <a:extLst>
+                <a:ext uri="{FF2B5EF4-FFF2-40B4-BE49-F238E27FC236}">
+                  <a16:creationId xmlns:a16="http://schemas.microsoft.com/office/drawing/2014/main" id="{1EFD3401-62B7-BCDE-AA65-CA2D3EE45E83}"/>
+                </a:ext>
+              </a:extLst>
+            </p:cNvPr>
+            <p:cNvCxnSpPr>
+              <a:cxnSpLocks/>
+            </p:cNvCxnSpPr>
+            <p:nvPr/>
+          </p:nvCxnSpPr>
+          <p:spPr>
+            <a:xfrm flipV="1">
+              <a:off x="6423551" y="7134394"/>
+              <a:ext cx="2297919" cy="10252"/>
+            </a:xfrm>
+            <a:prstGeom prst="curvedConnector3">
+              <a:avLst>
+                <a:gd name="adj1" fmla="val 50000"/>
+              </a:avLst>
+            </a:prstGeom>
+            <a:ln w="38100">
+              <a:solidFill>
+                <a:schemeClr val="tx1"/>
+              </a:solidFill>
+              <a:tailEnd type="triangle" w="lg" len="lg"/>
+            </a:ln>
+          </p:spPr>
+          <p:style>
+            <a:lnRef idx="1">
+              <a:schemeClr val="accent1"/>
+            </a:lnRef>
+            <a:fillRef idx="0">
+              <a:schemeClr val="accent1"/>
+            </a:fillRef>
+            <a:effectRef idx="0">
+              <a:schemeClr val="accent1"/>
+            </a:effectRef>
+            <a:fontRef idx="minor">
+              <a:schemeClr val="tx1"/>
+            </a:fontRef>
+          </p:style>
+        </p:cxnSp>
+        <p:cxnSp>
+          <p:nvCxnSpPr>
+            <p:cNvPr id="9" name="Connector: Curved 8">
+              <a:extLst>
+                <a:ext uri="{FF2B5EF4-FFF2-40B4-BE49-F238E27FC236}">
+                  <a16:creationId xmlns:a16="http://schemas.microsoft.com/office/drawing/2014/main" id="{21E5EF34-42BA-D3CB-336E-A6C88D18CBDD}"/>
+                </a:ext>
+              </a:extLst>
+            </p:cNvPr>
+            <p:cNvCxnSpPr>
+              <a:cxnSpLocks/>
+            </p:cNvCxnSpPr>
+            <p:nvPr/>
+          </p:nvCxnSpPr>
+          <p:spPr>
+            <a:xfrm>
+              <a:off x="11690744" y="7134394"/>
+              <a:ext cx="2995282" cy="5307771"/>
+            </a:xfrm>
+            <a:prstGeom prst="curvedConnector3">
+              <a:avLst>
+                <a:gd name="adj1" fmla="val 50000"/>
+              </a:avLst>
+            </a:prstGeom>
+            <a:ln w="38100">
+              <a:solidFill>
+                <a:schemeClr val="tx1"/>
+              </a:solidFill>
+              <a:tailEnd type="triangle" w="lg" len="lg"/>
+            </a:ln>
+          </p:spPr>
+          <p:style>
+            <a:lnRef idx="1">
+              <a:schemeClr val="accent1"/>
+            </a:lnRef>
+            <a:fillRef idx="0">
+              <a:schemeClr val="accent1"/>
+            </a:fillRef>
+            <a:effectRef idx="0">
+              <a:schemeClr val="accent1"/>
+            </a:effectRef>
+            <a:fontRef idx="minor">
+              <a:schemeClr val="tx1"/>
+            </a:fontRef>
+          </p:style>
+        </p:cxnSp>
+        <p:cxnSp>
+          <p:nvCxnSpPr>
+            <p:cNvPr id="10" name="Connector: Curved 9">
+              <a:extLst>
+                <a:ext uri="{FF2B5EF4-FFF2-40B4-BE49-F238E27FC236}">
+                  <a16:creationId xmlns:a16="http://schemas.microsoft.com/office/drawing/2014/main" id="{C795F738-189F-22AB-02E2-65570C10AFA3}"/>
+                </a:ext>
+              </a:extLst>
+            </p:cNvPr>
+            <p:cNvCxnSpPr>
+              <a:cxnSpLocks/>
+            </p:cNvCxnSpPr>
+            <p:nvPr/>
+          </p:nvCxnSpPr>
+          <p:spPr>
+            <a:xfrm flipH="1">
+              <a:off x="10348651" y="7134394"/>
+              <a:ext cx="1342093" cy="3903328"/>
+            </a:xfrm>
+            <a:prstGeom prst="curvedConnector4">
+              <a:avLst>
+                <a:gd name="adj1" fmla="val -23326"/>
+                <a:gd name="adj2" fmla="val 55169"/>
+              </a:avLst>
+            </a:prstGeom>
+            <a:ln w="38100">
+              <a:solidFill>
+                <a:schemeClr val="tx1"/>
+              </a:solidFill>
+              <a:tailEnd type="triangle" w="lg" len="lg"/>
+            </a:ln>
+          </p:spPr>
+          <p:style>
+            <a:lnRef idx="1">
+              <a:schemeClr val="accent1"/>
+            </a:lnRef>
+            <a:fillRef idx="0">
+              <a:schemeClr val="accent1"/>
+            </a:fillRef>
+            <a:effectRef idx="0">
+              <a:schemeClr val="accent1"/>
+            </a:effectRef>
+            <a:fontRef idx="minor">
+              <a:schemeClr val="tx1"/>
+            </a:fontRef>
+          </p:style>
+        </p:cxnSp>
+        <p:cxnSp>
+          <p:nvCxnSpPr>
+            <p:cNvPr id="11" name="Connector: Curved 10">
+              <a:extLst>
+                <a:ext uri="{FF2B5EF4-FFF2-40B4-BE49-F238E27FC236}">
+                  <a16:creationId xmlns:a16="http://schemas.microsoft.com/office/drawing/2014/main" id="{082605F7-6FFA-0809-CEC3-184A3786C1A2}"/>
+                </a:ext>
+              </a:extLst>
+            </p:cNvPr>
+            <p:cNvCxnSpPr>
+              <a:cxnSpLocks/>
+            </p:cNvCxnSpPr>
+            <p:nvPr/>
+          </p:nvCxnSpPr>
+          <p:spPr>
+            <a:xfrm rot="5400000" flipH="1" flipV="1">
+              <a:off x="10120531" y="11283980"/>
+              <a:ext cx="1231647" cy="257207"/>
+            </a:xfrm>
+            <a:prstGeom prst="curvedConnector2">
+              <a:avLst/>
+            </a:prstGeom>
+            <a:ln w="38100">
+              <a:solidFill>
+                <a:schemeClr val="tx1"/>
+              </a:solidFill>
+              <a:tailEnd type="triangle" w="lg" len="lg"/>
+            </a:ln>
+          </p:spPr>
+          <p:style>
+            <a:lnRef idx="1">
+              <a:schemeClr val="accent1"/>
+            </a:lnRef>
+            <a:fillRef idx="0">
+              <a:schemeClr val="accent1"/>
+            </a:fillRef>
+            <a:effectRef idx="0">
+              <a:schemeClr val="accent1"/>
+            </a:effectRef>
+            <a:fontRef idx="minor">
+              <a:schemeClr val="tx1"/>
+            </a:fontRef>
+          </p:style>
+        </p:cxnSp>
+        <p:cxnSp>
+          <p:nvCxnSpPr>
+            <p:cNvPr id="12" name="Connector: Curved 11">
+              <a:extLst>
+                <a:ext uri="{FF2B5EF4-FFF2-40B4-BE49-F238E27FC236}">
+                  <a16:creationId xmlns:a16="http://schemas.microsoft.com/office/drawing/2014/main" id="{171AB1C9-1D4E-7319-4161-27C4029421EB}"/>
+                </a:ext>
+              </a:extLst>
+            </p:cNvPr>
+            <p:cNvCxnSpPr>
+              <a:cxnSpLocks/>
+            </p:cNvCxnSpPr>
+            <p:nvPr/>
+          </p:nvCxnSpPr>
+          <p:spPr>
+            <a:xfrm rot="16200000" flipV="1">
+              <a:off x="9938422" y="8848418"/>
+              <a:ext cx="1496614" cy="1593055"/>
+            </a:xfrm>
+            <a:prstGeom prst="curvedConnector3">
+              <a:avLst>
+                <a:gd name="adj1" fmla="val 50000"/>
+              </a:avLst>
+            </a:prstGeom>
+            <a:ln w="38100">
+              <a:solidFill>
+                <a:schemeClr val="tx1"/>
+              </a:solidFill>
+              <a:tailEnd type="triangle" w="lg" len="lg"/>
+            </a:ln>
+          </p:spPr>
+          <p:style>
+            <a:lnRef idx="1">
+              <a:schemeClr val="accent1"/>
+            </a:lnRef>
+            <a:fillRef idx="0">
+              <a:schemeClr val="accent1"/>
+            </a:fillRef>
+            <a:effectRef idx="0">
+              <a:schemeClr val="accent1"/>
+            </a:effectRef>
+            <a:fontRef idx="minor">
+              <a:schemeClr val="tx1"/>
+            </a:fontRef>
+          </p:style>
+        </p:cxnSp>
+        <p:cxnSp>
+          <p:nvCxnSpPr>
+            <p:cNvPr id="13" name="Connector: Curved 12">
+              <a:extLst>
+                <a:ext uri="{FF2B5EF4-FFF2-40B4-BE49-F238E27FC236}">
+                  <a16:creationId xmlns:a16="http://schemas.microsoft.com/office/drawing/2014/main" id="{B3E1D229-D537-EDB0-B592-B79779081583}"/>
+                </a:ext>
+              </a:extLst>
+            </p:cNvPr>
+            <p:cNvCxnSpPr>
+              <a:cxnSpLocks/>
+            </p:cNvCxnSpPr>
+            <p:nvPr/>
+          </p:nvCxnSpPr>
+          <p:spPr>
+            <a:xfrm>
+              <a:off x="12101553" y="10796759"/>
+              <a:ext cx="369207" cy="698372"/>
+            </a:xfrm>
+            <a:prstGeom prst="curvedConnector2">
+              <a:avLst/>
+            </a:prstGeom>
+            <a:ln w="38100">
+              <a:solidFill>
+                <a:schemeClr val="tx1"/>
+              </a:solidFill>
+              <a:tailEnd type="triangle" w="lg" len="lg"/>
+            </a:ln>
+          </p:spPr>
+          <p:style>
+            <a:lnRef idx="1">
+              <a:schemeClr val="accent1"/>
+            </a:lnRef>
+            <a:fillRef idx="0">
+              <a:schemeClr val="accent1"/>
+            </a:fillRef>
+            <a:effectRef idx="0">
+              <a:schemeClr val="accent1"/>
+            </a:effectRef>
+            <a:fontRef idx="minor">
+              <a:schemeClr val="tx1"/>
+            </a:fontRef>
+          </p:style>
+        </p:cxnSp>
+        <p:cxnSp>
+          <p:nvCxnSpPr>
+            <p:cNvPr id="14" name="Connector: Curved 13">
+              <a:extLst>
+                <a:ext uri="{FF2B5EF4-FFF2-40B4-BE49-F238E27FC236}">
+                  <a16:creationId xmlns:a16="http://schemas.microsoft.com/office/drawing/2014/main" id="{29C4C875-EBDF-B875-9DFC-215DC2E8A3B0}"/>
+                </a:ext>
+              </a:extLst>
+            </p:cNvPr>
+            <p:cNvCxnSpPr>
+              <a:cxnSpLocks/>
+            </p:cNvCxnSpPr>
+            <p:nvPr/>
+          </p:nvCxnSpPr>
+          <p:spPr>
+            <a:xfrm>
+              <a:off x="11607011" y="12431913"/>
+              <a:ext cx="3079015" cy="10252"/>
+            </a:xfrm>
+            <a:prstGeom prst="curvedConnector3">
+              <a:avLst>
+                <a:gd name="adj1" fmla="val 50000"/>
+              </a:avLst>
+            </a:prstGeom>
+            <a:ln w="38100">
+              <a:solidFill>
+                <a:schemeClr val="tx1"/>
+              </a:solidFill>
+              <a:prstDash val="solid"/>
+              <a:tailEnd type="triangle" w="lg" len="lg"/>
+            </a:ln>
+          </p:spPr>
+          <p:style>
+            <a:lnRef idx="1">
+              <a:schemeClr val="accent1"/>
+            </a:lnRef>
+            <a:fillRef idx="0">
+              <a:schemeClr val="accent1"/>
+            </a:fillRef>
+            <a:effectRef idx="0">
+              <a:schemeClr val="accent1"/>
+            </a:effectRef>
+            <a:fontRef idx="minor">
+              <a:schemeClr val="tx1"/>
+            </a:fontRef>
+          </p:style>
+        </p:cxnSp>
+        <p:cxnSp>
+          <p:nvCxnSpPr>
+            <p:cNvPr id="15" name="Connector: Curved 14">
+              <a:extLst>
+                <a:ext uri="{FF2B5EF4-FFF2-40B4-BE49-F238E27FC236}">
+                  <a16:creationId xmlns:a16="http://schemas.microsoft.com/office/drawing/2014/main" id="{CBFD4E2C-CCCD-F96A-B775-726882502C03}"/>
+                </a:ext>
+              </a:extLst>
+            </p:cNvPr>
+            <p:cNvCxnSpPr>
+              <a:cxnSpLocks/>
+            </p:cNvCxnSpPr>
+            <p:nvPr/>
+          </p:nvCxnSpPr>
+          <p:spPr>
+            <a:xfrm>
+              <a:off x="11012719" y="8493134"/>
+              <a:ext cx="1458041" cy="3001997"/>
+            </a:xfrm>
+            <a:prstGeom prst="curvedConnector2">
+              <a:avLst/>
+            </a:prstGeom>
+            <a:ln w="38100">
+              <a:solidFill>
+                <a:schemeClr val="tx1"/>
+              </a:solidFill>
+              <a:tailEnd type="triangle" w="lg" len="lg"/>
+            </a:ln>
+          </p:spPr>
+          <p:style>
+            <a:lnRef idx="1">
+              <a:schemeClr val="accent1"/>
+            </a:lnRef>
+            <a:fillRef idx="0">
+              <a:schemeClr val="accent1"/>
+            </a:fillRef>
+            <a:effectRef idx="0">
+              <a:schemeClr val="accent1"/>
+            </a:effectRef>
+            <a:fontRef idx="minor">
+              <a:schemeClr val="tx1"/>
+            </a:fontRef>
+          </p:style>
+        </p:cxnSp>
+        <p:cxnSp>
+          <p:nvCxnSpPr>
+            <p:cNvPr id="16" name="Connector: Curved 15">
+              <a:extLst>
+                <a:ext uri="{FF2B5EF4-FFF2-40B4-BE49-F238E27FC236}">
+                  <a16:creationId xmlns:a16="http://schemas.microsoft.com/office/drawing/2014/main" id="{78C3AB17-122C-529B-42B1-6902401BD078}"/>
+                </a:ext>
+              </a:extLst>
+            </p:cNvPr>
+            <p:cNvCxnSpPr>
+              <a:cxnSpLocks/>
+            </p:cNvCxnSpPr>
+            <p:nvPr/>
+          </p:nvCxnSpPr>
+          <p:spPr>
+            <a:xfrm rot="10800000">
+              <a:off x="8810094" y="11599075"/>
+              <a:ext cx="798406" cy="832842"/>
+            </a:xfrm>
+            <a:prstGeom prst="curvedConnector2">
+              <a:avLst/>
+            </a:prstGeom>
+            <a:ln w="38100">
+              <a:solidFill>
+                <a:schemeClr val="tx1"/>
+              </a:solidFill>
+              <a:tailEnd type="triangle" w="lg" len="lg"/>
+            </a:ln>
+          </p:spPr>
+          <p:style>
+            <a:lnRef idx="1">
+              <a:schemeClr val="accent1"/>
+            </a:lnRef>
+            <a:fillRef idx="0">
+              <a:schemeClr val="accent1"/>
+            </a:fillRef>
+            <a:effectRef idx="0">
+              <a:schemeClr val="accent1"/>
+            </a:effectRef>
+            <a:fontRef idx="minor">
+              <a:schemeClr val="tx1"/>
+            </a:fontRef>
+          </p:style>
+        </p:cxnSp>
+        <p:cxnSp>
+          <p:nvCxnSpPr>
+            <p:cNvPr id="17" name="Connector: Curved 16">
+              <a:extLst>
+                <a:ext uri="{FF2B5EF4-FFF2-40B4-BE49-F238E27FC236}">
+                  <a16:creationId xmlns:a16="http://schemas.microsoft.com/office/drawing/2014/main" id="{0AAC5505-0F01-56E3-E971-BBEE00C543A1}"/>
+                </a:ext>
+              </a:extLst>
+            </p:cNvPr>
+            <p:cNvCxnSpPr>
+              <a:cxnSpLocks/>
+            </p:cNvCxnSpPr>
+            <p:nvPr/>
+          </p:nvCxnSpPr>
+          <p:spPr>
+            <a:xfrm flipV="1">
+              <a:off x="6396134" y="8493134"/>
+              <a:ext cx="2371552" cy="10252"/>
+            </a:xfrm>
+            <a:prstGeom prst="curvedConnector3">
+              <a:avLst>
+                <a:gd name="adj1" fmla="val 50000"/>
+              </a:avLst>
+            </a:prstGeom>
+            <a:ln w="38100">
+              <a:solidFill>
+                <a:schemeClr val="tx1"/>
+              </a:solidFill>
+              <a:tailEnd type="triangle" w="lg" len="lg"/>
+            </a:ln>
+          </p:spPr>
+          <p:style>
+            <a:lnRef idx="1">
+              <a:schemeClr val="accent1"/>
+            </a:lnRef>
+            <a:fillRef idx="0">
+              <a:schemeClr val="accent1"/>
+            </a:fillRef>
+            <a:effectRef idx="0">
+              <a:schemeClr val="accent1"/>
+            </a:effectRef>
+            <a:fontRef idx="minor">
+              <a:schemeClr val="tx1"/>
+            </a:fontRef>
+          </p:style>
+        </p:cxnSp>
+        <p:sp>
+          <p:nvSpPr>
+            <p:cNvPr id="18" name="TextBox 17">
+              <a:extLst>
+                <a:ext uri="{FF2B5EF4-FFF2-40B4-BE49-F238E27FC236}">
+                  <a16:creationId xmlns:a16="http://schemas.microsoft.com/office/drawing/2014/main" id="{73F9C67A-D884-7592-7923-13488110556A}"/>
+                </a:ext>
+              </a:extLst>
+            </p:cNvPr>
+            <p:cNvSpPr txBox="1"/>
+            <p:nvPr/>
+          </p:nvSpPr>
+          <p:spPr>
+            <a:xfrm>
+              <a:off x="8070131" y="12798418"/>
+              <a:ext cx="2856050" cy="369332"/>
+            </a:xfrm>
+            <a:prstGeom prst="rect">
+              <a:avLst/>
+            </a:prstGeom>
+            <a:noFill/>
+          </p:spPr>
+          <p:txBody>
+            <a:bodyPr wrap="square" rtlCol="0">
+              <a:spAutoFit/>
+            </a:bodyPr>
+            <a:lstStyle/>
+            <a:p>
+              <a:r>
+                <a:rPr lang="en-US">
+                  <a:solidFill>
+                    <a:srgbClr val="00B0F0"/>
+                  </a:solidFill>
+                </a:rPr>
+                <a:t>Day t</a:t>
+              </a:r>
+            </a:p>
+          </p:txBody>
+        </p:sp>
+        <p:sp>
+          <p:nvSpPr>
+            <p:cNvPr id="19" name="TextBox 18">
+              <a:extLst>
+                <a:ext uri="{FF2B5EF4-FFF2-40B4-BE49-F238E27FC236}">
+                  <a16:creationId xmlns:a16="http://schemas.microsoft.com/office/drawing/2014/main" id="{2AFE63A5-00DF-BF10-DE55-11EE4AFC0FE4}"/>
+                </a:ext>
+              </a:extLst>
+            </p:cNvPr>
+            <p:cNvSpPr txBox="1"/>
+            <p:nvPr/>
+          </p:nvSpPr>
+          <p:spPr>
+            <a:xfrm>
+              <a:off x="13476148" y="12798418"/>
+              <a:ext cx="2856050" cy="369332"/>
+            </a:xfrm>
+            <a:prstGeom prst="rect">
+              <a:avLst/>
+            </a:prstGeom>
+            <a:noFill/>
+          </p:spPr>
+          <p:txBody>
+            <a:bodyPr wrap="square" rtlCol="0">
+              <a:spAutoFit/>
+            </a:bodyPr>
+            <a:lstStyle/>
+            <a:p>
+              <a:r>
+                <a:rPr lang="en-US">
+                  <a:solidFill>
+                    <a:srgbClr val="00B0F0"/>
+                  </a:solidFill>
+                </a:rPr>
+                <a:t>Day t+1</a:t>
+              </a:r>
+            </a:p>
+          </p:txBody>
+        </p:sp>
+        <p:sp>
+          <p:nvSpPr>
+            <p:cNvPr id="20" name="Oval 19">
+              <a:extLst>
+                <a:ext uri="{FF2B5EF4-FFF2-40B4-BE49-F238E27FC236}">
+                  <a16:creationId xmlns:a16="http://schemas.microsoft.com/office/drawing/2014/main" id="{950691CE-05F3-6237-1805-6317741AF0CF}"/>
+                </a:ext>
+              </a:extLst>
+            </p:cNvPr>
+            <p:cNvSpPr/>
+            <p:nvPr/>
+          </p:nvSpPr>
+          <p:spPr>
+            <a:xfrm>
+              <a:off x="8462119" y="9797067"/>
+              <a:ext cx="1812284" cy="563565"/>
+            </a:xfrm>
+            <a:prstGeom prst="ellipse">
+              <a:avLst/>
+            </a:prstGeom>
+            <a:solidFill>
+              <a:srgbClr val="FFFF00"/>
+            </a:solidFill>
+          </p:spPr>
+          <p:style>
+            <a:lnRef idx="2">
+              <a:schemeClr val="accent1">
+                <a:shade val="50000"/>
+              </a:schemeClr>
+            </a:lnRef>
+            <a:fillRef idx="1">
+              <a:schemeClr val="accent1"/>
+            </a:fillRef>
+            <a:effectRef idx="0">
+              <a:schemeClr val="accent1"/>
+            </a:effectRef>
+            <a:fontRef idx="minor">
+              <a:schemeClr val="lt1"/>
+            </a:fontRef>
+          </p:style>
+          <p:txBody>
+            <a:bodyPr rtlCol="0" anchor="ctr"/>
+            <a:lstStyle/>
+            <a:p>
+              <a:pPr algn="ctr"/>
+              <a:r>
+                <a:rPr lang="en-US">
+                  <a:solidFill>
+                    <a:schemeClr val="tx1"/>
+                  </a:solidFill>
+                </a:rPr>
+                <a:t>toxicity</a:t>
+              </a:r>
+            </a:p>
+          </p:txBody>
+        </p:sp>
+        <p:cxnSp>
+          <p:nvCxnSpPr>
+            <p:cNvPr id="21" name="Connector: Curved 20">
+              <a:extLst>
+                <a:ext uri="{FF2B5EF4-FFF2-40B4-BE49-F238E27FC236}">
+                  <a16:creationId xmlns:a16="http://schemas.microsoft.com/office/drawing/2014/main" id="{8F6E0BF7-1629-F9DA-843F-7ECFEA6A1B85}"/>
+                </a:ext>
+              </a:extLst>
+            </p:cNvPr>
+            <p:cNvCxnSpPr>
+              <a:cxnSpLocks/>
+            </p:cNvCxnSpPr>
+            <p:nvPr/>
+          </p:nvCxnSpPr>
+          <p:spPr>
+            <a:xfrm rot="5400000">
+              <a:off x="8750170" y="10420556"/>
+              <a:ext cx="677090" cy="557242"/>
+            </a:xfrm>
+            <a:prstGeom prst="curvedConnector3">
+              <a:avLst>
+                <a:gd name="adj1" fmla="val 50000"/>
+              </a:avLst>
+            </a:prstGeom>
+            <a:ln w="38100">
+              <a:solidFill>
+                <a:schemeClr val="tx1"/>
+              </a:solidFill>
+              <a:tailEnd type="triangle" w="lg" len="lg"/>
+            </a:ln>
+          </p:spPr>
+          <p:style>
+            <a:lnRef idx="1">
+              <a:schemeClr val="accent1"/>
+            </a:lnRef>
+            <a:fillRef idx="0">
+              <a:schemeClr val="accent1"/>
+            </a:fillRef>
+            <a:effectRef idx="0">
+              <a:schemeClr val="accent1"/>
+            </a:effectRef>
+            <a:fontRef idx="minor">
+              <a:schemeClr val="tx1"/>
+            </a:fontRef>
+          </p:style>
+        </p:cxnSp>
+        <p:cxnSp>
+          <p:nvCxnSpPr>
+            <p:cNvPr id="22" name="Connector: Curved 21">
+              <a:extLst>
+                <a:ext uri="{FF2B5EF4-FFF2-40B4-BE49-F238E27FC236}">
+                  <a16:creationId xmlns:a16="http://schemas.microsoft.com/office/drawing/2014/main" id="{D936715D-D6B1-CAB2-02B7-26F96DF50BF8}"/>
+                </a:ext>
+              </a:extLst>
+            </p:cNvPr>
+            <p:cNvCxnSpPr>
+              <a:cxnSpLocks/>
+            </p:cNvCxnSpPr>
+            <p:nvPr/>
+          </p:nvCxnSpPr>
+          <p:spPr>
+            <a:xfrm rot="5400000">
+              <a:off x="9178555" y="9085418"/>
+              <a:ext cx="900429" cy="522867"/>
+            </a:xfrm>
+            <a:prstGeom prst="curvedConnector3">
+              <a:avLst>
+                <a:gd name="adj1" fmla="val 50000"/>
+              </a:avLst>
+            </a:prstGeom>
+            <a:ln w="38100">
+              <a:solidFill>
+                <a:schemeClr val="tx1"/>
+              </a:solidFill>
+              <a:tailEnd type="triangle" w="lg" len="lg"/>
+            </a:ln>
+          </p:spPr>
+          <p:style>
+            <a:lnRef idx="1">
+              <a:schemeClr val="accent1"/>
+            </a:lnRef>
+            <a:fillRef idx="0">
+              <a:schemeClr val="accent1"/>
+            </a:fillRef>
+            <a:effectRef idx="0">
+              <a:schemeClr val="accent1"/>
+            </a:effectRef>
+            <a:fontRef idx="minor">
+              <a:schemeClr val="tx1"/>
+            </a:fontRef>
+          </p:style>
+        </p:cxnSp>
+        <p:sp>
+          <p:nvSpPr>
+            <p:cNvPr id="23" name="Oval 22">
+              <a:extLst>
+                <a:ext uri="{FF2B5EF4-FFF2-40B4-BE49-F238E27FC236}">
+                  <a16:creationId xmlns:a16="http://schemas.microsoft.com/office/drawing/2014/main" id="{D70F654F-DFFD-32A0-2CEA-0E8DC5666BBE}"/>
+                </a:ext>
+              </a:extLst>
+            </p:cNvPr>
+            <p:cNvSpPr/>
+            <p:nvPr/>
+          </p:nvSpPr>
+          <p:spPr>
+            <a:xfrm>
+              <a:off x="11607938" y="11495131"/>
+              <a:ext cx="1727498" cy="594042"/>
+            </a:xfrm>
+            <a:prstGeom prst="ellipse">
+              <a:avLst/>
+            </a:prstGeom>
+            <a:solidFill>
+              <a:srgbClr val="FFFF00"/>
+            </a:solidFill>
+          </p:spPr>
+          <p:style>
+            <a:lnRef idx="2">
+              <a:schemeClr val="accent1">
+                <a:shade val="50000"/>
+              </a:schemeClr>
+            </a:lnRef>
+            <a:fillRef idx="1">
+              <a:schemeClr val="accent1"/>
+            </a:fillRef>
+            <a:effectRef idx="0">
+              <a:schemeClr val="accent1"/>
+            </a:effectRef>
+            <a:fontRef idx="minor">
+              <a:schemeClr val="lt1"/>
+            </a:fontRef>
+          </p:style>
+          <p:txBody>
+            <a:bodyPr rtlCol="0" anchor="ctr"/>
+            <a:lstStyle/>
+            <a:p>
+              <a:pPr algn="ctr"/>
+              <a:r>
+                <a:rPr lang="en-US">
+                  <a:solidFill>
+                    <a:schemeClr val="tx1"/>
+                  </a:solidFill>
+                </a:rPr>
+                <a:t>efficacy</a:t>
+              </a:r>
+            </a:p>
+          </p:txBody>
+        </p:sp>
+        <p:cxnSp>
+          <p:nvCxnSpPr>
+            <p:cNvPr id="24" name="Connector: Curved 23">
+              <a:extLst>
+                <a:ext uri="{FF2B5EF4-FFF2-40B4-BE49-F238E27FC236}">
+                  <a16:creationId xmlns:a16="http://schemas.microsoft.com/office/drawing/2014/main" id="{F21E8BFA-FCA4-F550-8F81-7C0B3BACFC95}"/>
+                </a:ext>
+              </a:extLst>
+            </p:cNvPr>
+            <p:cNvCxnSpPr>
+              <a:cxnSpLocks/>
+            </p:cNvCxnSpPr>
+            <p:nvPr/>
+          </p:nvCxnSpPr>
+          <p:spPr>
+            <a:xfrm rot="16200000" flipH="1">
+              <a:off x="13664709" y="11419920"/>
+              <a:ext cx="439988" cy="1604503"/>
+            </a:xfrm>
+            <a:prstGeom prst="curvedConnector2">
+              <a:avLst/>
+            </a:prstGeom>
+            <a:ln w="38100">
+              <a:solidFill>
+                <a:schemeClr val="tx1"/>
+              </a:solidFill>
+              <a:tailEnd type="triangle" w="lg" len="lg"/>
+            </a:ln>
+          </p:spPr>
+          <p:style>
+            <a:lnRef idx="1">
+              <a:schemeClr val="accent1"/>
+            </a:lnRef>
+            <a:fillRef idx="0">
+              <a:schemeClr val="accent1"/>
+            </a:fillRef>
+            <a:effectRef idx="0">
+              <a:schemeClr val="accent1"/>
+            </a:effectRef>
+            <a:fontRef idx="minor">
+              <a:schemeClr val="tx1"/>
+            </a:fontRef>
+          </p:style>
+        </p:cxnSp>
+        <p:sp>
+          <p:nvSpPr>
+            <p:cNvPr id="25" name="Oval 24">
+              <a:extLst>
+                <a:ext uri="{FF2B5EF4-FFF2-40B4-BE49-F238E27FC236}">
+                  <a16:creationId xmlns:a16="http://schemas.microsoft.com/office/drawing/2014/main" id="{34C195B5-3933-1004-ED8A-0985267AF07B}"/>
+                </a:ext>
+              </a:extLst>
+            </p:cNvPr>
+            <p:cNvSpPr/>
+            <p:nvPr/>
+          </p:nvSpPr>
+          <p:spPr>
+            <a:xfrm>
+              <a:off x="3455204" y="6741140"/>
+              <a:ext cx="2969274" cy="807011"/>
+            </a:xfrm>
+            <a:prstGeom prst="ellipse">
+              <a:avLst/>
+            </a:prstGeom>
+            <a:solidFill>
+              <a:srgbClr val="FFFF00"/>
+            </a:solidFill>
+          </p:spPr>
+          <p:style>
+            <a:lnRef idx="2">
+              <a:schemeClr val="accent1">
+                <a:shade val="50000"/>
+              </a:schemeClr>
+            </a:lnRef>
+            <a:fillRef idx="1">
+              <a:schemeClr val="accent1"/>
+            </a:fillRef>
+            <a:effectRef idx="0">
+              <a:schemeClr val="accent1"/>
+            </a:effectRef>
+            <a:fontRef idx="minor">
+              <a:schemeClr val="lt1"/>
+            </a:fontRef>
+          </p:style>
+          <p:txBody>
+            <a:bodyPr rtlCol="0" anchor="ctr"/>
+            <a:lstStyle/>
+            <a:p>
+              <a:pPr algn="ctr"/>
+              <a:r>
+                <a:rPr lang="en-US" err="1">
+                  <a:solidFill>
+                    <a:schemeClr val="tx1"/>
+                  </a:solidFill>
+                </a:rPr>
+                <a:t>infection_prev</a:t>
+              </a:r>
+              <a:endParaRPr lang="en-US">
+                <a:solidFill>
+                  <a:schemeClr val="tx1"/>
+                </a:solidFill>
+              </a:endParaRPr>
+            </a:p>
+          </p:txBody>
+        </p:sp>
+        <p:sp>
+          <p:nvSpPr>
+            <p:cNvPr id="26" name="Oval 25">
+              <a:extLst>
+                <a:ext uri="{FF2B5EF4-FFF2-40B4-BE49-F238E27FC236}">
+                  <a16:creationId xmlns:a16="http://schemas.microsoft.com/office/drawing/2014/main" id="{8C8BA50D-A319-AAD5-B5DB-5DB6964FA58B}"/>
+                </a:ext>
+              </a:extLst>
+            </p:cNvPr>
+            <p:cNvSpPr/>
+            <p:nvPr/>
+          </p:nvSpPr>
+          <p:spPr>
+            <a:xfrm>
+              <a:off x="5475837" y="10403505"/>
+              <a:ext cx="1236593" cy="807011"/>
+            </a:xfrm>
+            <a:prstGeom prst="ellipse">
+              <a:avLst/>
+            </a:prstGeom>
+            <a:solidFill>
+              <a:schemeClr val="bg1">
+                <a:lumMod val="85000"/>
+              </a:schemeClr>
+            </a:solidFill>
+            <a:ln w="38100">
+              <a:prstDash val="sysDot"/>
+            </a:ln>
+          </p:spPr>
+          <p:style>
+            <a:lnRef idx="2">
+              <a:schemeClr val="accent1">
+                <a:shade val="50000"/>
+              </a:schemeClr>
+            </a:lnRef>
+            <a:fillRef idx="1">
+              <a:schemeClr val="accent1"/>
+            </a:fillRef>
+            <a:effectRef idx="0">
+              <a:schemeClr val="accent1"/>
+            </a:effectRef>
+            <a:fontRef idx="minor">
+              <a:schemeClr val="lt1"/>
+            </a:fontRef>
+          </p:style>
+          <p:txBody>
+            <a:bodyPr rtlCol="0" anchor="ctr"/>
+            <a:lstStyle/>
+            <a:p>
+              <a:pPr algn="ctr"/>
+              <a:r>
+                <a:rPr lang="en-US">
+                  <a:solidFill>
+                    <a:schemeClr val="tx1"/>
+                  </a:solidFill>
+                </a:rPr>
+                <a:t>drug</a:t>
+              </a:r>
+            </a:p>
+          </p:txBody>
+        </p:sp>
+        <p:sp>
+          <p:nvSpPr>
+            <p:cNvPr id="27" name="Oval 26">
+              <a:extLst>
+                <a:ext uri="{FF2B5EF4-FFF2-40B4-BE49-F238E27FC236}">
+                  <a16:creationId xmlns:a16="http://schemas.microsoft.com/office/drawing/2014/main" id="{9935E05D-AF76-065D-9B4C-201CE86B6947}"/>
+                </a:ext>
+              </a:extLst>
+            </p:cNvPr>
+            <p:cNvSpPr/>
+            <p:nvPr/>
+          </p:nvSpPr>
+          <p:spPr>
+            <a:xfrm>
+              <a:off x="3070177" y="8099880"/>
+              <a:ext cx="3326884" cy="807011"/>
+            </a:xfrm>
+            <a:prstGeom prst="ellipse">
+              <a:avLst/>
+            </a:prstGeom>
+            <a:solidFill>
+              <a:srgbClr val="FFFF00"/>
+            </a:solidFill>
+          </p:spPr>
+          <p:style>
+            <a:lnRef idx="2">
+              <a:schemeClr val="accent1">
+                <a:shade val="50000"/>
+              </a:schemeClr>
+            </a:lnRef>
+            <a:fillRef idx="1">
+              <a:schemeClr val="accent1"/>
+            </a:fillRef>
+            <a:effectRef idx="0">
+              <a:schemeClr val="accent1"/>
+            </a:effectRef>
+            <a:fontRef idx="minor">
+              <a:schemeClr val="lt1"/>
+            </a:fontRef>
+          </p:style>
+          <p:txBody>
+            <a:bodyPr rtlCol="0" anchor="ctr"/>
+            <a:lstStyle/>
+            <a:p>
+              <a:pPr algn="ctr"/>
+              <a:r>
+                <a:rPr lang="en-US" err="1">
+                  <a:solidFill>
+                    <a:schemeClr val="tx1"/>
+                  </a:solidFill>
+                </a:rPr>
+                <a:t>cum_drug_prev</a:t>
+              </a:r>
+              <a:endParaRPr lang="en-US">
+                <a:solidFill>
+                  <a:schemeClr val="tx1"/>
+                </a:solidFill>
+              </a:endParaRPr>
+            </a:p>
+          </p:txBody>
+        </p:sp>
+        <p:sp>
+          <p:nvSpPr>
+            <p:cNvPr id="28" name="Hexagon 27">
+              <a:extLst>
+                <a:ext uri="{FF2B5EF4-FFF2-40B4-BE49-F238E27FC236}">
+                  <a16:creationId xmlns:a16="http://schemas.microsoft.com/office/drawing/2014/main" id="{95D70BB5-BECA-6548-9206-AEC1B1E82D89}"/>
+                </a:ext>
+              </a:extLst>
+            </p:cNvPr>
+            <p:cNvSpPr/>
+            <p:nvPr/>
+          </p:nvSpPr>
+          <p:spPr>
+            <a:xfrm>
+              <a:off x="3294887" y="11047975"/>
+              <a:ext cx="1786939" cy="561351"/>
+            </a:xfrm>
+            <a:prstGeom prst="hexagon">
+              <a:avLst/>
+            </a:prstGeom>
+            <a:solidFill>
+              <a:schemeClr val="bg1">
+                <a:lumMod val="85000"/>
+              </a:schemeClr>
+            </a:solidFill>
+            <a:ln w="38100">
+              <a:prstDash val="sysDot"/>
+            </a:ln>
+          </p:spPr>
+          <p:style>
+            <a:lnRef idx="2">
+              <a:schemeClr val="accent1">
+                <a:shade val="50000"/>
+              </a:schemeClr>
+            </a:lnRef>
+            <a:fillRef idx="1">
+              <a:schemeClr val="accent1"/>
+            </a:fillRef>
+            <a:effectRef idx="0">
+              <a:schemeClr val="accent1"/>
+            </a:effectRef>
+            <a:fontRef idx="minor">
+              <a:schemeClr val="lt1"/>
+            </a:fontRef>
+          </p:style>
+          <p:txBody>
+            <a:bodyPr rtlCol="0" anchor="ctr"/>
+            <a:lstStyle/>
+            <a:p>
+              <a:pPr algn="ctr"/>
+              <a:r>
+                <a:rPr lang="en-US">
+                  <a:solidFill>
+                    <a:schemeClr val="tx1"/>
+                  </a:solidFill>
+                </a:rPr>
+                <a:t>outcome</a:t>
+              </a:r>
+            </a:p>
+          </p:txBody>
+        </p:sp>
+        <p:sp>
+          <p:nvSpPr>
+            <p:cNvPr id="29" name="Oval 28">
+              <a:extLst>
+                <a:ext uri="{FF2B5EF4-FFF2-40B4-BE49-F238E27FC236}">
+                  <a16:creationId xmlns:a16="http://schemas.microsoft.com/office/drawing/2014/main" id="{7A6D1BAF-8EE3-0E69-9F1B-2DE337625454}"/>
+                </a:ext>
+              </a:extLst>
+            </p:cNvPr>
+            <p:cNvSpPr/>
+            <p:nvPr/>
+          </p:nvSpPr>
+          <p:spPr>
+            <a:xfrm>
+              <a:off x="4217478" y="12038659"/>
+              <a:ext cx="1998517" cy="807011"/>
+            </a:xfrm>
+            <a:prstGeom prst="ellipse">
+              <a:avLst/>
+            </a:prstGeom>
+            <a:solidFill>
+              <a:schemeClr val="bg1">
+                <a:lumMod val="85000"/>
+              </a:schemeClr>
+            </a:solidFill>
+            <a:ln w="38100">
+              <a:prstDash val="sysDot"/>
+            </a:ln>
+          </p:spPr>
+          <p:style>
+            <a:lnRef idx="2">
+              <a:schemeClr val="accent1">
+                <a:shade val="50000"/>
+              </a:schemeClr>
+            </a:lnRef>
+            <a:fillRef idx="1">
+              <a:schemeClr val="accent1"/>
+            </a:fillRef>
+            <a:effectRef idx="0">
+              <a:schemeClr val="accent1"/>
+            </a:effectRef>
+            <a:fontRef idx="minor">
+              <a:schemeClr val="lt1"/>
+            </a:fontRef>
+          </p:style>
+          <p:txBody>
+            <a:bodyPr rtlCol="0" anchor="ctr"/>
+            <a:lstStyle/>
+            <a:p>
+              <a:pPr algn="ctr"/>
+              <a:r>
+                <a:rPr lang="en-US">
+                  <a:solidFill>
+                    <a:schemeClr val="tx1"/>
+                  </a:solidFill>
+                </a:rPr>
+                <a:t>severity</a:t>
+              </a:r>
+            </a:p>
+          </p:txBody>
+        </p:sp>
+        <p:cxnSp>
+          <p:nvCxnSpPr>
+            <p:cNvPr id="30" name="Connector: Curved 29">
+              <a:extLst>
+                <a:ext uri="{FF2B5EF4-FFF2-40B4-BE49-F238E27FC236}">
+                  <a16:creationId xmlns:a16="http://schemas.microsoft.com/office/drawing/2014/main" id="{234A9A4A-3BA5-D449-1D27-EB641F0F22A4}"/>
+                </a:ext>
+              </a:extLst>
+            </p:cNvPr>
+            <p:cNvCxnSpPr>
+              <a:cxnSpLocks/>
+            </p:cNvCxnSpPr>
+            <p:nvPr/>
+          </p:nvCxnSpPr>
+          <p:spPr>
+            <a:xfrm>
+              <a:off x="6424479" y="7144648"/>
+              <a:ext cx="3184943" cy="5287266"/>
+            </a:xfrm>
+            <a:prstGeom prst="curvedConnector3">
+              <a:avLst>
+                <a:gd name="adj1" fmla="val 31652"/>
+              </a:avLst>
+            </a:prstGeom>
+            <a:ln w="25400">
+              <a:solidFill>
+                <a:schemeClr val="tx1">
+                  <a:lumMod val="50000"/>
+                  <a:lumOff val="50000"/>
+                </a:schemeClr>
+              </a:solidFill>
+              <a:prstDash val="sysDot"/>
+              <a:tailEnd type="triangle" w="lg" len="lg"/>
+            </a:ln>
+          </p:spPr>
+          <p:style>
+            <a:lnRef idx="1">
+              <a:schemeClr val="accent1"/>
+            </a:lnRef>
+            <a:fillRef idx="0">
+              <a:schemeClr val="accent1"/>
+            </a:fillRef>
+            <a:effectRef idx="0">
+              <a:schemeClr val="accent1"/>
+            </a:effectRef>
+            <a:fontRef idx="minor">
+              <a:schemeClr val="tx1"/>
+            </a:fontRef>
+          </p:style>
+        </p:cxnSp>
+        <p:cxnSp>
+          <p:nvCxnSpPr>
+            <p:cNvPr id="31" name="Connector: Curved 30">
+              <a:extLst>
+                <a:ext uri="{FF2B5EF4-FFF2-40B4-BE49-F238E27FC236}">
+                  <a16:creationId xmlns:a16="http://schemas.microsoft.com/office/drawing/2014/main" id="{C7A641B5-FF1D-BD28-7F63-CCAD35AB6371}"/>
+                </a:ext>
+              </a:extLst>
+            </p:cNvPr>
+            <p:cNvCxnSpPr>
+              <a:cxnSpLocks/>
+            </p:cNvCxnSpPr>
+            <p:nvPr/>
+          </p:nvCxnSpPr>
+          <p:spPr>
+            <a:xfrm flipH="1">
+              <a:off x="4957621" y="7144649"/>
+              <a:ext cx="1466843" cy="3903328"/>
+            </a:xfrm>
+            <a:prstGeom prst="curvedConnector4">
+              <a:avLst>
+                <a:gd name="adj1" fmla="val -21343"/>
+                <a:gd name="adj2" fmla="val 55169"/>
+              </a:avLst>
+            </a:prstGeom>
+            <a:ln w="25400">
+              <a:solidFill>
+                <a:schemeClr val="tx1">
+                  <a:lumMod val="50000"/>
+                  <a:lumOff val="50000"/>
+                </a:schemeClr>
+              </a:solidFill>
+              <a:prstDash val="sysDot"/>
+              <a:tailEnd type="triangle" w="lg" len="lg"/>
+            </a:ln>
+          </p:spPr>
+          <p:style>
+            <a:lnRef idx="1">
+              <a:schemeClr val="accent1"/>
+            </a:lnRef>
+            <a:fillRef idx="0">
+              <a:schemeClr val="accent1"/>
+            </a:fillRef>
+            <a:effectRef idx="0">
+              <a:schemeClr val="accent1"/>
+            </a:effectRef>
+            <a:fontRef idx="minor">
+              <a:schemeClr val="tx1"/>
+            </a:fontRef>
+          </p:style>
+        </p:cxnSp>
+        <p:cxnSp>
+          <p:nvCxnSpPr>
+            <p:cNvPr id="32" name="Connector: Curved 31">
+              <a:extLst>
+                <a:ext uri="{FF2B5EF4-FFF2-40B4-BE49-F238E27FC236}">
+                  <a16:creationId xmlns:a16="http://schemas.microsoft.com/office/drawing/2014/main" id="{A6D3DE29-E349-9C4F-4A27-9A79FFD71C3B}"/>
+                </a:ext>
+              </a:extLst>
+            </p:cNvPr>
+            <p:cNvCxnSpPr>
+              <a:cxnSpLocks/>
+            </p:cNvCxnSpPr>
+            <p:nvPr/>
+          </p:nvCxnSpPr>
+          <p:spPr>
+            <a:xfrm rot="5400000" flipH="1" flipV="1">
+              <a:off x="4730465" y="11293288"/>
+              <a:ext cx="1231647" cy="259100"/>
+            </a:xfrm>
+            <a:prstGeom prst="curvedConnector2">
+              <a:avLst/>
+            </a:prstGeom>
+            <a:ln w="25400">
+              <a:solidFill>
+                <a:schemeClr val="tx1">
+                  <a:lumMod val="50000"/>
+                  <a:lumOff val="50000"/>
+                </a:schemeClr>
+              </a:solidFill>
+              <a:prstDash val="sysDot"/>
+              <a:tailEnd type="triangle" w="lg" len="lg"/>
+            </a:ln>
+          </p:spPr>
+          <p:style>
+            <a:lnRef idx="1">
+              <a:schemeClr val="accent1"/>
+            </a:lnRef>
+            <a:fillRef idx="0">
+              <a:schemeClr val="accent1"/>
+            </a:fillRef>
+            <a:effectRef idx="0">
+              <a:schemeClr val="accent1"/>
+            </a:effectRef>
+            <a:fontRef idx="minor">
+              <a:schemeClr val="tx1"/>
+            </a:fontRef>
+          </p:style>
+        </p:cxnSp>
+        <p:cxnSp>
+          <p:nvCxnSpPr>
+            <p:cNvPr id="33" name="Connector: Curved 32">
+              <a:extLst>
+                <a:ext uri="{FF2B5EF4-FFF2-40B4-BE49-F238E27FC236}">
+                  <a16:creationId xmlns:a16="http://schemas.microsoft.com/office/drawing/2014/main" id="{DE4CA4B3-F05D-A82F-57C6-180EB42D6CD2}"/>
+                </a:ext>
+              </a:extLst>
+            </p:cNvPr>
+            <p:cNvCxnSpPr>
+              <a:cxnSpLocks/>
+            </p:cNvCxnSpPr>
+            <p:nvPr/>
+          </p:nvCxnSpPr>
+          <p:spPr>
+            <a:xfrm rot="16200000" flipV="1">
+              <a:off x="4643142" y="8952512"/>
+              <a:ext cx="1496614" cy="1405375"/>
+            </a:xfrm>
+            <a:prstGeom prst="curvedConnector3">
+              <a:avLst>
+                <a:gd name="adj1" fmla="val 50000"/>
+              </a:avLst>
+            </a:prstGeom>
+            <a:ln w="25400">
+              <a:solidFill>
+                <a:schemeClr val="tx1">
+                  <a:lumMod val="50000"/>
+                  <a:lumOff val="50000"/>
+                </a:schemeClr>
+              </a:solidFill>
+              <a:prstDash val="sysDot"/>
+              <a:tailEnd type="triangle" w="lg" len="lg"/>
+            </a:ln>
+          </p:spPr>
+          <p:style>
+            <a:lnRef idx="1">
+              <a:schemeClr val="accent1"/>
+            </a:lnRef>
+            <a:fillRef idx="0">
+              <a:schemeClr val="accent1"/>
+            </a:fillRef>
+            <a:effectRef idx="0">
+              <a:schemeClr val="accent1"/>
+            </a:effectRef>
+            <a:fontRef idx="minor">
+              <a:schemeClr val="tx1"/>
+            </a:fontRef>
+          </p:style>
+        </p:cxnSp>
+        <p:cxnSp>
+          <p:nvCxnSpPr>
+            <p:cNvPr id="34" name="Connector: Curved 33">
+              <a:extLst>
+                <a:ext uri="{FF2B5EF4-FFF2-40B4-BE49-F238E27FC236}">
+                  <a16:creationId xmlns:a16="http://schemas.microsoft.com/office/drawing/2014/main" id="{23D53BFF-7DF9-CC17-FC36-FA65121AAFD1}"/>
+                </a:ext>
+              </a:extLst>
+            </p:cNvPr>
+            <p:cNvCxnSpPr>
+              <a:cxnSpLocks/>
+            </p:cNvCxnSpPr>
+            <p:nvPr/>
+          </p:nvCxnSpPr>
+          <p:spPr>
+            <a:xfrm>
+              <a:off x="6712201" y="10807011"/>
+              <a:ext cx="369207" cy="698372"/>
+            </a:xfrm>
+            <a:prstGeom prst="curvedConnector2">
+              <a:avLst/>
+            </a:prstGeom>
+            <a:ln w="25400">
+              <a:solidFill>
+                <a:schemeClr val="tx1"/>
+              </a:solidFill>
+              <a:prstDash val="sysDot"/>
+              <a:tailEnd type="triangle" w="lg" len="lg"/>
+            </a:ln>
+          </p:spPr>
+          <p:style>
+            <a:lnRef idx="1">
+              <a:schemeClr val="accent1"/>
+            </a:lnRef>
+            <a:fillRef idx="0">
+              <a:schemeClr val="accent1"/>
+            </a:fillRef>
+            <a:effectRef idx="0">
+              <a:schemeClr val="accent1"/>
+            </a:effectRef>
+            <a:fontRef idx="minor">
+              <a:schemeClr val="tx1"/>
+            </a:fontRef>
+          </p:style>
+        </p:cxnSp>
+        <p:cxnSp>
+          <p:nvCxnSpPr>
+            <p:cNvPr id="35" name="Connector: Curved 34">
+              <a:extLst>
+                <a:ext uri="{FF2B5EF4-FFF2-40B4-BE49-F238E27FC236}">
+                  <a16:creationId xmlns:a16="http://schemas.microsoft.com/office/drawing/2014/main" id="{173C43C4-0E9E-F722-7551-56ED43C07539}"/>
+                </a:ext>
+              </a:extLst>
+            </p:cNvPr>
+            <p:cNvCxnSpPr>
+              <a:cxnSpLocks/>
+            </p:cNvCxnSpPr>
+            <p:nvPr/>
+          </p:nvCxnSpPr>
+          <p:spPr>
+            <a:xfrm flipV="1">
+              <a:off x="6215995" y="12431914"/>
+              <a:ext cx="3393425" cy="10252"/>
+            </a:xfrm>
+            <a:prstGeom prst="curvedConnector3">
+              <a:avLst>
+                <a:gd name="adj1" fmla="val 50000"/>
+              </a:avLst>
+            </a:prstGeom>
+            <a:ln w="25400">
+              <a:solidFill>
+                <a:schemeClr val="tx1">
+                  <a:lumMod val="50000"/>
+                  <a:lumOff val="50000"/>
+                </a:schemeClr>
+              </a:solidFill>
+              <a:prstDash val="sysDot"/>
+              <a:tailEnd type="triangle" w="lg" len="lg"/>
+            </a:ln>
+          </p:spPr>
+          <p:style>
+            <a:lnRef idx="1">
+              <a:schemeClr val="accent1"/>
+            </a:lnRef>
+            <a:fillRef idx="0">
+              <a:schemeClr val="accent1"/>
+            </a:fillRef>
+            <a:effectRef idx="0">
+              <a:schemeClr val="accent1"/>
+            </a:effectRef>
+            <a:fontRef idx="minor">
+              <a:schemeClr val="tx1"/>
+            </a:fontRef>
+          </p:style>
+        </p:cxnSp>
+        <p:cxnSp>
+          <p:nvCxnSpPr>
+            <p:cNvPr id="36" name="Connector: Curved 35">
+              <a:extLst>
+                <a:ext uri="{FF2B5EF4-FFF2-40B4-BE49-F238E27FC236}">
+                  <a16:creationId xmlns:a16="http://schemas.microsoft.com/office/drawing/2014/main" id="{D62E7BBA-E51B-9989-AD0C-2AEF6D1F319E}"/>
+                </a:ext>
+              </a:extLst>
+            </p:cNvPr>
+            <p:cNvCxnSpPr>
+              <a:cxnSpLocks/>
+            </p:cNvCxnSpPr>
+            <p:nvPr/>
+          </p:nvCxnSpPr>
+          <p:spPr>
+            <a:xfrm>
+              <a:off x="6397062" y="8503387"/>
+              <a:ext cx="684577" cy="3001999"/>
+            </a:xfrm>
+            <a:prstGeom prst="curvedConnector2">
+              <a:avLst/>
+            </a:prstGeom>
+            <a:ln w="25400">
+              <a:solidFill>
+                <a:schemeClr val="tx1">
+                  <a:lumMod val="50000"/>
+                  <a:lumOff val="50000"/>
+                </a:schemeClr>
+              </a:solidFill>
+              <a:prstDash val="sysDot"/>
+              <a:tailEnd type="triangle" w="lg" len="lg"/>
+            </a:ln>
+          </p:spPr>
+          <p:style>
+            <a:lnRef idx="1">
+              <a:schemeClr val="accent1"/>
+            </a:lnRef>
+            <a:fillRef idx="0">
+              <a:schemeClr val="accent1"/>
+            </a:fillRef>
+            <a:effectRef idx="0">
+              <a:schemeClr val="accent1"/>
+            </a:effectRef>
+            <a:fontRef idx="minor">
+              <a:schemeClr val="tx1"/>
+            </a:fontRef>
+          </p:style>
+        </p:cxnSp>
+        <p:cxnSp>
+          <p:nvCxnSpPr>
+            <p:cNvPr id="37" name="Connector: Curved 36">
+              <a:extLst>
+                <a:ext uri="{FF2B5EF4-FFF2-40B4-BE49-F238E27FC236}">
+                  <a16:creationId xmlns:a16="http://schemas.microsoft.com/office/drawing/2014/main" id="{02692AF6-6930-7E02-1775-8EF51E1E17F8}"/>
+                </a:ext>
+              </a:extLst>
+            </p:cNvPr>
+            <p:cNvCxnSpPr>
+              <a:cxnSpLocks/>
+            </p:cNvCxnSpPr>
+            <p:nvPr/>
+          </p:nvCxnSpPr>
+          <p:spPr>
+            <a:xfrm rot="10800000">
+              <a:off x="3419078" y="11609327"/>
+              <a:ext cx="798405" cy="832841"/>
+            </a:xfrm>
+            <a:prstGeom prst="curvedConnector2">
+              <a:avLst/>
+            </a:prstGeom>
+            <a:ln w="25400">
+              <a:solidFill>
+                <a:schemeClr val="tx1">
+                  <a:lumMod val="50000"/>
+                  <a:lumOff val="50000"/>
+                </a:schemeClr>
+              </a:solidFill>
+              <a:prstDash val="sysDot"/>
+              <a:tailEnd type="triangle" w="lg" len="lg"/>
+            </a:ln>
+          </p:spPr>
+          <p:style>
+            <a:lnRef idx="1">
+              <a:schemeClr val="accent1"/>
+            </a:lnRef>
+            <a:fillRef idx="0">
+              <a:schemeClr val="accent1"/>
+            </a:fillRef>
+            <a:effectRef idx="0">
+              <a:schemeClr val="accent1"/>
+            </a:effectRef>
+            <a:fontRef idx="minor">
+              <a:schemeClr val="tx1"/>
+            </a:fontRef>
+          </p:style>
+        </p:cxnSp>
+        <p:sp>
+          <p:nvSpPr>
+            <p:cNvPr id="38" name="Oval 37">
+              <a:extLst>
+                <a:ext uri="{FF2B5EF4-FFF2-40B4-BE49-F238E27FC236}">
+                  <a16:creationId xmlns:a16="http://schemas.microsoft.com/office/drawing/2014/main" id="{1F9D00EF-CD8B-FFC9-33A4-2988BE3002CB}"/>
+                </a:ext>
+              </a:extLst>
+            </p:cNvPr>
+            <p:cNvSpPr/>
+            <p:nvPr/>
+          </p:nvSpPr>
+          <p:spPr>
+            <a:xfrm>
+              <a:off x="3070177" y="9807320"/>
+              <a:ext cx="1812284" cy="563565"/>
+            </a:xfrm>
+            <a:prstGeom prst="ellipse">
+              <a:avLst/>
+            </a:prstGeom>
+            <a:solidFill>
+              <a:schemeClr val="bg1">
+                <a:lumMod val="85000"/>
+              </a:schemeClr>
+            </a:solidFill>
+            <a:ln w="38100">
+              <a:prstDash val="sysDot"/>
+            </a:ln>
+          </p:spPr>
+          <p:style>
+            <a:lnRef idx="2">
+              <a:schemeClr val="accent1">
+                <a:shade val="50000"/>
+              </a:schemeClr>
+            </a:lnRef>
+            <a:fillRef idx="1">
+              <a:schemeClr val="accent1"/>
+            </a:fillRef>
+            <a:effectRef idx="0">
+              <a:schemeClr val="accent1"/>
+            </a:effectRef>
+            <a:fontRef idx="minor">
+              <a:schemeClr val="lt1"/>
+            </a:fontRef>
+          </p:style>
+          <p:txBody>
+            <a:bodyPr rtlCol="0" anchor="ctr"/>
+            <a:lstStyle/>
+            <a:p>
+              <a:pPr algn="ctr"/>
+              <a:r>
+                <a:rPr lang="en-US">
+                  <a:solidFill>
+                    <a:schemeClr val="tx1"/>
+                  </a:solidFill>
+                </a:rPr>
+                <a:t>toxicity</a:t>
+              </a:r>
+            </a:p>
+          </p:txBody>
+        </p:sp>
+        <p:cxnSp>
+          <p:nvCxnSpPr>
+            <p:cNvPr id="39" name="Connector: Curved 38">
+              <a:extLst>
+                <a:ext uri="{FF2B5EF4-FFF2-40B4-BE49-F238E27FC236}">
+                  <a16:creationId xmlns:a16="http://schemas.microsoft.com/office/drawing/2014/main" id="{92DD9489-A248-775B-89DC-9EF6366EB47F}"/>
+                </a:ext>
+              </a:extLst>
+            </p:cNvPr>
+            <p:cNvCxnSpPr>
+              <a:cxnSpLocks/>
+            </p:cNvCxnSpPr>
+            <p:nvPr/>
+          </p:nvCxnSpPr>
+          <p:spPr>
+            <a:xfrm rot="5400000">
+              <a:off x="3359157" y="10430811"/>
+              <a:ext cx="677090" cy="557242"/>
+            </a:xfrm>
+            <a:prstGeom prst="curvedConnector3">
+              <a:avLst>
+                <a:gd name="adj1" fmla="val 50000"/>
+              </a:avLst>
+            </a:prstGeom>
+            <a:ln w="25400">
+              <a:solidFill>
+                <a:schemeClr val="tx1">
+                  <a:lumMod val="50000"/>
+                  <a:lumOff val="50000"/>
+                </a:schemeClr>
+              </a:solidFill>
+              <a:prstDash val="sysDot"/>
+              <a:tailEnd type="triangle" w="lg" len="lg"/>
+            </a:ln>
+          </p:spPr>
+          <p:style>
+            <a:lnRef idx="1">
+              <a:schemeClr val="accent1"/>
+            </a:lnRef>
+            <a:fillRef idx="0">
+              <a:schemeClr val="accent1"/>
+            </a:fillRef>
+            <a:effectRef idx="0">
+              <a:schemeClr val="accent1"/>
+            </a:effectRef>
+            <a:fontRef idx="minor">
+              <a:schemeClr val="tx1"/>
+            </a:fontRef>
+          </p:style>
+        </p:cxnSp>
+        <p:cxnSp>
+          <p:nvCxnSpPr>
+            <p:cNvPr id="40" name="Connector: Curved 39">
+              <a:extLst>
+                <a:ext uri="{FF2B5EF4-FFF2-40B4-BE49-F238E27FC236}">
+                  <a16:creationId xmlns:a16="http://schemas.microsoft.com/office/drawing/2014/main" id="{22D2BD37-AE49-3B63-BF7D-7BECE10BE053}"/>
+                </a:ext>
+              </a:extLst>
+            </p:cNvPr>
+            <p:cNvCxnSpPr>
+              <a:cxnSpLocks/>
+            </p:cNvCxnSpPr>
+            <p:nvPr/>
+          </p:nvCxnSpPr>
+          <p:spPr>
+            <a:xfrm rot="5400000">
+              <a:off x="3882328" y="9000888"/>
+              <a:ext cx="900429" cy="712439"/>
+            </a:xfrm>
+            <a:prstGeom prst="curvedConnector3">
+              <a:avLst>
+                <a:gd name="adj1" fmla="val 50000"/>
+              </a:avLst>
+            </a:prstGeom>
+            <a:ln w="25400">
+              <a:solidFill>
+                <a:schemeClr val="tx1">
+                  <a:lumMod val="50000"/>
+                  <a:lumOff val="50000"/>
+                </a:schemeClr>
+              </a:solidFill>
+              <a:prstDash val="sysDot"/>
+              <a:tailEnd type="triangle" w="lg" len="lg"/>
+            </a:ln>
+          </p:spPr>
+          <p:style>
+            <a:lnRef idx="1">
+              <a:schemeClr val="accent1"/>
+            </a:lnRef>
+            <a:fillRef idx="0">
+              <a:schemeClr val="accent1"/>
+            </a:fillRef>
+            <a:effectRef idx="0">
+              <a:schemeClr val="accent1"/>
+            </a:effectRef>
+            <a:fontRef idx="minor">
+              <a:schemeClr val="tx1"/>
+            </a:fontRef>
+          </p:style>
+        </p:cxnSp>
+        <p:sp>
+          <p:nvSpPr>
+            <p:cNvPr id="41" name="Oval 40">
+              <a:extLst>
+                <a:ext uri="{FF2B5EF4-FFF2-40B4-BE49-F238E27FC236}">
+                  <a16:creationId xmlns:a16="http://schemas.microsoft.com/office/drawing/2014/main" id="{AEB2DEA8-BE9C-FFB9-0E2D-2D8E7C439CCF}"/>
+                </a:ext>
+              </a:extLst>
+            </p:cNvPr>
+            <p:cNvSpPr/>
+            <p:nvPr/>
+          </p:nvSpPr>
+          <p:spPr>
+            <a:xfrm>
+              <a:off x="6217888" y="11505383"/>
+              <a:ext cx="1727498" cy="594042"/>
+            </a:xfrm>
+            <a:prstGeom prst="ellipse">
+              <a:avLst/>
+            </a:prstGeom>
+            <a:solidFill>
+              <a:schemeClr val="bg1">
+                <a:lumMod val="85000"/>
+              </a:schemeClr>
+            </a:solidFill>
+            <a:ln w="38100">
+              <a:prstDash val="sysDot"/>
+            </a:ln>
+          </p:spPr>
+          <p:style>
+            <a:lnRef idx="2">
+              <a:schemeClr val="accent1">
+                <a:shade val="50000"/>
+              </a:schemeClr>
+            </a:lnRef>
+            <a:fillRef idx="1">
+              <a:schemeClr val="accent1"/>
+            </a:fillRef>
+            <a:effectRef idx="0">
+              <a:schemeClr val="accent1"/>
+            </a:effectRef>
+            <a:fontRef idx="minor">
+              <a:schemeClr val="lt1"/>
+            </a:fontRef>
+          </p:style>
+          <p:txBody>
+            <a:bodyPr rtlCol="0" anchor="ctr"/>
+            <a:lstStyle/>
+            <a:p>
+              <a:pPr algn="ctr"/>
+              <a:r>
+                <a:rPr lang="en-US">
+                  <a:solidFill>
+                    <a:schemeClr val="tx1"/>
+                  </a:solidFill>
+                </a:rPr>
+                <a:t>efficacy</a:t>
+              </a:r>
+            </a:p>
+          </p:txBody>
+        </p:sp>
+        <p:cxnSp>
+          <p:nvCxnSpPr>
+            <p:cNvPr id="42" name="Connector: Curved 41">
+              <a:extLst>
+                <a:ext uri="{FF2B5EF4-FFF2-40B4-BE49-F238E27FC236}">
+                  <a16:creationId xmlns:a16="http://schemas.microsoft.com/office/drawing/2014/main" id="{E4291B10-ACBE-DCAD-517F-620AC227F54D}"/>
+                </a:ext>
+              </a:extLst>
+            </p:cNvPr>
+            <p:cNvCxnSpPr>
+              <a:cxnSpLocks/>
+              <a:stCxn id="41" idx="5"/>
+              <a:endCxn id="7" idx="2"/>
+            </p:cNvCxnSpPr>
+            <p:nvPr/>
+          </p:nvCxnSpPr>
+          <p:spPr>
+            <a:xfrm rot="16200000" flipH="1">
+              <a:off x="8441169" y="11263659"/>
+              <a:ext cx="419483" cy="1917021"/>
+            </a:xfrm>
+            <a:prstGeom prst="curvedConnector2">
+              <a:avLst/>
+            </a:prstGeom>
+            <a:ln w="25400">
+              <a:solidFill>
+                <a:schemeClr val="tx1"/>
+              </a:solidFill>
+              <a:prstDash val="sysDot"/>
+              <a:tailEnd type="triangle" w="lg" len="lg"/>
+            </a:ln>
+          </p:spPr>
+          <p:style>
+            <a:lnRef idx="1">
+              <a:schemeClr val="accent1"/>
+            </a:lnRef>
+            <a:fillRef idx="0">
+              <a:schemeClr val="accent1"/>
+            </a:fillRef>
+            <a:effectRef idx="0">
+              <a:schemeClr val="accent1"/>
+            </a:effectRef>
+            <a:fontRef idx="minor">
+              <a:schemeClr val="tx1"/>
+            </a:fontRef>
+          </p:style>
+        </p:cxnSp>
+        <p:sp>
+          <p:nvSpPr>
+            <p:cNvPr id="43" name="Oval 42">
+              <a:extLst>
+                <a:ext uri="{FF2B5EF4-FFF2-40B4-BE49-F238E27FC236}">
+                  <a16:creationId xmlns:a16="http://schemas.microsoft.com/office/drawing/2014/main" id="{817C4979-8611-1C9B-0A0E-4227D4C6FD34}"/>
+                </a:ext>
+              </a:extLst>
+            </p:cNvPr>
+            <p:cNvSpPr/>
+            <p:nvPr/>
+          </p:nvSpPr>
+          <p:spPr>
+            <a:xfrm>
+              <a:off x="14273752" y="6741140"/>
+              <a:ext cx="2969274" cy="807011"/>
+            </a:xfrm>
+            <a:prstGeom prst="ellipse">
+              <a:avLst/>
+            </a:prstGeom>
+            <a:solidFill>
+              <a:schemeClr val="bg1">
+                <a:lumMod val="85000"/>
+              </a:schemeClr>
+            </a:solidFill>
+            <a:ln w="38100">
+              <a:prstDash val="sysDot"/>
+            </a:ln>
+          </p:spPr>
+          <p:style>
+            <a:lnRef idx="2">
+              <a:schemeClr val="accent1">
+                <a:shade val="50000"/>
+              </a:schemeClr>
+            </a:lnRef>
+            <a:fillRef idx="1">
+              <a:schemeClr val="accent1"/>
+            </a:fillRef>
+            <a:effectRef idx="0">
+              <a:schemeClr val="accent1"/>
+            </a:effectRef>
+            <a:fontRef idx="minor">
+              <a:schemeClr val="lt1"/>
+            </a:fontRef>
+          </p:style>
+          <p:txBody>
+            <a:bodyPr rtlCol="0" anchor="ctr"/>
+            <a:lstStyle/>
+            <a:p>
+              <a:pPr algn="ctr"/>
+              <a:r>
+                <a:rPr lang="en-US">
+                  <a:solidFill>
+                    <a:schemeClr val="tx1"/>
+                  </a:solidFill>
+                </a:rPr>
+                <a:t>infection</a:t>
+              </a:r>
+            </a:p>
+          </p:txBody>
+        </p:sp>
+        <p:sp>
+          <p:nvSpPr>
+            <p:cNvPr id="44" name="Oval 43">
+              <a:extLst>
+                <a:ext uri="{FF2B5EF4-FFF2-40B4-BE49-F238E27FC236}">
+                  <a16:creationId xmlns:a16="http://schemas.microsoft.com/office/drawing/2014/main" id="{E4D994F0-1807-4CE2-685E-A9B8978F0242}"/>
+                </a:ext>
+              </a:extLst>
+            </p:cNvPr>
+            <p:cNvSpPr/>
+            <p:nvPr/>
+          </p:nvSpPr>
+          <p:spPr>
+            <a:xfrm>
+              <a:off x="16365591" y="10403505"/>
+              <a:ext cx="1236593" cy="807011"/>
+            </a:xfrm>
+            <a:prstGeom prst="ellipse">
+              <a:avLst/>
+            </a:prstGeom>
+            <a:solidFill>
+              <a:schemeClr val="bg1">
+                <a:lumMod val="85000"/>
+              </a:schemeClr>
+            </a:solidFill>
+            <a:ln w="38100">
+              <a:prstDash val="sysDot"/>
+            </a:ln>
+          </p:spPr>
+          <p:style>
+            <a:lnRef idx="2">
+              <a:schemeClr val="accent1">
+                <a:shade val="50000"/>
+              </a:schemeClr>
+            </a:lnRef>
+            <a:fillRef idx="1">
+              <a:schemeClr val="accent1"/>
+            </a:fillRef>
+            <a:effectRef idx="0">
+              <a:schemeClr val="accent1"/>
+            </a:effectRef>
+            <a:fontRef idx="minor">
+              <a:schemeClr val="lt1"/>
+            </a:fontRef>
+          </p:style>
+          <p:txBody>
+            <a:bodyPr rtlCol="0" anchor="ctr"/>
+            <a:lstStyle/>
+            <a:p>
+              <a:pPr algn="ctr"/>
+              <a:r>
+                <a:rPr lang="en-US">
+                  <a:solidFill>
+                    <a:schemeClr val="tx1"/>
+                  </a:solidFill>
+                </a:rPr>
+                <a:t>drug</a:t>
+              </a:r>
+            </a:p>
+          </p:txBody>
+        </p:sp>
+        <p:sp>
+          <p:nvSpPr>
+            <p:cNvPr id="45" name="Oval 44">
+              <a:extLst>
+                <a:ext uri="{FF2B5EF4-FFF2-40B4-BE49-F238E27FC236}">
+                  <a16:creationId xmlns:a16="http://schemas.microsoft.com/office/drawing/2014/main" id="{1050BE87-F830-6A1A-A33A-E1183AC1AB0B}"/>
+                </a:ext>
+              </a:extLst>
+            </p:cNvPr>
+            <p:cNvSpPr/>
+            <p:nvPr/>
+          </p:nvSpPr>
+          <p:spPr>
+            <a:xfrm>
+              <a:off x="14131450" y="8099880"/>
+              <a:ext cx="2283282" cy="807011"/>
+            </a:xfrm>
+            <a:prstGeom prst="ellipse">
+              <a:avLst/>
+            </a:prstGeom>
+            <a:solidFill>
+              <a:schemeClr val="bg1">
+                <a:lumMod val="85000"/>
+              </a:schemeClr>
+            </a:solidFill>
+            <a:ln w="38100">
+              <a:prstDash val="sysDot"/>
+            </a:ln>
+          </p:spPr>
+          <p:style>
+            <a:lnRef idx="2">
+              <a:schemeClr val="accent1">
+                <a:shade val="50000"/>
+              </a:schemeClr>
+            </a:lnRef>
+            <a:fillRef idx="1">
+              <a:schemeClr val="accent1"/>
+            </a:fillRef>
+            <a:effectRef idx="0">
+              <a:schemeClr val="accent1"/>
+            </a:effectRef>
+            <a:fontRef idx="minor">
+              <a:schemeClr val="lt1"/>
+            </a:fontRef>
+          </p:style>
+          <p:txBody>
+            <a:bodyPr rtlCol="0" anchor="ctr"/>
+            <a:lstStyle/>
+            <a:p>
+              <a:pPr algn="ctr"/>
+              <a:r>
+                <a:rPr lang="en-US" err="1">
+                  <a:solidFill>
+                    <a:schemeClr val="tx1"/>
+                  </a:solidFill>
+                </a:rPr>
+                <a:t>cum_drug</a:t>
+              </a:r>
+              <a:endParaRPr lang="en-US">
+                <a:solidFill>
+                  <a:schemeClr val="tx1"/>
+                </a:solidFill>
+              </a:endParaRPr>
+            </a:p>
+          </p:txBody>
+        </p:sp>
+        <p:sp>
+          <p:nvSpPr>
+            <p:cNvPr id="46" name="Hexagon 45">
+              <a:extLst>
+                <a:ext uri="{FF2B5EF4-FFF2-40B4-BE49-F238E27FC236}">
+                  <a16:creationId xmlns:a16="http://schemas.microsoft.com/office/drawing/2014/main" id="{99DC0DE4-05F5-86C3-926A-B438EA7327F4}"/>
+                </a:ext>
+              </a:extLst>
+            </p:cNvPr>
+            <p:cNvSpPr/>
+            <p:nvPr/>
+          </p:nvSpPr>
+          <p:spPr>
+            <a:xfrm>
+              <a:off x="14087914" y="11047975"/>
+              <a:ext cx="1786939" cy="561351"/>
+            </a:xfrm>
+            <a:prstGeom prst="hexagon">
+              <a:avLst/>
+            </a:prstGeom>
+            <a:solidFill>
+              <a:schemeClr val="bg1">
+                <a:lumMod val="85000"/>
+              </a:schemeClr>
+            </a:solidFill>
+            <a:ln w="38100">
+              <a:prstDash val="sysDot"/>
+            </a:ln>
+          </p:spPr>
+          <p:style>
+            <a:lnRef idx="2">
+              <a:schemeClr val="accent1">
+                <a:shade val="50000"/>
+              </a:schemeClr>
+            </a:lnRef>
+            <a:fillRef idx="1">
+              <a:schemeClr val="accent1"/>
+            </a:fillRef>
+            <a:effectRef idx="0">
+              <a:schemeClr val="accent1"/>
+            </a:effectRef>
+            <a:fontRef idx="minor">
+              <a:schemeClr val="lt1"/>
+            </a:fontRef>
+          </p:style>
+          <p:txBody>
+            <a:bodyPr rtlCol="0" anchor="ctr"/>
+            <a:lstStyle/>
+            <a:p>
+              <a:pPr algn="ctr"/>
+              <a:r>
+                <a:rPr lang="en-US">
+                  <a:solidFill>
+                    <a:schemeClr val="tx1"/>
+                  </a:solidFill>
+                </a:rPr>
+                <a:t>outcome</a:t>
+              </a:r>
+            </a:p>
+          </p:txBody>
+        </p:sp>
+        <p:sp>
+          <p:nvSpPr>
+            <p:cNvPr id="47" name="Oval 46">
+              <a:extLst>
+                <a:ext uri="{FF2B5EF4-FFF2-40B4-BE49-F238E27FC236}">
+                  <a16:creationId xmlns:a16="http://schemas.microsoft.com/office/drawing/2014/main" id="{A4B5CDF7-2254-EBF6-A95D-A2F0B9F4F233}"/>
+                </a:ext>
+              </a:extLst>
+            </p:cNvPr>
+            <p:cNvSpPr/>
+            <p:nvPr/>
+          </p:nvSpPr>
+          <p:spPr>
+            <a:xfrm>
+              <a:off x="14686953" y="12038659"/>
+              <a:ext cx="2889675" cy="807011"/>
+            </a:xfrm>
+            <a:prstGeom prst="ellipse">
+              <a:avLst/>
+            </a:prstGeom>
+            <a:solidFill>
+              <a:srgbClr val="FFC000"/>
+            </a:solidFill>
+          </p:spPr>
+          <p:style>
+            <a:lnRef idx="2">
+              <a:schemeClr val="accent1">
+                <a:shade val="50000"/>
+              </a:schemeClr>
+            </a:lnRef>
+            <a:fillRef idx="1">
+              <a:schemeClr val="accent1"/>
+            </a:fillRef>
+            <a:effectRef idx="0">
+              <a:schemeClr val="accent1"/>
+            </a:effectRef>
+            <a:fontRef idx="minor">
+              <a:schemeClr val="lt1"/>
+            </a:fontRef>
+          </p:style>
+          <p:txBody>
+            <a:bodyPr rtlCol="0" anchor="ctr"/>
+            <a:lstStyle/>
+            <a:p>
+              <a:pPr algn="ctr"/>
+              <a:r>
+                <a:rPr lang="en-US" err="1">
+                  <a:solidFill>
+                    <a:schemeClr val="tx1"/>
+                  </a:solidFill>
+                </a:rPr>
+                <a:t>severity_next</a:t>
+              </a:r>
+              <a:endParaRPr lang="en-US">
+                <a:solidFill>
+                  <a:schemeClr val="tx1"/>
+                </a:solidFill>
+              </a:endParaRPr>
+            </a:p>
+          </p:txBody>
+        </p:sp>
+        <p:cxnSp>
+          <p:nvCxnSpPr>
+            <p:cNvPr id="48" name="Connector: Curved 47">
+              <a:extLst>
+                <a:ext uri="{FF2B5EF4-FFF2-40B4-BE49-F238E27FC236}">
+                  <a16:creationId xmlns:a16="http://schemas.microsoft.com/office/drawing/2014/main" id="{8462E5EE-383D-2374-AF60-F11462F5D73C}"/>
+                </a:ext>
+              </a:extLst>
+            </p:cNvPr>
+            <p:cNvCxnSpPr>
+              <a:cxnSpLocks/>
+              <a:stCxn id="43" idx="6"/>
+              <a:endCxn id="46" idx="5"/>
+            </p:cNvCxnSpPr>
+            <p:nvPr/>
+          </p:nvCxnSpPr>
+          <p:spPr>
+            <a:xfrm flipH="1">
+              <a:off x="15750663" y="7144647"/>
+              <a:ext cx="1492363" cy="3903328"/>
+            </a:xfrm>
+            <a:prstGeom prst="curvedConnector4">
+              <a:avLst>
+                <a:gd name="adj1" fmla="val -20978"/>
+                <a:gd name="adj2" fmla="val 55169"/>
+              </a:avLst>
+            </a:prstGeom>
+            <a:ln w="25400">
+              <a:solidFill>
+                <a:schemeClr val="tx1">
+                  <a:lumMod val="50000"/>
+                  <a:lumOff val="50000"/>
+                </a:schemeClr>
+              </a:solidFill>
+              <a:prstDash val="sysDot"/>
+              <a:tailEnd type="triangle" w="lg" len="lg"/>
+            </a:ln>
+          </p:spPr>
+          <p:style>
+            <a:lnRef idx="1">
+              <a:schemeClr val="accent1"/>
+            </a:lnRef>
+            <a:fillRef idx="0">
+              <a:schemeClr val="accent1"/>
+            </a:fillRef>
+            <a:effectRef idx="0">
+              <a:schemeClr val="accent1"/>
+            </a:effectRef>
+            <a:fontRef idx="minor">
+              <a:schemeClr val="tx1"/>
+            </a:fontRef>
+          </p:style>
+        </p:cxnSp>
+        <p:cxnSp>
+          <p:nvCxnSpPr>
+            <p:cNvPr id="49" name="Connector: Curved 48">
+              <a:extLst>
+                <a:ext uri="{FF2B5EF4-FFF2-40B4-BE49-F238E27FC236}">
+                  <a16:creationId xmlns:a16="http://schemas.microsoft.com/office/drawing/2014/main" id="{8D38D7EC-8CF2-4CD2-69A9-749B73A159CA}"/>
+                </a:ext>
+              </a:extLst>
+            </p:cNvPr>
+            <p:cNvCxnSpPr>
+              <a:cxnSpLocks/>
+              <a:endCxn id="44" idx="2"/>
+            </p:cNvCxnSpPr>
+            <p:nvPr/>
+          </p:nvCxnSpPr>
+          <p:spPr>
+            <a:xfrm rot="5400000" flipH="1" flipV="1">
+              <a:off x="15682958" y="11356025"/>
+              <a:ext cx="1231647" cy="133619"/>
+            </a:xfrm>
+            <a:prstGeom prst="curvedConnector2">
+              <a:avLst/>
+            </a:prstGeom>
+            <a:ln w="25400">
+              <a:solidFill>
+                <a:schemeClr val="tx1">
+                  <a:lumMod val="50000"/>
+                  <a:lumOff val="50000"/>
+                </a:schemeClr>
+              </a:solidFill>
+              <a:prstDash val="sysDot"/>
+              <a:tailEnd type="triangle" w="lg" len="lg"/>
+            </a:ln>
+          </p:spPr>
+          <p:style>
+            <a:lnRef idx="1">
+              <a:schemeClr val="accent1"/>
+            </a:lnRef>
+            <a:fillRef idx="0">
+              <a:schemeClr val="accent1"/>
+            </a:fillRef>
+            <a:effectRef idx="0">
+              <a:schemeClr val="accent1"/>
+            </a:effectRef>
+            <a:fontRef idx="minor">
+              <a:schemeClr val="tx1"/>
+            </a:fontRef>
+          </p:style>
+        </p:cxnSp>
+        <p:cxnSp>
+          <p:nvCxnSpPr>
+            <p:cNvPr id="50" name="Connector: Curved 49">
+              <a:extLst>
+                <a:ext uri="{FF2B5EF4-FFF2-40B4-BE49-F238E27FC236}">
+                  <a16:creationId xmlns:a16="http://schemas.microsoft.com/office/drawing/2014/main" id="{68B9D3CA-CECC-46EF-52B6-C2337DEAB49E}"/>
+                </a:ext>
+              </a:extLst>
+            </p:cNvPr>
+            <p:cNvCxnSpPr>
+              <a:cxnSpLocks/>
+              <a:stCxn id="44" idx="0"/>
+              <a:endCxn id="45" idx="4"/>
+            </p:cNvCxnSpPr>
+            <p:nvPr/>
+          </p:nvCxnSpPr>
+          <p:spPr>
+            <a:xfrm rot="16200000" flipV="1">
+              <a:off x="15380183" y="8799798"/>
+              <a:ext cx="1496614" cy="1710798"/>
+            </a:xfrm>
+            <a:prstGeom prst="curvedConnector3">
+              <a:avLst>
+                <a:gd name="adj1" fmla="val 50000"/>
+              </a:avLst>
+            </a:prstGeom>
+            <a:ln w="25400">
+              <a:solidFill>
+                <a:schemeClr val="tx1">
+                  <a:lumMod val="50000"/>
+                  <a:lumOff val="50000"/>
+                </a:schemeClr>
+              </a:solidFill>
+              <a:prstDash val="sysDot"/>
+              <a:tailEnd type="triangle" w="lg" len="lg"/>
+            </a:ln>
+          </p:spPr>
+          <p:style>
+            <a:lnRef idx="1">
+              <a:schemeClr val="accent1"/>
+            </a:lnRef>
+            <a:fillRef idx="0">
+              <a:schemeClr val="accent1"/>
+            </a:fillRef>
+            <a:effectRef idx="0">
+              <a:schemeClr val="accent1"/>
+            </a:effectRef>
+            <a:fontRef idx="minor">
+              <a:schemeClr val="tx1"/>
+            </a:fontRef>
+          </p:style>
+        </p:cxnSp>
+        <p:cxnSp>
+          <p:nvCxnSpPr>
+            <p:cNvPr id="51" name="Connector: Curved 50">
+              <a:extLst>
+                <a:ext uri="{FF2B5EF4-FFF2-40B4-BE49-F238E27FC236}">
+                  <a16:creationId xmlns:a16="http://schemas.microsoft.com/office/drawing/2014/main" id="{5A43D2B8-3EEA-EAB0-188F-84CCD6A94903}"/>
+                </a:ext>
+              </a:extLst>
+            </p:cNvPr>
+            <p:cNvCxnSpPr>
+              <a:cxnSpLocks/>
+              <a:stCxn id="44" idx="6"/>
+              <a:endCxn id="57" idx="0"/>
+            </p:cNvCxnSpPr>
+            <p:nvPr/>
+          </p:nvCxnSpPr>
+          <p:spPr>
+            <a:xfrm>
+              <a:off x="17602185" y="10807011"/>
+              <a:ext cx="270587" cy="698372"/>
+            </a:xfrm>
+            <a:prstGeom prst="curvedConnector2">
+              <a:avLst/>
+            </a:prstGeom>
+            <a:ln w="25400">
+              <a:solidFill>
+                <a:schemeClr val="tx1"/>
+              </a:solidFill>
+              <a:prstDash val="sysDot"/>
+              <a:tailEnd type="triangle" w="lg" len="lg"/>
+            </a:ln>
+          </p:spPr>
+          <p:style>
+            <a:lnRef idx="1">
+              <a:schemeClr val="accent1"/>
+            </a:lnRef>
+            <a:fillRef idx="0">
+              <a:schemeClr val="accent1"/>
+            </a:fillRef>
+            <a:effectRef idx="0">
+              <a:schemeClr val="accent1"/>
+            </a:effectRef>
+            <a:fontRef idx="minor">
+              <a:schemeClr val="tx1"/>
+            </a:fontRef>
+          </p:style>
+        </p:cxnSp>
+        <p:cxnSp>
+          <p:nvCxnSpPr>
+            <p:cNvPr id="52" name="Connector: Curved 51">
+              <a:extLst>
+                <a:ext uri="{FF2B5EF4-FFF2-40B4-BE49-F238E27FC236}">
+                  <a16:creationId xmlns:a16="http://schemas.microsoft.com/office/drawing/2014/main" id="{E4162FFD-3E13-82F2-900F-146D7C46951A}"/>
+                </a:ext>
+              </a:extLst>
+            </p:cNvPr>
+            <p:cNvCxnSpPr>
+              <a:cxnSpLocks/>
+              <a:stCxn id="45" idx="6"/>
+              <a:endCxn id="57" idx="0"/>
+            </p:cNvCxnSpPr>
+            <p:nvPr/>
+          </p:nvCxnSpPr>
+          <p:spPr>
+            <a:xfrm>
+              <a:off x="16414732" y="8503386"/>
+              <a:ext cx="1458040" cy="3001997"/>
+            </a:xfrm>
+            <a:prstGeom prst="curvedConnector2">
+              <a:avLst/>
+            </a:prstGeom>
+            <a:ln w="25400">
+              <a:solidFill>
+                <a:schemeClr val="tx1">
+                  <a:lumMod val="50000"/>
+                  <a:lumOff val="50000"/>
+                </a:schemeClr>
+              </a:solidFill>
+              <a:prstDash val="sysDot"/>
+              <a:tailEnd type="triangle" w="lg" len="lg"/>
+            </a:ln>
+          </p:spPr>
+          <p:style>
+            <a:lnRef idx="1">
+              <a:schemeClr val="accent1"/>
+            </a:lnRef>
+            <a:fillRef idx="0">
+              <a:schemeClr val="accent1"/>
+            </a:fillRef>
+            <a:effectRef idx="0">
+              <a:schemeClr val="accent1"/>
+            </a:effectRef>
+            <a:fontRef idx="minor">
+              <a:schemeClr val="tx1"/>
+            </a:fontRef>
+          </p:style>
+        </p:cxnSp>
+        <p:cxnSp>
+          <p:nvCxnSpPr>
+            <p:cNvPr id="53" name="Connector: Curved 52">
+              <a:extLst>
+                <a:ext uri="{FF2B5EF4-FFF2-40B4-BE49-F238E27FC236}">
+                  <a16:creationId xmlns:a16="http://schemas.microsoft.com/office/drawing/2014/main" id="{392B7CED-10A3-7D22-B567-0C525A99880B}"/>
+                </a:ext>
+              </a:extLst>
+            </p:cNvPr>
+            <p:cNvCxnSpPr>
+              <a:cxnSpLocks/>
+              <a:stCxn id="47" idx="2"/>
+              <a:endCxn id="46" idx="2"/>
+            </p:cNvCxnSpPr>
+            <p:nvPr/>
+          </p:nvCxnSpPr>
+          <p:spPr>
+            <a:xfrm rot="10800000">
+              <a:off x="14212105" y="11609327"/>
+              <a:ext cx="474848" cy="832839"/>
+            </a:xfrm>
+            <a:prstGeom prst="curvedConnector2">
+              <a:avLst/>
+            </a:prstGeom>
+            <a:ln w="25400">
+              <a:solidFill>
+                <a:schemeClr val="tx1">
+                  <a:lumMod val="50000"/>
+                  <a:lumOff val="50000"/>
+                </a:schemeClr>
+              </a:solidFill>
+              <a:prstDash val="sysDot"/>
+              <a:tailEnd type="triangle" w="lg" len="lg"/>
+            </a:ln>
+          </p:spPr>
+          <p:style>
+            <a:lnRef idx="1">
+              <a:schemeClr val="accent1"/>
+            </a:lnRef>
+            <a:fillRef idx="0">
+              <a:schemeClr val="accent1"/>
+            </a:fillRef>
+            <a:effectRef idx="0">
+              <a:schemeClr val="accent1"/>
+            </a:effectRef>
+            <a:fontRef idx="minor">
+              <a:schemeClr val="tx1"/>
+            </a:fontRef>
+          </p:style>
+        </p:cxnSp>
+        <p:sp>
+          <p:nvSpPr>
+            <p:cNvPr id="54" name="Oval 53">
+              <a:extLst>
+                <a:ext uri="{FF2B5EF4-FFF2-40B4-BE49-F238E27FC236}">
+                  <a16:creationId xmlns:a16="http://schemas.microsoft.com/office/drawing/2014/main" id="{40E255F9-4508-CD53-B62F-B4C19ACF6314}"/>
+                </a:ext>
+              </a:extLst>
+            </p:cNvPr>
+            <p:cNvSpPr/>
+            <p:nvPr/>
+          </p:nvSpPr>
+          <p:spPr>
+            <a:xfrm>
+              <a:off x="13863204" y="9807320"/>
+              <a:ext cx="1812284" cy="563565"/>
+            </a:xfrm>
+            <a:prstGeom prst="ellipse">
+              <a:avLst/>
+            </a:prstGeom>
+            <a:solidFill>
+              <a:schemeClr val="bg1">
+                <a:lumMod val="85000"/>
+              </a:schemeClr>
+            </a:solidFill>
+            <a:ln w="38100">
+              <a:prstDash val="sysDot"/>
+            </a:ln>
+          </p:spPr>
+          <p:style>
+            <a:lnRef idx="2">
+              <a:schemeClr val="accent1">
+                <a:shade val="50000"/>
+              </a:schemeClr>
+            </a:lnRef>
+            <a:fillRef idx="1">
+              <a:schemeClr val="accent1"/>
+            </a:fillRef>
+            <a:effectRef idx="0">
+              <a:schemeClr val="accent1"/>
+            </a:effectRef>
+            <a:fontRef idx="minor">
+              <a:schemeClr val="lt1"/>
+            </a:fontRef>
+          </p:style>
+          <p:txBody>
+            <a:bodyPr rtlCol="0" anchor="ctr"/>
+            <a:lstStyle/>
+            <a:p>
+              <a:pPr algn="ctr"/>
+              <a:r>
+                <a:rPr lang="en-US">
+                  <a:solidFill>
+                    <a:schemeClr val="tx1"/>
+                  </a:solidFill>
+                </a:rPr>
+                <a:t>toxicity</a:t>
+              </a:r>
+            </a:p>
+          </p:txBody>
+        </p:sp>
+        <p:cxnSp>
+          <p:nvCxnSpPr>
+            <p:cNvPr id="55" name="Connector: Curved 54">
+              <a:extLst>
+                <a:ext uri="{FF2B5EF4-FFF2-40B4-BE49-F238E27FC236}">
+                  <a16:creationId xmlns:a16="http://schemas.microsoft.com/office/drawing/2014/main" id="{F2D93BF6-4626-7C7A-860F-91D4867470B9}"/>
+                </a:ext>
+              </a:extLst>
+            </p:cNvPr>
+            <p:cNvCxnSpPr>
+              <a:cxnSpLocks/>
+            </p:cNvCxnSpPr>
+            <p:nvPr/>
+          </p:nvCxnSpPr>
+          <p:spPr>
+            <a:xfrm rot="5400000">
+              <a:off x="14152182" y="10430810"/>
+              <a:ext cx="677090" cy="557242"/>
+            </a:xfrm>
+            <a:prstGeom prst="curvedConnector3">
+              <a:avLst>
+                <a:gd name="adj1" fmla="val 50000"/>
+              </a:avLst>
+            </a:prstGeom>
+            <a:ln w="25400">
+              <a:solidFill>
+                <a:schemeClr val="tx1">
+                  <a:lumMod val="50000"/>
+                  <a:lumOff val="50000"/>
+                </a:schemeClr>
+              </a:solidFill>
+              <a:prstDash val="sysDot"/>
+              <a:tailEnd type="triangle" w="lg" len="lg"/>
+            </a:ln>
+          </p:spPr>
+          <p:style>
+            <a:lnRef idx="1">
+              <a:schemeClr val="accent1"/>
+            </a:lnRef>
+            <a:fillRef idx="0">
+              <a:schemeClr val="accent1"/>
+            </a:fillRef>
+            <a:effectRef idx="0">
+              <a:schemeClr val="accent1"/>
+            </a:effectRef>
+            <a:fontRef idx="minor">
+              <a:schemeClr val="tx1"/>
+            </a:fontRef>
+          </p:style>
+        </p:cxnSp>
+        <p:cxnSp>
+          <p:nvCxnSpPr>
+            <p:cNvPr id="56" name="Connector: Curved 55">
+              <a:extLst>
+                <a:ext uri="{FF2B5EF4-FFF2-40B4-BE49-F238E27FC236}">
+                  <a16:creationId xmlns:a16="http://schemas.microsoft.com/office/drawing/2014/main" id="{FAAC65D6-8C76-F04C-9A9A-E8329D5F27D1}"/>
+                </a:ext>
+              </a:extLst>
+            </p:cNvPr>
+            <p:cNvCxnSpPr>
+              <a:cxnSpLocks/>
+            </p:cNvCxnSpPr>
+            <p:nvPr/>
+          </p:nvCxnSpPr>
+          <p:spPr>
+            <a:xfrm rot="5400000">
+              <a:off x="14571008" y="9105236"/>
+              <a:ext cx="900429" cy="503740"/>
+            </a:xfrm>
+            <a:prstGeom prst="curvedConnector3">
+              <a:avLst>
+                <a:gd name="adj1" fmla="val 50000"/>
+              </a:avLst>
+            </a:prstGeom>
+            <a:ln w="25400">
+              <a:solidFill>
+                <a:schemeClr val="tx1">
+                  <a:lumMod val="50000"/>
+                  <a:lumOff val="50000"/>
+                </a:schemeClr>
+              </a:solidFill>
+              <a:prstDash val="sysDot"/>
+              <a:tailEnd type="triangle" w="lg" len="lg"/>
+            </a:ln>
+          </p:spPr>
+          <p:style>
+            <a:lnRef idx="1">
+              <a:schemeClr val="accent1"/>
+            </a:lnRef>
+            <a:fillRef idx="0">
+              <a:schemeClr val="accent1"/>
+            </a:fillRef>
+            <a:effectRef idx="0">
+              <a:schemeClr val="accent1"/>
+            </a:effectRef>
+            <a:fontRef idx="minor">
+              <a:schemeClr val="tx1"/>
+            </a:fontRef>
+          </p:style>
+        </p:cxnSp>
+        <p:sp>
+          <p:nvSpPr>
+            <p:cNvPr id="57" name="Oval 56">
+              <a:extLst>
+                <a:ext uri="{FF2B5EF4-FFF2-40B4-BE49-F238E27FC236}">
+                  <a16:creationId xmlns:a16="http://schemas.microsoft.com/office/drawing/2014/main" id="{B65AC150-B147-DE67-729B-84835DE7632B}"/>
+                </a:ext>
+              </a:extLst>
+            </p:cNvPr>
+            <p:cNvSpPr/>
+            <p:nvPr/>
+          </p:nvSpPr>
+          <p:spPr>
+            <a:xfrm>
+              <a:off x="17009023" y="11505383"/>
+              <a:ext cx="1727498" cy="594042"/>
+            </a:xfrm>
+            <a:prstGeom prst="ellipse">
+              <a:avLst/>
+            </a:prstGeom>
+            <a:solidFill>
+              <a:schemeClr val="bg1">
+                <a:lumMod val="85000"/>
+              </a:schemeClr>
+            </a:solidFill>
+            <a:ln w="38100">
+              <a:prstDash val="sysDot"/>
+            </a:ln>
+          </p:spPr>
+          <p:style>
+            <a:lnRef idx="2">
+              <a:schemeClr val="accent1">
+                <a:shade val="50000"/>
+              </a:schemeClr>
+            </a:lnRef>
+            <a:fillRef idx="1">
+              <a:schemeClr val="accent1"/>
+            </a:fillRef>
+            <a:effectRef idx="0">
+              <a:schemeClr val="accent1"/>
+            </a:effectRef>
+            <a:fontRef idx="minor">
+              <a:schemeClr val="lt1"/>
+            </a:fontRef>
+          </p:style>
+          <p:txBody>
+            <a:bodyPr rtlCol="0" anchor="ctr"/>
+            <a:lstStyle/>
+            <a:p>
+              <a:pPr algn="ctr"/>
+              <a:r>
+                <a:rPr lang="en-US">
+                  <a:solidFill>
+                    <a:schemeClr val="tx1"/>
+                  </a:solidFill>
+                </a:rPr>
+                <a:t>efficacy</a:t>
+              </a:r>
+            </a:p>
+          </p:txBody>
+        </p:sp>
+        <p:cxnSp>
+          <p:nvCxnSpPr>
+            <p:cNvPr id="58" name="Connector: Curved 57">
+              <a:extLst>
+                <a:ext uri="{FF2B5EF4-FFF2-40B4-BE49-F238E27FC236}">
+                  <a16:creationId xmlns:a16="http://schemas.microsoft.com/office/drawing/2014/main" id="{CBC2CAB0-A085-49C1-08A7-5705AE2A3CF4}"/>
+                </a:ext>
+              </a:extLst>
+            </p:cNvPr>
+            <p:cNvCxnSpPr>
+              <a:cxnSpLocks/>
+              <a:stCxn id="3" idx="6"/>
+              <a:endCxn id="43" idx="2"/>
+            </p:cNvCxnSpPr>
+            <p:nvPr/>
+          </p:nvCxnSpPr>
+          <p:spPr>
+            <a:xfrm>
+              <a:off x="11691671" y="7134394"/>
+              <a:ext cx="2582080" cy="10252"/>
+            </a:xfrm>
+            <a:prstGeom prst="curvedConnector3">
+              <a:avLst>
+                <a:gd name="adj1" fmla="val 50000"/>
+              </a:avLst>
+            </a:prstGeom>
+            <a:ln w="25400">
+              <a:solidFill>
+                <a:schemeClr val="tx1"/>
+              </a:solidFill>
+              <a:prstDash val="sysDot"/>
+              <a:tailEnd type="triangle" w="lg" len="lg"/>
+            </a:ln>
+          </p:spPr>
+          <p:style>
+            <a:lnRef idx="1">
+              <a:schemeClr val="accent1"/>
+            </a:lnRef>
+            <a:fillRef idx="0">
+              <a:schemeClr val="accent1"/>
+            </a:fillRef>
+            <a:effectRef idx="0">
+              <a:schemeClr val="accent1"/>
+            </a:effectRef>
+            <a:fontRef idx="minor">
+              <a:schemeClr val="tx1"/>
+            </a:fontRef>
+          </p:style>
+        </p:cxnSp>
+        <p:cxnSp>
+          <p:nvCxnSpPr>
+            <p:cNvPr id="59" name="Connector: Curved 58">
+              <a:extLst>
+                <a:ext uri="{FF2B5EF4-FFF2-40B4-BE49-F238E27FC236}">
+                  <a16:creationId xmlns:a16="http://schemas.microsoft.com/office/drawing/2014/main" id="{0FA95B56-E132-2E92-3A80-560B852536E8}"/>
+                </a:ext>
+              </a:extLst>
+            </p:cNvPr>
+            <p:cNvCxnSpPr>
+              <a:cxnSpLocks/>
+            </p:cNvCxnSpPr>
+            <p:nvPr/>
+          </p:nvCxnSpPr>
+          <p:spPr>
+            <a:xfrm>
+              <a:off x="11013646" y="8493135"/>
+              <a:ext cx="3117804" cy="10252"/>
+            </a:xfrm>
+            <a:prstGeom prst="curvedConnector3">
+              <a:avLst>
+                <a:gd name="adj1" fmla="val 50000"/>
+              </a:avLst>
+            </a:prstGeom>
+            <a:ln w="25400">
+              <a:solidFill>
+                <a:schemeClr val="tx1">
+                  <a:lumMod val="50000"/>
+                  <a:lumOff val="50000"/>
+                </a:schemeClr>
+              </a:solidFill>
+              <a:prstDash val="sysDot"/>
+              <a:tailEnd type="triangle" w="lg" len="lg"/>
+            </a:ln>
+          </p:spPr>
+          <p:style>
+            <a:lnRef idx="1">
+              <a:schemeClr val="accent1"/>
+            </a:lnRef>
+            <a:fillRef idx="0">
+              <a:schemeClr val="accent1"/>
+            </a:fillRef>
+            <a:effectRef idx="0">
+              <a:schemeClr val="accent1"/>
+            </a:effectRef>
+            <a:fontRef idx="minor">
+              <a:schemeClr val="tx1"/>
+            </a:fontRef>
+          </p:style>
+        </p:cxnSp>
+        <p:cxnSp>
+          <p:nvCxnSpPr>
+            <p:cNvPr id="60" name="Straight Connector 59">
+              <a:extLst>
+                <a:ext uri="{FF2B5EF4-FFF2-40B4-BE49-F238E27FC236}">
+                  <a16:creationId xmlns:a16="http://schemas.microsoft.com/office/drawing/2014/main" id="{E84EC578-7537-2EE2-40AB-B5B6AD3A4DA7}"/>
+                </a:ext>
+              </a:extLst>
+            </p:cNvPr>
+            <p:cNvCxnSpPr>
+              <a:cxnSpLocks/>
+            </p:cNvCxnSpPr>
+            <p:nvPr/>
+          </p:nvCxnSpPr>
+          <p:spPr>
+            <a:xfrm>
+              <a:off x="7999292" y="6477518"/>
+              <a:ext cx="16935" cy="6712994"/>
+            </a:xfrm>
+            <a:prstGeom prst="line">
+              <a:avLst/>
+            </a:prstGeom>
+            <a:ln w="38100">
+              <a:solidFill>
+                <a:srgbClr val="00B0F0"/>
+              </a:solidFill>
+              <a:prstDash val="solid"/>
+            </a:ln>
+          </p:spPr>
+          <p:style>
+            <a:lnRef idx="1">
+              <a:schemeClr val="accent1"/>
+            </a:lnRef>
+            <a:fillRef idx="0">
+              <a:schemeClr val="accent1"/>
+            </a:fillRef>
+            <a:effectRef idx="0">
+              <a:schemeClr val="accent1"/>
+            </a:effectRef>
+            <a:fontRef idx="minor">
+              <a:schemeClr val="tx1"/>
+            </a:fontRef>
+          </p:style>
+        </p:cxnSp>
+        <p:sp>
+          <p:nvSpPr>
+            <p:cNvPr id="61" name="TextBox 60">
+              <a:extLst>
+                <a:ext uri="{FF2B5EF4-FFF2-40B4-BE49-F238E27FC236}">
+                  <a16:creationId xmlns:a16="http://schemas.microsoft.com/office/drawing/2014/main" id="{52FF985A-C0FE-2578-C84A-F0A1D5D62316}"/>
+                </a:ext>
+              </a:extLst>
+            </p:cNvPr>
+            <p:cNvSpPr txBox="1"/>
+            <p:nvPr/>
+          </p:nvSpPr>
+          <p:spPr>
+            <a:xfrm>
+              <a:off x="3387268" y="12798417"/>
+              <a:ext cx="2856050" cy="369332"/>
+            </a:xfrm>
+            <a:prstGeom prst="rect">
+              <a:avLst/>
+            </a:prstGeom>
+            <a:noFill/>
+          </p:spPr>
+          <p:txBody>
+            <a:bodyPr wrap="square" rtlCol="0">
+              <a:spAutoFit/>
+            </a:bodyPr>
+            <a:lstStyle/>
+            <a:p>
+              <a:r>
+                <a:rPr lang="en-US">
+                  <a:solidFill>
+                    <a:srgbClr val="00B0F0"/>
+                  </a:solidFill>
+                </a:rPr>
+                <a:t>Day t-1</a:t>
+              </a:r>
+            </a:p>
+          </p:txBody>
+        </p:sp>
+        <p:cxnSp>
+          <p:nvCxnSpPr>
+            <p:cNvPr id="62" name="Straight Connector 61">
+              <a:extLst>
+                <a:ext uri="{FF2B5EF4-FFF2-40B4-BE49-F238E27FC236}">
+                  <a16:creationId xmlns:a16="http://schemas.microsoft.com/office/drawing/2014/main" id="{987FC942-2C4F-9857-8A97-D75986CE3BAC}"/>
+                </a:ext>
+              </a:extLst>
+            </p:cNvPr>
+            <p:cNvCxnSpPr>
+              <a:cxnSpLocks/>
+            </p:cNvCxnSpPr>
+            <p:nvPr/>
+          </p:nvCxnSpPr>
+          <p:spPr>
+            <a:xfrm>
+              <a:off x="13407952" y="6477518"/>
+              <a:ext cx="16935" cy="6712994"/>
+            </a:xfrm>
+            <a:prstGeom prst="line">
+              <a:avLst/>
+            </a:prstGeom>
+            <a:ln w="38100">
+              <a:solidFill>
+                <a:srgbClr val="00B0F0"/>
+              </a:solidFill>
+              <a:prstDash val="solid"/>
+            </a:ln>
+          </p:spPr>
+          <p:style>
+            <a:lnRef idx="1">
+              <a:schemeClr val="accent1"/>
+            </a:lnRef>
+            <a:fillRef idx="0">
+              <a:schemeClr val="accent1"/>
+            </a:fillRef>
+            <a:effectRef idx="0">
+              <a:schemeClr val="accent1"/>
+            </a:effectRef>
+            <a:fontRef idx="minor">
+              <a:schemeClr val="tx1"/>
+            </a:fontRef>
+          </p:style>
+        </p:cxnSp>
+      </p:grpSp>
+    </p:spTree>
+    <p:extLst>
+      <p:ext uri="{BB962C8B-B14F-4D97-AF65-F5344CB8AC3E}">
+        <p14:creationId xmlns:p14="http://schemas.microsoft.com/office/powerpoint/2010/main" val="3534228715"/>
+      </p:ext>
+    </p:extLst>
+  </p:cSld>
+  <p:clrMapOvr>
+    <a:masterClrMapping/>
+  </p:clrMapOvr>
+</p:sld>
+</file>
+
 <file path=ppt/theme/theme1.xml><?xml version="1.0" encoding="utf-8"?>
 <a:theme xmlns:a="http://schemas.openxmlformats.org/drawingml/2006/main" name="Office Theme">
   <a:themeElements>

--- a/bogovirus_2min_presentation.pptx
+++ b/bogovirus_2min_presentation.pptx
@@ -1764,7 +1764,7 @@
           <a:p>
             <a:fld id="{CCB1131A-CFC1-4E12-9D04-E914517316D5}" type="datetimeFigureOut">
               <a:rPr lang="en-US" smtClean="0"/>
-              <a:t>11/11/2022</a:t>
+              <a:t>11/27/2022</a:t>
             </a:fld>
             <a:endParaRPr lang="en-US"/>
           </a:p>
@@ -1962,7 +1962,7 @@
           <a:p>
             <a:fld id="{CCB1131A-CFC1-4E12-9D04-E914517316D5}" type="datetimeFigureOut">
               <a:rPr lang="en-US" smtClean="0"/>
-              <a:t>11/11/2022</a:t>
+              <a:t>11/27/2022</a:t>
             </a:fld>
             <a:endParaRPr lang="en-US"/>
           </a:p>
@@ -2170,7 +2170,7 @@
           <a:p>
             <a:fld id="{CCB1131A-CFC1-4E12-9D04-E914517316D5}" type="datetimeFigureOut">
               <a:rPr lang="en-US" smtClean="0"/>
-              <a:t>11/11/2022</a:t>
+              <a:t>11/27/2022</a:t>
             </a:fld>
             <a:endParaRPr lang="en-US"/>
           </a:p>
@@ -2575,7 +2575,7 @@
           <a:p>
             <a:fld id="{CCB1131A-CFC1-4E12-9D04-E914517316D5}" type="datetimeFigureOut">
               <a:rPr lang="en-US" smtClean="0"/>
-              <a:t>11/11/2022</a:t>
+              <a:t>11/27/2022</a:t>
             </a:fld>
             <a:endParaRPr lang="en-US"/>
           </a:p>
@@ -2850,7 +2850,7 @@
           <a:p>
             <a:fld id="{CCB1131A-CFC1-4E12-9D04-E914517316D5}" type="datetimeFigureOut">
               <a:rPr lang="en-US" smtClean="0"/>
-              <a:t>11/11/2022</a:t>
+              <a:t>11/27/2022</a:t>
             </a:fld>
             <a:endParaRPr lang="en-US"/>
           </a:p>
@@ -3115,7 +3115,7 @@
           <a:p>
             <a:fld id="{CCB1131A-CFC1-4E12-9D04-E914517316D5}" type="datetimeFigureOut">
               <a:rPr lang="en-US" smtClean="0"/>
-              <a:t>11/11/2022</a:t>
+              <a:t>11/27/2022</a:t>
             </a:fld>
             <a:endParaRPr lang="en-US"/>
           </a:p>
@@ -3527,7 +3527,7 @@
           <a:p>
             <a:fld id="{CCB1131A-CFC1-4E12-9D04-E914517316D5}" type="datetimeFigureOut">
               <a:rPr lang="en-US" smtClean="0"/>
-              <a:t>11/11/2022</a:t>
+              <a:t>11/27/2022</a:t>
             </a:fld>
             <a:endParaRPr lang="en-US"/>
           </a:p>
@@ -3668,7 +3668,7 @@
           <a:p>
             <a:fld id="{CCB1131A-CFC1-4E12-9D04-E914517316D5}" type="datetimeFigureOut">
               <a:rPr lang="en-US" smtClean="0"/>
-              <a:t>11/11/2022</a:t>
+              <a:t>11/27/2022</a:t>
             </a:fld>
             <a:endParaRPr lang="en-US"/>
           </a:p>
@@ -3781,7 +3781,7 @@
           <a:p>
             <a:fld id="{CCB1131A-CFC1-4E12-9D04-E914517316D5}" type="datetimeFigureOut">
               <a:rPr lang="en-US" smtClean="0"/>
-              <a:t>11/11/2022</a:t>
+              <a:t>11/27/2022</a:t>
             </a:fld>
             <a:endParaRPr lang="en-US"/>
           </a:p>
@@ -4092,7 +4092,7 @@
           <a:p>
             <a:fld id="{CCB1131A-CFC1-4E12-9D04-E914517316D5}" type="datetimeFigureOut">
               <a:rPr lang="en-US" smtClean="0"/>
-              <a:t>11/11/2022</a:t>
+              <a:t>11/27/2022</a:t>
             </a:fld>
             <a:endParaRPr lang="en-US"/>
           </a:p>
@@ -4380,7 +4380,7 @@
           <a:p>
             <a:fld id="{CCB1131A-CFC1-4E12-9D04-E914517316D5}" type="datetimeFigureOut">
               <a:rPr lang="en-US" smtClean="0"/>
-              <a:t>11/11/2022</a:t>
+              <a:t>11/27/2022</a:t>
             </a:fld>
             <a:endParaRPr lang="en-US"/>
           </a:p>
@@ -4621,7 +4621,7 @@
           <a:p>
             <a:fld id="{CCB1131A-CFC1-4E12-9D04-E914517316D5}" type="datetimeFigureOut">
               <a:rPr lang="en-US" smtClean="0"/>
-              <a:t>11/11/2022</a:t>
+              <a:t>11/27/2022</a:t>
             </a:fld>
             <a:endParaRPr lang="en-US"/>
           </a:p>
@@ -7324,8 +7324,8 @@
         </p:nvSpPr>
         <p:spPr>
           <a:xfrm>
-            <a:off x="1175144" y="2244622"/>
-            <a:ext cx="7161208" cy="2466190"/>
+            <a:off x="392723" y="2045677"/>
+            <a:ext cx="7943629" cy="2665135"/>
           </a:xfrm>
           <a:prstGeom prst="rect">
             <a:avLst/>
@@ -7333,7 +7333,7 @@
         </p:spPr>
         <p:txBody>
           <a:bodyPr vert="horz" lIns="91440" tIns="45720" rIns="91440" bIns="45720" rtlCol="0">
-            <a:normAutofit/>
+            <a:normAutofit fontScale="77500" lnSpcReduction="20000"/>
           </a:bodyPr>
           <a:lstStyle>
             <a:lvl1pPr marL="0" indent="0" algn="ctr" defTabSz="2194560" rtl="0" eaLnBrk="1" latinLnBrk="0" hangingPunct="1">
@@ -7500,7 +7500,60 @@
             </a:lvl9pPr>
           </a:lstStyle>
           <a:p>
-            <a:pPr algn="l">
+            <a:pPr>
+              <a:lnSpc>
+                <a:spcPts val="2400"/>
+              </a:lnSpc>
+              <a:spcBef>
+                <a:spcPts val="0"/>
+              </a:spcBef>
+            </a:pPr>
+            <a:r>
+              <a:rPr lang="en-US" sz="3100" i="1" dirty="0"/>
+              <a:t>Approaches to Optimizing Medical Treatment Policy using Temporal Causal Model-Based Simulation</a:t>
+            </a:r>
+          </a:p>
+          <a:p>
+            <a:pPr>
+              <a:lnSpc>
+                <a:spcPts val="2400"/>
+              </a:lnSpc>
+              <a:spcBef>
+                <a:spcPts val="0"/>
+              </a:spcBef>
+            </a:pPr>
+            <a:endParaRPr lang="en-US" sz="3100" i="1" dirty="0"/>
+          </a:p>
+          <a:p>
+            <a:pPr>
+              <a:lnSpc>
+                <a:spcPts val="2400"/>
+              </a:lnSpc>
+              <a:spcBef>
+                <a:spcPts val="0"/>
+              </a:spcBef>
+            </a:pPr>
+            <a:r>
+              <a:rPr lang="en-US" sz="2800" dirty="0"/>
+              <a:t>SyntheticData4ML Workshop, NeurIPS 2022</a:t>
+            </a:r>
+          </a:p>
+          <a:p>
+            <a:pPr>
+              <a:lnSpc>
+                <a:spcPts val="2400"/>
+              </a:lnSpc>
+              <a:spcBef>
+                <a:spcPts val="0"/>
+              </a:spcBef>
+            </a:pPr>
+            <a:endParaRPr lang="en-US" sz="2800" dirty="0">
+              <a:latin typeface="Calibri" panose="020F0502020204030204" pitchFamily="34" charset="0"/>
+              <a:ea typeface="Calibri" panose="020F0502020204030204" pitchFamily="34" charset="0"/>
+            </a:endParaRPr>
+          </a:p>
+          <a:p>
+            <a:pPr>
               <a:lnSpc>
                 <a:spcPts val="2400"/>
               </a:lnSpc>
@@ -7513,11 +7566,26 @@
                 <a:latin typeface="Calibri" panose="020F0502020204030204" pitchFamily="34" charset="0"/>
                 <a:ea typeface="Calibri" panose="020F0502020204030204" pitchFamily="34" charset="0"/>
               </a:rPr>
-              <a:t>Robert Horton, Maryam Tavakoli Hosseinabadi, John-Mark Agosta</a:t>
+              <a:t>Robert Horton </a:t>
             </a:r>
-          </a:p>
-          <a:p>
-            <a:pPr algn="l">
+            <a:r>
+              <a:rPr lang="en-US" sz="2800" dirty="0">
+                <a:latin typeface="Calibri" panose="020F0502020204030204" pitchFamily="34" charset="0"/>
+                <a:ea typeface="Calibri" panose="020F0502020204030204" pitchFamily="34" charset="0"/>
+                <a:hlinkClick r:id="rId2"/>
+              </a:rPr>
+              <a:t>rhorton@microsoft.com</a:t>
+            </a:r>
+            <a:r>
+              <a:rPr lang="en-US" sz="2800" dirty="0">
+                <a:latin typeface="Calibri" panose="020F0502020204030204" pitchFamily="34" charset="0"/>
+                <a:ea typeface="Calibri" panose="020F0502020204030204" pitchFamily="34" charset="0"/>
+              </a:rPr>
+              <a:t>,</a:t>
+            </a:r>
+          </a:p>
+          <a:p>
+            <a:pPr>
               <a:lnSpc>
                 <a:spcPts val="2400"/>
               </a:lnSpc>
@@ -7526,12 +7594,30 @@
               </a:spcBef>
             </a:pPr>
             <a:r>
-              <a:rPr lang="en-US" sz="2800" i="1" dirty="0"/>
-              <a:t>Approaches to Optimizing Medical Treatment Policy using Temporal Causal Model-Based Simulation</a:t>
+              <a:rPr lang="en-US" sz="2800" dirty="0">
+                <a:latin typeface="Calibri" panose="020F0502020204030204" pitchFamily="34" charset="0"/>
+                <a:ea typeface="Calibri" panose="020F0502020204030204" pitchFamily="34" charset="0"/>
+              </a:rPr>
+              <a:t>Maryam Tavakoli Hosseinabadi </a:t>
             </a:r>
-          </a:p>
-          <a:p>
-            <a:pPr algn="l">
+            <a:r>
+              <a:rPr lang="en-US" sz="2800" dirty="0">
+                <a:latin typeface="Calibri" panose="020F0502020204030204" pitchFamily="34" charset="0"/>
+                <a:ea typeface="Calibri" panose="020F0502020204030204" pitchFamily="34" charset="0"/>
+                <a:hlinkClick r:id="rId3"/>
+              </a:rPr>
+              <a:t>Maryam.Tavakoli@microsoft.com</a:t>
+            </a:r>
+            <a:r>
+              <a:rPr lang="en-US" sz="2800" dirty="0">
+                <a:latin typeface="Calibri" panose="020F0502020204030204" pitchFamily="34" charset="0"/>
+                <a:ea typeface="Calibri" panose="020F0502020204030204" pitchFamily="34" charset="0"/>
+              </a:rPr>
+              <a:t>, </a:t>
+            </a:r>
+          </a:p>
+          <a:p>
+            <a:pPr>
               <a:lnSpc>
                 <a:spcPts val="2400"/>
               </a:lnSpc>
@@ -7540,17 +7626,38 @@
               </a:spcBef>
             </a:pPr>
             <a:r>
-              <a:rPr lang="en-US" sz="2800" dirty="0"/>
-              <a:t>SyntheticData4ML Workshop, </a:t>
+              <a:rPr lang="en-US" sz="2800" dirty="0">
+                <a:latin typeface="Calibri" panose="020F0502020204030204" pitchFamily="34" charset="0"/>
+                <a:ea typeface="Calibri" panose="020F0502020204030204" pitchFamily="34" charset="0"/>
+              </a:rPr>
+              <a:t>John-Mark Agosta </a:t>
             </a:r>
             <a:r>
-              <a:rPr lang="en-US" sz="2800" dirty="0" err="1"/>
-              <a:t>NeurIPS</a:t>
+              <a:rPr lang="en-US" sz="2800" dirty="0">
+                <a:latin typeface="Calibri" panose="020F0502020204030204" pitchFamily="34" charset="0"/>
+                <a:ea typeface="Calibri" panose="020F0502020204030204" pitchFamily="34" charset="0"/>
+                <a:hlinkClick r:id="rId4"/>
+              </a:rPr>
+              <a:t>john-mark.Agosta@microsoft.com</a:t>
             </a:r>
-            <a:r>
-              <a:rPr lang="en-US" sz="2800" dirty="0"/>
-              <a:t> 2022</a:t>
-            </a:r>
+            <a:endParaRPr lang="en-US" sz="2800" dirty="0">
+              <a:latin typeface="Calibri" panose="020F0502020204030204" pitchFamily="34" charset="0"/>
+              <a:ea typeface="Calibri" panose="020F0502020204030204" pitchFamily="34" charset="0"/>
+            </a:endParaRPr>
+          </a:p>
+          <a:p>
+            <a:pPr>
+              <a:lnSpc>
+                <a:spcPts val="2400"/>
+              </a:lnSpc>
+              <a:spcBef>
+                <a:spcPts val="0"/>
+              </a:spcBef>
+            </a:pPr>
+            <a:endParaRPr lang="en-US" sz="2800" dirty="0">
+              <a:latin typeface="Calibri" panose="020F0502020204030204" pitchFamily="34" charset="0"/>
+              <a:ea typeface="Calibri" panose="020F0502020204030204" pitchFamily="34" charset="0"/>
+            </a:endParaRPr>
           </a:p>
           <a:p>
             <a:endParaRPr lang="en-US" sz="3200" dirty="0"/>
@@ -7572,7 +7679,7 @@
           <p:nvPr/>
         </p:nvPicPr>
         <p:blipFill>
-          <a:blip r:embed="rId2">
+          <a:blip r:embed="rId5">
             <a:extLst>
               <a:ext uri="{28A0092B-C50C-407E-A947-70E740481C1C}">
                 <a14:useLocalDpi xmlns:a14="http://schemas.microsoft.com/office/drawing/2010/main" val="0"/>
